--- a/StitchInTime.pptx
+++ b/StitchInTime.pptx
@@ -2,7 +2,7 @@
 <file path=ppt/presentation.xml><?xml version="1.0" encoding="utf-8"?>
 <p:presentation xmlns:a="http://schemas.openxmlformats.org/drawingml/2006/main" xmlns:r="http://schemas.openxmlformats.org/officeDocument/2006/relationships" xmlns:p="http://schemas.openxmlformats.org/presentationml/2006/main" strictFirstAndLastChars="0" embedTrueTypeFonts="1" saveSubsetFonts="1" autoCompressPictures="0">
   <p:sldMasterIdLst>
-    <p:sldMasterId id="2147483659" r:id="rId1"/>
+    <p:sldMasterId id="2147483648" r:id="rId1"/>
   </p:sldMasterIdLst>
   <p:notesMasterIdLst>
     <p:notesMasterId r:id="rId7"/>
@@ -12,29 +12,24 @@
     <p:sldId id="257" r:id="rId3"/>
     <p:sldId id="258" r:id="rId4"/>
     <p:sldId id="259" r:id="rId5"/>
-    <p:sldId id="260" r:id="rId6"/>
+    <p:sldId id="261" r:id="rId6"/>
   </p:sldIdLst>
   <p:sldSz cx="9144000" cy="5143500" type="screen16x9"/>
   <p:notesSz cx="6858000" cy="9144000"/>
   <p:embeddedFontLst>
     <p:embeddedFont>
-      <p:font typeface="Montserrat" panose="00000500000000000000" pitchFamily="2" charset="0"/>
+      <p:font typeface="Playfair Display" panose="00000500000000000000" pitchFamily="2" charset="0"/>
       <p:regular r:id="rId8"/>
       <p:bold r:id="rId9"/>
       <p:italic r:id="rId10"/>
       <p:boldItalic r:id="rId11"/>
     </p:embeddedFont>
     <p:embeddedFont>
-      <p:font typeface="Oswald" panose="00000500000000000000" pitchFamily="2" charset="0"/>
+      <p:font typeface="Roboto" panose="02000000000000000000" pitchFamily="2" charset="0"/>
       <p:regular r:id="rId12"/>
       <p:bold r:id="rId13"/>
-    </p:embeddedFont>
-    <p:embeddedFont>
-      <p:font typeface="Playfair Display" panose="00000500000000000000" pitchFamily="2" charset="0"/>
-      <p:regular r:id="rId14"/>
-      <p:bold r:id="rId15"/>
-      <p:italic r:id="rId16"/>
-      <p:boldItalic r:id="rId17"/>
+      <p:italic r:id="rId14"/>
+      <p:boldItalic r:id="rId15"/>
     </p:embeddedFont>
   </p:embeddedFontLst>
   <p:defaultTextStyle>
@@ -281,6 +276,9 @@
         </p15:guide>
       </p15:sldGuideLst>
     </p:ext>
+    <p:ext uri="http://customooxmlschemas.google.com/">
+      <go:slidesCustomData xmlns="" xmlns:mc="http://schemas.openxmlformats.org/markup-compatibility/2006" xmlns:mv="urn:schemas-microsoft-com:mac:vml" xmlns:c="http://schemas.openxmlformats.org/drawingml/2006/chart" xmlns:dgm="http://schemas.openxmlformats.org/drawingml/2006/diagram" xmlns:o="urn:schemas-microsoft-com:office:office" xmlns:v="urn:schemas-microsoft-com:vml" xmlns:pvml="urn:schemas-microsoft-com:office:powerpoint" xmlns:com="http://schemas.openxmlformats.org/drawingml/2006/compatibility" xmlns:p14="http://schemas.microsoft.com/office/powerpoint/2010/main" xmlns:p15="http://schemas.microsoft.com/office/powerpoint/2012/main" xmlns:ahyp="http://schemas.microsoft.com/office/drawing/2018/hyperlinkcolor" xmlns:go="http://customooxmlschemas.google.com/" r:id="rId20" roundtripDataSignature="AMtx7mgEqzaY5hqNtbINHIjg/azCAAqdGA=="/>
+    </p:ext>
   </p:extLst>
 </p:presentation>
 </file>
@@ -289,9 +287,12 @@
 <p:notesMaster xmlns:a="http://schemas.openxmlformats.org/drawingml/2006/main" xmlns:r="http://schemas.openxmlformats.org/officeDocument/2006/relationships" xmlns:p="http://schemas.openxmlformats.org/presentationml/2006/main">
   <p:cSld>
     <p:bg>
-      <p:bgRef idx="1001">
-        <a:schemeClr val="bg1"/>
-      </p:bgRef>
+      <p:bgPr>
+        <a:solidFill>
+          <a:schemeClr val="lt1"/>
+        </a:solidFill>
+        <a:effectLst/>
+      </p:bgPr>
     </p:bg>
     <p:spTree>
       <p:nvGrpSpPr>
@@ -386,104 +387,239 @@
             <a:noAutofit/>
           </a:bodyPr>
           <a:lstStyle>
-            <a:lvl1pPr marL="457200" lvl="0" indent="-298450">
-              <a:spcBef>
-                <a:spcPts val="0"/>
-              </a:spcBef>
-              <a:spcAft>
-                <a:spcPts val="0"/>
-              </a:spcAft>
+            <a:lvl1pPr marL="457200" marR="0" lvl="0" indent="-298450" algn="l" rtl="0">
+              <a:lnSpc>
+                <a:spcPct val="100000"/>
+              </a:lnSpc>
+              <a:spcBef>
+                <a:spcPts val="0"/>
+              </a:spcBef>
+              <a:spcAft>
+                <a:spcPts val="0"/>
+              </a:spcAft>
+              <a:buClr>
+                <a:srgbClr val="000000"/>
+              </a:buClr>
               <a:buSzPts val="1100"/>
+              <a:buFont typeface="Arial"/>
               <a:buChar char="●"/>
-              <a:defRPr sz="1100"/>
+              <a:defRPr sz="1100" b="0" i="0" u="none" strike="noStrike" cap="none">
+                <a:solidFill>
+                  <a:srgbClr val="000000"/>
+                </a:solidFill>
+                <a:latin typeface="Arial"/>
+                <a:ea typeface="Arial"/>
+                <a:cs typeface="Arial"/>
+                <a:sym typeface="Arial"/>
+              </a:defRPr>
             </a:lvl1pPr>
-            <a:lvl2pPr marL="914400" lvl="1" indent="-298450">
-              <a:spcBef>
-                <a:spcPts val="0"/>
-              </a:spcBef>
-              <a:spcAft>
-                <a:spcPts val="0"/>
-              </a:spcAft>
+            <a:lvl2pPr marL="914400" marR="0" lvl="1" indent="-298450" algn="l" rtl="0">
+              <a:lnSpc>
+                <a:spcPct val="100000"/>
+              </a:lnSpc>
+              <a:spcBef>
+                <a:spcPts val="0"/>
+              </a:spcBef>
+              <a:spcAft>
+                <a:spcPts val="0"/>
+              </a:spcAft>
+              <a:buClr>
+                <a:srgbClr val="000000"/>
+              </a:buClr>
               <a:buSzPts val="1100"/>
+              <a:buFont typeface="Arial"/>
               <a:buChar char="○"/>
-              <a:defRPr sz="1100"/>
+              <a:defRPr sz="1100" b="0" i="0" u="none" strike="noStrike" cap="none">
+                <a:solidFill>
+                  <a:srgbClr val="000000"/>
+                </a:solidFill>
+                <a:latin typeface="Arial"/>
+                <a:ea typeface="Arial"/>
+                <a:cs typeface="Arial"/>
+                <a:sym typeface="Arial"/>
+              </a:defRPr>
             </a:lvl2pPr>
-            <a:lvl3pPr marL="1371600" lvl="2" indent="-298450">
-              <a:spcBef>
-                <a:spcPts val="0"/>
-              </a:spcBef>
-              <a:spcAft>
-                <a:spcPts val="0"/>
-              </a:spcAft>
+            <a:lvl3pPr marL="1371600" marR="0" lvl="2" indent="-298450" algn="l" rtl="0">
+              <a:lnSpc>
+                <a:spcPct val="100000"/>
+              </a:lnSpc>
+              <a:spcBef>
+                <a:spcPts val="0"/>
+              </a:spcBef>
+              <a:spcAft>
+                <a:spcPts val="0"/>
+              </a:spcAft>
+              <a:buClr>
+                <a:srgbClr val="000000"/>
+              </a:buClr>
               <a:buSzPts val="1100"/>
+              <a:buFont typeface="Arial"/>
               <a:buChar char="■"/>
-              <a:defRPr sz="1100"/>
+              <a:defRPr sz="1100" b="0" i="0" u="none" strike="noStrike" cap="none">
+                <a:solidFill>
+                  <a:srgbClr val="000000"/>
+                </a:solidFill>
+                <a:latin typeface="Arial"/>
+                <a:ea typeface="Arial"/>
+                <a:cs typeface="Arial"/>
+                <a:sym typeface="Arial"/>
+              </a:defRPr>
             </a:lvl3pPr>
-            <a:lvl4pPr marL="1828800" lvl="3" indent="-298450">
-              <a:spcBef>
-                <a:spcPts val="0"/>
-              </a:spcBef>
-              <a:spcAft>
-                <a:spcPts val="0"/>
-              </a:spcAft>
+            <a:lvl4pPr marL="1828800" marR="0" lvl="3" indent="-298450" algn="l" rtl="0">
+              <a:lnSpc>
+                <a:spcPct val="100000"/>
+              </a:lnSpc>
+              <a:spcBef>
+                <a:spcPts val="0"/>
+              </a:spcBef>
+              <a:spcAft>
+                <a:spcPts val="0"/>
+              </a:spcAft>
+              <a:buClr>
+                <a:srgbClr val="000000"/>
+              </a:buClr>
               <a:buSzPts val="1100"/>
+              <a:buFont typeface="Arial"/>
               <a:buChar char="●"/>
-              <a:defRPr sz="1100"/>
+              <a:defRPr sz="1100" b="0" i="0" u="none" strike="noStrike" cap="none">
+                <a:solidFill>
+                  <a:srgbClr val="000000"/>
+                </a:solidFill>
+                <a:latin typeface="Arial"/>
+                <a:ea typeface="Arial"/>
+                <a:cs typeface="Arial"/>
+                <a:sym typeface="Arial"/>
+              </a:defRPr>
             </a:lvl4pPr>
-            <a:lvl5pPr marL="2286000" lvl="4" indent="-298450">
-              <a:spcBef>
-                <a:spcPts val="0"/>
-              </a:spcBef>
-              <a:spcAft>
-                <a:spcPts val="0"/>
-              </a:spcAft>
+            <a:lvl5pPr marL="2286000" marR="0" lvl="4" indent="-298450" algn="l" rtl="0">
+              <a:lnSpc>
+                <a:spcPct val="100000"/>
+              </a:lnSpc>
+              <a:spcBef>
+                <a:spcPts val="0"/>
+              </a:spcBef>
+              <a:spcAft>
+                <a:spcPts val="0"/>
+              </a:spcAft>
+              <a:buClr>
+                <a:srgbClr val="000000"/>
+              </a:buClr>
               <a:buSzPts val="1100"/>
+              <a:buFont typeface="Arial"/>
               <a:buChar char="○"/>
-              <a:defRPr sz="1100"/>
+              <a:defRPr sz="1100" b="0" i="0" u="none" strike="noStrike" cap="none">
+                <a:solidFill>
+                  <a:srgbClr val="000000"/>
+                </a:solidFill>
+                <a:latin typeface="Arial"/>
+                <a:ea typeface="Arial"/>
+                <a:cs typeface="Arial"/>
+                <a:sym typeface="Arial"/>
+              </a:defRPr>
             </a:lvl5pPr>
-            <a:lvl6pPr marL="2743200" lvl="5" indent="-298450">
-              <a:spcBef>
-                <a:spcPts val="0"/>
-              </a:spcBef>
-              <a:spcAft>
-                <a:spcPts val="0"/>
-              </a:spcAft>
+            <a:lvl6pPr marL="2743200" marR="0" lvl="5" indent="-298450" algn="l" rtl="0">
+              <a:lnSpc>
+                <a:spcPct val="100000"/>
+              </a:lnSpc>
+              <a:spcBef>
+                <a:spcPts val="0"/>
+              </a:spcBef>
+              <a:spcAft>
+                <a:spcPts val="0"/>
+              </a:spcAft>
+              <a:buClr>
+                <a:srgbClr val="000000"/>
+              </a:buClr>
               <a:buSzPts val="1100"/>
+              <a:buFont typeface="Arial"/>
               <a:buChar char="■"/>
-              <a:defRPr sz="1100"/>
+              <a:defRPr sz="1100" b="0" i="0" u="none" strike="noStrike" cap="none">
+                <a:solidFill>
+                  <a:srgbClr val="000000"/>
+                </a:solidFill>
+                <a:latin typeface="Arial"/>
+                <a:ea typeface="Arial"/>
+                <a:cs typeface="Arial"/>
+                <a:sym typeface="Arial"/>
+              </a:defRPr>
             </a:lvl6pPr>
-            <a:lvl7pPr marL="3200400" lvl="6" indent="-298450">
-              <a:spcBef>
-                <a:spcPts val="0"/>
-              </a:spcBef>
-              <a:spcAft>
-                <a:spcPts val="0"/>
-              </a:spcAft>
+            <a:lvl7pPr marL="3200400" marR="0" lvl="6" indent="-298450" algn="l" rtl="0">
+              <a:lnSpc>
+                <a:spcPct val="100000"/>
+              </a:lnSpc>
+              <a:spcBef>
+                <a:spcPts val="0"/>
+              </a:spcBef>
+              <a:spcAft>
+                <a:spcPts val="0"/>
+              </a:spcAft>
+              <a:buClr>
+                <a:srgbClr val="000000"/>
+              </a:buClr>
               <a:buSzPts val="1100"/>
+              <a:buFont typeface="Arial"/>
               <a:buChar char="●"/>
-              <a:defRPr sz="1100"/>
+              <a:defRPr sz="1100" b="0" i="0" u="none" strike="noStrike" cap="none">
+                <a:solidFill>
+                  <a:srgbClr val="000000"/>
+                </a:solidFill>
+                <a:latin typeface="Arial"/>
+                <a:ea typeface="Arial"/>
+                <a:cs typeface="Arial"/>
+                <a:sym typeface="Arial"/>
+              </a:defRPr>
             </a:lvl7pPr>
-            <a:lvl8pPr marL="3657600" lvl="7" indent="-298450">
-              <a:spcBef>
-                <a:spcPts val="0"/>
-              </a:spcBef>
-              <a:spcAft>
-                <a:spcPts val="0"/>
-              </a:spcAft>
+            <a:lvl8pPr marL="3657600" marR="0" lvl="7" indent="-298450" algn="l" rtl="0">
+              <a:lnSpc>
+                <a:spcPct val="100000"/>
+              </a:lnSpc>
+              <a:spcBef>
+                <a:spcPts val="0"/>
+              </a:spcBef>
+              <a:spcAft>
+                <a:spcPts val="0"/>
+              </a:spcAft>
+              <a:buClr>
+                <a:srgbClr val="000000"/>
+              </a:buClr>
               <a:buSzPts val="1100"/>
+              <a:buFont typeface="Arial"/>
               <a:buChar char="○"/>
-              <a:defRPr sz="1100"/>
+              <a:defRPr sz="1100" b="0" i="0" u="none" strike="noStrike" cap="none">
+                <a:solidFill>
+                  <a:srgbClr val="000000"/>
+                </a:solidFill>
+                <a:latin typeface="Arial"/>
+                <a:ea typeface="Arial"/>
+                <a:cs typeface="Arial"/>
+                <a:sym typeface="Arial"/>
+              </a:defRPr>
             </a:lvl8pPr>
-            <a:lvl9pPr marL="4114800" lvl="8" indent="-298450">
-              <a:spcBef>
-                <a:spcPts val="0"/>
-              </a:spcBef>
-              <a:spcAft>
-                <a:spcPts val="0"/>
-              </a:spcAft>
+            <a:lvl9pPr marL="4114800" marR="0" lvl="8" indent="-298450" algn="l" rtl="0">
+              <a:lnSpc>
+                <a:spcPct val="100000"/>
+              </a:lnSpc>
+              <a:spcBef>
+                <a:spcPts val="0"/>
+              </a:spcBef>
+              <a:spcAft>
+                <a:spcPts val="0"/>
+              </a:spcAft>
+              <a:buClr>
+                <a:srgbClr val="000000"/>
+              </a:buClr>
               <a:buSzPts val="1100"/>
+              <a:buFont typeface="Arial"/>
               <a:buChar char="■"/>
-              <a:defRPr sz="1100"/>
+              <a:defRPr sz="1100" b="0" i="0" u="none" strike="noStrike" cap="none">
+                <a:solidFill>
+                  <a:srgbClr val="000000"/>
+                </a:solidFill>
+                <a:latin typeface="Arial"/>
+                <a:ea typeface="Arial"/>
+                <a:cs typeface="Arial"/>
+                <a:sym typeface="Arial"/>
+              </a:defRPr>
             </a:lvl9pPr>
           </a:lstStyle>
           <a:p>
@@ -731,7 +867,7 @@
   <p:cSld>
     <p:spTree>
       <p:nvGrpSpPr>
-        <p:cNvPr id="1" name="Shape 54"/>
+        <p:cNvPr id="1" name="Shape 81"/>
         <p:cNvGrpSpPr/>
         <p:nvPr/>
       </p:nvGrpSpPr>
@@ -745,7 +881,7 @@
       </p:grpSpPr>
       <p:sp>
         <p:nvSpPr>
-          <p:cNvPr id="55" name="Google Shape;55;p:notes"/>
+          <p:cNvPr id="82" name="Google Shape;82;p1:notes"/>
           <p:cNvSpPr>
             <a:spLocks noGrp="1" noRot="1" noChangeAspect="1"/>
           </p:cNvSpPr>
@@ -782,11 +918,21 @@
               </a:path>
             </a:pathLst>
           </a:custGeom>
+          <a:noFill/>
+          <a:ln w="9525" cap="flat" cmpd="sng">
+            <a:solidFill>
+              <a:srgbClr val="000000"/>
+            </a:solidFill>
+            <a:prstDash val="solid"/>
+            <a:round/>
+            <a:headEnd type="none" w="sm" len="sm"/>
+            <a:tailEnd type="none" w="sm" len="sm"/>
+          </a:ln>
         </p:spPr>
       </p:sp>
       <p:sp>
         <p:nvSpPr>
-          <p:cNvPr id="56" name="Google Shape;56;p:notes"/>
+          <p:cNvPr id="83" name="Google Shape;83;p1:notes"/>
           <p:cNvSpPr txBox="1">
             <a:spLocks noGrp="1"/>
           </p:cNvSpPr>
@@ -802,6 +948,10 @@
           <a:prstGeom prst="rect">
             <a:avLst/>
           </a:prstGeom>
+          <a:noFill/>
+          <a:ln>
+            <a:noFill/>
+          </a:ln>
         </p:spPr>
         <p:txBody>
           <a:bodyPr spcFirstLastPara="1" wrap="square" lIns="91425" tIns="91425" rIns="91425" bIns="91425" anchor="t" anchorCtr="0">
@@ -810,12 +960,16 @@
           <a:lstStyle/>
           <a:p>
             <a:pPr marL="0" lvl="0" indent="0" algn="l" rtl="0">
-              <a:spcBef>
-                <a:spcPts val="0"/>
-              </a:spcBef>
-              <a:spcAft>
-                <a:spcPts val="0"/>
-              </a:spcAft>
+              <a:lnSpc>
+                <a:spcPct val="100000"/>
+              </a:lnSpc>
+              <a:spcBef>
+                <a:spcPts val="0"/>
+              </a:spcBef>
+              <a:spcAft>
+                <a:spcPts val="0"/>
+              </a:spcAft>
+              <a:buSzPts val="1100"/>
               <a:buNone/>
             </a:pPr>
             <a:endParaRPr/>
@@ -835,7 +989,7 @@
   <p:cSld>
     <p:spTree>
       <p:nvGrpSpPr>
-        <p:cNvPr id="1" name="Shape 60"/>
+        <p:cNvPr id="1" name="Shape 87"/>
         <p:cNvGrpSpPr/>
         <p:nvPr/>
       </p:nvGrpSpPr>
@@ -849,7 +1003,7 @@
       </p:grpSpPr>
       <p:sp>
         <p:nvSpPr>
-          <p:cNvPr id="61" name="Google Shape;61;g118b379a3eb_0_49:notes"/>
+          <p:cNvPr id="88" name="Google Shape;88;p2:notes"/>
           <p:cNvSpPr>
             <a:spLocks noGrp="1" noRot="1" noChangeAspect="1"/>
           </p:cNvSpPr>
@@ -886,11 +1040,21 @@
               </a:path>
             </a:pathLst>
           </a:custGeom>
+          <a:noFill/>
+          <a:ln w="9525" cap="flat" cmpd="sng">
+            <a:solidFill>
+              <a:srgbClr val="000000"/>
+            </a:solidFill>
+            <a:prstDash val="solid"/>
+            <a:round/>
+            <a:headEnd type="none" w="sm" len="sm"/>
+            <a:tailEnd type="none" w="sm" len="sm"/>
+          </a:ln>
         </p:spPr>
       </p:sp>
       <p:sp>
         <p:nvSpPr>
-          <p:cNvPr id="62" name="Google Shape;62;g118b379a3eb_0_49:notes"/>
+          <p:cNvPr id="89" name="Google Shape;89;p2:notes"/>
           <p:cNvSpPr txBox="1">
             <a:spLocks noGrp="1"/>
           </p:cNvSpPr>
@@ -906,6 +1070,10 @@
           <a:prstGeom prst="rect">
             <a:avLst/>
           </a:prstGeom>
+          <a:noFill/>
+          <a:ln>
+            <a:noFill/>
+          </a:ln>
         </p:spPr>
         <p:txBody>
           <a:bodyPr spcFirstLastPara="1" wrap="square" lIns="91425" tIns="91425" rIns="91425" bIns="91425" anchor="t" anchorCtr="0">
@@ -914,12 +1082,16 @@
           <a:lstStyle/>
           <a:p>
             <a:pPr marL="0" lvl="0" indent="0" algn="l" rtl="0">
-              <a:spcBef>
-                <a:spcPts val="0"/>
-              </a:spcBef>
-              <a:spcAft>
-                <a:spcPts val="0"/>
-              </a:spcAft>
+              <a:lnSpc>
+                <a:spcPct val="100000"/>
+              </a:lnSpc>
+              <a:spcBef>
+                <a:spcPts val="0"/>
+              </a:spcBef>
+              <a:spcAft>
+                <a:spcPts val="0"/>
+              </a:spcAft>
+              <a:buSzPts val="1100"/>
               <a:buNone/>
             </a:pPr>
             <a:endParaRPr/>
@@ -939,7 +1111,7 @@
   <p:cSld>
     <p:spTree>
       <p:nvGrpSpPr>
-        <p:cNvPr id="1" name="Shape 66"/>
+        <p:cNvPr id="1" name="Shape 94"/>
         <p:cNvGrpSpPr/>
         <p:nvPr/>
       </p:nvGrpSpPr>
@@ -953,7 +1125,7 @@
       </p:grpSpPr>
       <p:sp>
         <p:nvSpPr>
-          <p:cNvPr id="67" name="Google Shape;67;g118b379a3eb_0_54:notes"/>
+          <p:cNvPr id="95" name="Google Shape;95;p3:notes"/>
           <p:cNvSpPr>
             <a:spLocks noGrp="1" noRot="1" noChangeAspect="1"/>
           </p:cNvSpPr>
@@ -990,11 +1162,21 @@
               </a:path>
             </a:pathLst>
           </a:custGeom>
+          <a:noFill/>
+          <a:ln w="9525" cap="flat" cmpd="sng">
+            <a:solidFill>
+              <a:srgbClr val="000000"/>
+            </a:solidFill>
+            <a:prstDash val="solid"/>
+            <a:round/>
+            <a:headEnd type="none" w="sm" len="sm"/>
+            <a:tailEnd type="none" w="sm" len="sm"/>
+          </a:ln>
         </p:spPr>
       </p:sp>
       <p:sp>
         <p:nvSpPr>
-          <p:cNvPr id="68" name="Google Shape;68;g118b379a3eb_0_54:notes"/>
+          <p:cNvPr id="96" name="Google Shape;96;p3:notes"/>
           <p:cNvSpPr txBox="1">
             <a:spLocks noGrp="1"/>
           </p:cNvSpPr>
@@ -1010,6 +1192,10 @@
           <a:prstGeom prst="rect">
             <a:avLst/>
           </a:prstGeom>
+          <a:noFill/>
+          <a:ln>
+            <a:noFill/>
+          </a:ln>
         </p:spPr>
         <p:txBody>
           <a:bodyPr spcFirstLastPara="1" wrap="square" lIns="91425" tIns="91425" rIns="91425" bIns="91425" anchor="t" anchorCtr="0">
@@ -1018,12 +1204,16 @@
           <a:lstStyle/>
           <a:p>
             <a:pPr marL="0" lvl="0" indent="0" algn="l" rtl="0">
-              <a:spcBef>
-                <a:spcPts val="0"/>
-              </a:spcBef>
-              <a:spcAft>
-                <a:spcPts val="0"/>
-              </a:spcAft>
+              <a:lnSpc>
+                <a:spcPct val="100000"/>
+              </a:lnSpc>
+              <a:spcBef>
+                <a:spcPts val="0"/>
+              </a:spcBef>
+              <a:spcAft>
+                <a:spcPts val="0"/>
+              </a:spcAft>
+              <a:buSzPts val="1100"/>
               <a:buNone/>
             </a:pPr>
             <a:endParaRPr/>
@@ -1043,7 +1233,7 @@
   <p:cSld>
     <p:spTree>
       <p:nvGrpSpPr>
-        <p:cNvPr id="1" name="Shape 72"/>
+        <p:cNvPr id="1" name="Shape 100"/>
         <p:cNvGrpSpPr/>
         <p:nvPr/>
       </p:nvGrpSpPr>
@@ -1057,7 +1247,7 @@
       </p:grpSpPr>
       <p:sp>
         <p:nvSpPr>
-          <p:cNvPr id="73" name="Google Shape;73;g118b379a3eb_0_59:notes"/>
+          <p:cNvPr id="101" name="Google Shape;101;p4:notes"/>
           <p:cNvSpPr>
             <a:spLocks noGrp="1" noRot="1" noChangeAspect="1"/>
           </p:cNvSpPr>
@@ -1094,11 +1284,21 @@
               </a:path>
             </a:pathLst>
           </a:custGeom>
+          <a:noFill/>
+          <a:ln w="9525" cap="flat" cmpd="sng">
+            <a:solidFill>
+              <a:srgbClr val="000000"/>
+            </a:solidFill>
+            <a:prstDash val="solid"/>
+            <a:round/>
+            <a:headEnd type="none" w="sm" len="sm"/>
+            <a:tailEnd type="none" w="sm" len="sm"/>
+          </a:ln>
         </p:spPr>
       </p:sp>
       <p:sp>
         <p:nvSpPr>
-          <p:cNvPr id="74" name="Google Shape;74;g118b379a3eb_0_59:notes"/>
+          <p:cNvPr id="102" name="Google Shape;102;p4:notes"/>
           <p:cNvSpPr txBox="1">
             <a:spLocks noGrp="1"/>
           </p:cNvSpPr>
@@ -1114,6 +1314,10 @@
           <a:prstGeom prst="rect">
             <a:avLst/>
           </a:prstGeom>
+          <a:noFill/>
+          <a:ln>
+            <a:noFill/>
+          </a:ln>
         </p:spPr>
         <p:txBody>
           <a:bodyPr spcFirstLastPara="1" wrap="square" lIns="91425" tIns="91425" rIns="91425" bIns="91425" anchor="t" anchorCtr="0">
@@ -1122,12 +1326,16 @@
           <a:lstStyle/>
           <a:p>
             <a:pPr marL="0" lvl="0" indent="0" algn="l" rtl="0">
-              <a:spcBef>
-                <a:spcPts val="0"/>
-              </a:spcBef>
-              <a:spcAft>
-                <a:spcPts val="0"/>
-              </a:spcAft>
+              <a:lnSpc>
+                <a:spcPct val="100000"/>
+              </a:lnSpc>
+              <a:spcBef>
+                <a:spcPts val="0"/>
+              </a:spcBef>
+              <a:spcAft>
+                <a:spcPts val="0"/>
+              </a:spcAft>
+              <a:buSzPts val="1100"/>
               <a:buNone/>
             </a:pPr>
             <a:endParaRPr/>
@@ -1147,7 +1355,7 @@
   <p:cSld>
     <p:spTree>
       <p:nvGrpSpPr>
-        <p:cNvPr id="1" name="Shape 78"/>
+        <p:cNvPr id="1" name="Shape 114"/>
         <p:cNvGrpSpPr/>
         <p:nvPr/>
       </p:nvGrpSpPr>
@@ -1161,7 +1369,7 @@
       </p:grpSpPr>
       <p:sp>
         <p:nvSpPr>
-          <p:cNvPr id="79" name="Google Shape;79;g118b379a3eb_0_64:notes"/>
+          <p:cNvPr id="115" name="Google Shape;115;p5:notes"/>
           <p:cNvSpPr>
             <a:spLocks noGrp="1" noRot="1" noChangeAspect="1"/>
           </p:cNvSpPr>
@@ -1198,11 +1406,21 @@
               </a:path>
             </a:pathLst>
           </a:custGeom>
+          <a:noFill/>
+          <a:ln w="9525" cap="flat" cmpd="sng">
+            <a:solidFill>
+              <a:srgbClr val="000000"/>
+            </a:solidFill>
+            <a:prstDash val="solid"/>
+            <a:round/>
+            <a:headEnd type="none" w="sm" len="sm"/>
+            <a:tailEnd type="none" w="sm" len="sm"/>
+          </a:ln>
         </p:spPr>
       </p:sp>
       <p:sp>
         <p:nvSpPr>
-          <p:cNvPr id="80" name="Google Shape;80;g118b379a3eb_0_64:notes"/>
+          <p:cNvPr id="116" name="Google Shape;116;p5:notes"/>
           <p:cNvSpPr txBox="1">
             <a:spLocks noGrp="1"/>
           </p:cNvSpPr>
@@ -1218,6 +1436,10 @@
           <a:prstGeom prst="rect">
             <a:avLst/>
           </a:prstGeom>
+          <a:noFill/>
+          <a:ln>
+            <a:noFill/>
+          </a:ln>
         </p:spPr>
         <p:txBody>
           <a:bodyPr spcFirstLastPara="1" wrap="square" lIns="91425" tIns="91425" rIns="91425" bIns="91425" anchor="t" anchorCtr="0">
@@ -1226,12 +1448,16 @@
           <a:lstStyle/>
           <a:p>
             <a:pPr marL="0" lvl="0" indent="0" algn="l" rtl="0">
-              <a:spcBef>
-                <a:spcPts val="0"/>
-              </a:spcBef>
-              <a:spcAft>
-                <a:spcPts val="0"/>
-              </a:spcAft>
+              <a:lnSpc>
+                <a:spcPct val="100000"/>
+              </a:lnSpc>
+              <a:spcBef>
+                <a:spcPts val="0"/>
+              </a:spcBef>
+              <a:spcAft>
+                <a:spcPts val="0"/>
+              </a:spcAft>
+              <a:buSzPts val="1100"/>
               <a:buNone/>
             </a:pPr>
             <a:endParaRPr/>
@@ -1271,89 +1497,224 @@
           <a:chExt cx="0" cy="0"/>
         </a:xfrm>
       </p:grpSpPr>
+      <p:grpSp>
+        <p:nvGrpSpPr>
+          <p:cNvPr id="10" name="Google Shape;10;g12179c31b56_0_1135"/>
+          <p:cNvGrpSpPr/>
+          <p:nvPr/>
+        </p:nvGrpSpPr>
+        <p:grpSpPr>
+          <a:xfrm>
+            <a:off x="6098378" y="5"/>
+            <a:ext cx="3045625" cy="2030570"/>
+            <a:chOff x="6098378" y="5"/>
+            <a:chExt cx="3045625" cy="2030570"/>
+          </a:xfrm>
+        </p:grpSpPr>
+        <p:sp>
+          <p:nvSpPr>
+            <p:cNvPr id="11" name="Google Shape;11;g12179c31b56_0_1135"/>
+            <p:cNvSpPr/>
+            <p:nvPr/>
+          </p:nvSpPr>
+          <p:spPr>
+            <a:xfrm>
+              <a:off x="8128803" y="16"/>
+              <a:ext cx="1015200" cy="1015200"/>
+            </a:xfrm>
+            <a:prstGeom prst="rect">
+              <a:avLst/>
+            </a:prstGeom>
+            <a:solidFill>
+              <a:schemeClr val="accent1"/>
+            </a:solidFill>
+            <a:ln>
+              <a:noFill/>
+            </a:ln>
+          </p:spPr>
+          <p:txBody>
+            <a:bodyPr spcFirstLastPara="1" wrap="square" lIns="91425" tIns="91425" rIns="91425" bIns="91425" anchor="ctr" anchorCtr="0">
+              <a:noAutofit/>
+            </a:bodyPr>
+            <a:lstStyle/>
+            <a:p>
+              <a:pPr marL="0" lvl="0" indent="0" algn="l" rtl="0">
+                <a:spcBef>
+                  <a:spcPts val="0"/>
+                </a:spcBef>
+                <a:spcAft>
+                  <a:spcPts val="0"/>
+                </a:spcAft>
+                <a:buNone/>
+              </a:pPr>
+              <a:endParaRPr/>
+            </a:p>
+          </p:txBody>
+        </p:sp>
+        <p:sp>
+          <p:nvSpPr>
+            <p:cNvPr id="12" name="Google Shape;12;g12179c31b56_0_1135"/>
+            <p:cNvSpPr/>
+            <p:nvPr/>
+          </p:nvSpPr>
+          <p:spPr>
+            <a:xfrm flipH="1">
+              <a:off x="7113463" y="5"/>
+              <a:ext cx="1015200" cy="1015200"/>
+            </a:xfrm>
+            <a:prstGeom prst="rtTriangle">
+              <a:avLst/>
+            </a:prstGeom>
+            <a:solidFill>
+              <a:schemeClr val="accent2"/>
+            </a:solidFill>
+            <a:ln>
+              <a:noFill/>
+            </a:ln>
+          </p:spPr>
+          <p:txBody>
+            <a:bodyPr spcFirstLastPara="1" wrap="square" lIns="91425" tIns="91425" rIns="91425" bIns="91425" anchor="ctr" anchorCtr="0">
+              <a:noAutofit/>
+            </a:bodyPr>
+            <a:lstStyle/>
+            <a:p>
+              <a:pPr marL="0" lvl="0" indent="0" algn="l" rtl="0">
+                <a:spcBef>
+                  <a:spcPts val="0"/>
+                </a:spcBef>
+                <a:spcAft>
+                  <a:spcPts val="0"/>
+                </a:spcAft>
+                <a:buNone/>
+              </a:pPr>
+              <a:endParaRPr/>
+            </a:p>
+          </p:txBody>
+        </p:sp>
+        <p:sp>
+          <p:nvSpPr>
+            <p:cNvPr id="13" name="Google Shape;13;g12179c31b56_0_1135"/>
+            <p:cNvSpPr/>
+            <p:nvPr/>
+          </p:nvSpPr>
+          <p:spPr>
+            <a:xfrm rot="10800000" flipH="1">
+              <a:off x="7113588" y="107"/>
+              <a:ext cx="1015200" cy="1015200"/>
+            </a:xfrm>
+            <a:prstGeom prst="rtTriangle">
+              <a:avLst/>
+            </a:prstGeom>
+            <a:solidFill>
+              <a:schemeClr val="accent6"/>
+            </a:solidFill>
+            <a:ln>
+              <a:noFill/>
+            </a:ln>
+          </p:spPr>
+          <p:txBody>
+            <a:bodyPr spcFirstLastPara="1" wrap="square" lIns="91425" tIns="91425" rIns="91425" bIns="91425" anchor="ctr" anchorCtr="0">
+              <a:noAutofit/>
+            </a:bodyPr>
+            <a:lstStyle/>
+            <a:p>
+              <a:pPr marL="0" lvl="0" indent="0" algn="l" rtl="0">
+                <a:spcBef>
+                  <a:spcPts val="0"/>
+                </a:spcBef>
+                <a:spcAft>
+                  <a:spcPts val="0"/>
+                </a:spcAft>
+                <a:buNone/>
+              </a:pPr>
+              <a:endParaRPr/>
+            </a:p>
+          </p:txBody>
+        </p:sp>
+        <p:sp>
+          <p:nvSpPr>
+            <p:cNvPr id="14" name="Google Shape;14;g12179c31b56_0_1135"/>
+            <p:cNvSpPr/>
+            <p:nvPr/>
+          </p:nvSpPr>
+          <p:spPr>
+            <a:xfrm rot="10800000">
+              <a:off x="6098378" y="97"/>
+              <a:ext cx="1015200" cy="1015200"/>
+            </a:xfrm>
+            <a:prstGeom prst="rtTriangle">
+              <a:avLst/>
+            </a:prstGeom>
+            <a:solidFill>
+              <a:schemeClr val="accent1"/>
+            </a:solidFill>
+            <a:ln>
+              <a:noFill/>
+            </a:ln>
+          </p:spPr>
+          <p:txBody>
+            <a:bodyPr spcFirstLastPara="1" wrap="square" lIns="91425" tIns="91425" rIns="91425" bIns="91425" anchor="ctr" anchorCtr="0">
+              <a:noAutofit/>
+            </a:bodyPr>
+            <a:lstStyle/>
+            <a:p>
+              <a:pPr marL="0" lvl="0" indent="0" algn="l" rtl="0">
+                <a:spcBef>
+                  <a:spcPts val="0"/>
+                </a:spcBef>
+                <a:spcAft>
+                  <a:spcPts val="0"/>
+                </a:spcAft>
+                <a:buNone/>
+              </a:pPr>
+              <a:endParaRPr/>
+            </a:p>
+          </p:txBody>
+        </p:sp>
+        <p:sp>
+          <p:nvSpPr>
+            <p:cNvPr id="15" name="Google Shape;15;g12179c31b56_0_1135"/>
+            <p:cNvSpPr/>
+            <p:nvPr/>
+          </p:nvSpPr>
+          <p:spPr>
+            <a:xfrm rot="10800000">
+              <a:off x="8128789" y="1015375"/>
+              <a:ext cx="1015200" cy="1015200"/>
+            </a:xfrm>
+            <a:prstGeom prst="rtTriangle">
+              <a:avLst/>
+            </a:prstGeom>
+            <a:solidFill>
+              <a:schemeClr val="accent6"/>
+            </a:solidFill>
+            <a:ln>
+              <a:noFill/>
+            </a:ln>
+          </p:spPr>
+          <p:txBody>
+            <a:bodyPr spcFirstLastPara="1" wrap="square" lIns="91425" tIns="91425" rIns="91425" bIns="91425" anchor="ctr" anchorCtr="0">
+              <a:noAutofit/>
+            </a:bodyPr>
+            <a:lstStyle/>
+            <a:p>
+              <a:pPr marL="0" lvl="0" indent="0" algn="l" rtl="0">
+                <a:spcBef>
+                  <a:spcPts val="0"/>
+                </a:spcBef>
+                <a:spcAft>
+                  <a:spcPts val="0"/>
+                </a:spcAft>
+                <a:buNone/>
+              </a:pPr>
+              <a:endParaRPr/>
+            </a:p>
+          </p:txBody>
+        </p:sp>
+      </p:grpSp>
       <p:sp>
         <p:nvSpPr>
-          <p:cNvPr id="10" name="Google Shape;10;p2"/>
-          <p:cNvSpPr/>
-          <p:nvPr/>
-        </p:nvSpPr>
-        <p:spPr>
-          <a:xfrm>
-            <a:off x="4286250" y="0"/>
-            <a:ext cx="72300" cy="5143500"/>
-          </a:xfrm>
-          <a:prstGeom prst="rect">
-            <a:avLst/>
-          </a:prstGeom>
-          <a:solidFill>
-            <a:schemeClr val="dk2"/>
-          </a:solidFill>
-          <a:ln>
-            <a:noFill/>
-          </a:ln>
-        </p:spPr>
-        <p:txBody>
-          <a:bodyPr spcFirstLastPara="1" wrap="square" lIns="91425" tIns="91425" rIns="91425" bIns="91425" anchor="ctr" anchorCtr="0">
-            <a:noAutofit/>
-          </a:bodyPr>
-          <a:lstStyle/>
-          <a:p>
-            <a:pPr marL="0" lvl="0" indent="0" algn="l" rtl="0">
-              <a:spcBef>
-                <a:spcPts val="0"/>
-              </a:spcBef>
-              <a:spcAft>
-                <a:spcPts val="0"/>
-              </a:spcAft>
-              <a:buNone/>
-            </a:pPr>
-            <a:endParaRPr/>
-          </a:p>
-        </p:txBody>
-      </p:sp>
-      <p:sp>
-        <p:nvSpPr>
-          <p:cNvPr id="11" name="Google Shape;11;p2"/>
-          <p:cNvSpPr/>
-          <p:nvPr/>
-        </p:nvSpPr>
-        <p:spPr>
-          <a:xfrm>
-            <a:off x="4358475" y="0"/>
-            <a:ext cx="3853200" cy="5143500"/>
-          </a:xfrm>
-          <a:prstGeom prst="rect">
-            <a:avLst/>
-          </a:prstGeom>
-          <a:solidFill>
-            <a:schemeClr val="accent4"/>
-          </a:solidFill>
-          <a:ln>
-            <a:noFill/>
-          </a:ln>
-        </p:spPr>
-        <p:txBody>
-          <a:bodyPr spcFirstLastPara="1" wrap="square" lIns="91425" tIns="91425" rIns="91425" bIns="91425" anchor="ctr" anchorCtr="0">
-            <a:noAutofit/>
-          </a:bodyPr>
-          <a:lstStyle/>
-          <a:p>
-            <a:pPr marL="0" lvl="0" indent="0" algn="l" rtl="0">
-              <a:spcBef>
-                <a:spcPts val="0"/>
-              </a:spcBef>
-              <a:spcAft>
-                <a:spcPts val="0"/>
-              </a:spcAft>
-              <a:buNone/>
-            </a:pPr>
-            <a:endParaRPr/>
-          </a:p>
-        </p:txBody>
-      </p:sp>
-      <p:sp>
-        <p:nvSpPr>
-          <p:cNvPr id="12" name="Google Shape;12;p2"/>
+          <p:cNvPr id="16" name="Google Shape;16;g12179c31b56_0_1135"/>
           <p:cNvSpPr txBox="1">
             <a:spLocks noGrp="1"/>
           </p:cNvSpPr>
@@ -1363,172 +1724,178 @@
         </p:nvSpPr>
         <p:spPr>
           <a:xfrm>
-            <a:off x="344250" y="1403850"/>
-            <a:ext cx="8455500" cy="2146800"/>
+            <a:off x="598100" y="1775222"/>
+            <a:ext cx="8222100" cy="838800"/>
           </a:xfrm>
           <a:prstGeom prst="rect">
             <a:avLst/>
           </a:prstGeom>
-          <a:solidFill>
-            <a:srgbClr val="FFFFFF"/>
-          </a:solidFill>
         </p:spPr>
         <p:txBody>
-          <a:bodyPr spcFirstLastPara="1" wrap="square" lIns="91425" tIns="91425" rIns="91425" bIns="91425" anchor="ctr" anchorCtr="0">
+          <a:bodyPr spcFirstLastPara="1" wrap="square" lIns="91425" tIns="91425" rIns="91425" bIns="91425" anchor="b" anchorCtr="0">
             <a:normAutofit/>
           </a:bodyPr>
           <a:lstStyle>
-            <a:lvl1pPr lvl="0" algn="ctr">
-              <a:spcBef>
-                <a:spcPts val="0"/>
-              </a:spcBef>
-              <a:spcAft>
-                <a:spcPts val="0"/>
-              </a:spcAft>
-              <a:buSzPts val="6800"/>
-              <a:buFont typeface="Playfair Display"/>
-              <a:buNone/>
-              <a:defRPr sz="6800" b="1">
-                <a:latin typeface="Playfair Display"/>
-                <a:ea typeface="Playfair Display"/>
-                <a:cs typeface="Playfair Display"/>
-                <a:sym typeface="Playfair Display"/>
+            <a:lvl1pPr lvl="0">
+              <a:spcBef>
+                <a:spcPts val="0"/>
+              </a:spcBef>
+              <a:spcAft>
+                <a:spcPts val="0"/>
+              </a:spcAft>
+              <a:buClr>
+                <a:schemeClr val="lt1"/>
+              </a:buClr>
+              <a:buSzPts val="4200"/>
+              <a:buNone/>
+              <a:defRPr sz="4200">
+                <a:solidFill>
+                  <a:schemeClr val="lt1"/>
+                </a:solidFill>
               </a:defRPr>
             </a:lvl1pPr>
-            <a:lvl2pPr lvl="1" algn="ctr">
-              <a:spcBef>
-                <a:spcPts val="0"/>
-              </a:spcBef>
-              <a:spcAft>
-                <a:spcPts val="0"/>
-              </a:spcAft>
-              <a:buSzPts val="6800"/>
-              <a:buFont typeface="Playfair Display"/>
-              <a:buNone/>
-              <a:defRPr sz="6800" b="1">
-                <a:latin typeface="Playfair Display"/>
-                <a:ea typeface="Playfair Display"/>
-                <a:cs typeface="Playfair Display"/>
-                <a:sym typeface="Playfair Display"/>
+            <a:lvl2pPr lvl="1">
+              <a:spcBef>
+                <a:spcPts val="0"/>
+              </a:spcBef>
+              <a:spcAft>
+                <a:spcPts val="0"/>
+              </a:spcAft>
+              <a:buClr>
+                <a:schemeClr val="lt1"/>
+              </a:buClr>
+              <a:buSzPts val="4200"/>
+              <a:buNone/>
+              <a:defRPr sz="4200">
+                <a:solidFill>
+                  <a:schemeClr val="lt1"/>
+                </a:solidFill>
               </a:defRPr>
             </a:lvl2pPr>
-            <a:lvl3pPr lvl="2" algn="ctr">
-              <a:spcBef>
-                <a:spcPts val="0"/>
-              </a:spcBef>
-              <a:spcAft>
-                <a:spcPts val="0"/>
-              </a:spcAft>
-              <a:buSzPts val="6800"/>
-              <a:buFont typeface="Playfair Display"/>
-              <a:buNone/>
-              <a:defRPr sz="6800" b="1">
-                <a:latin typeface="Playfair Display"/>
-                <a:ea typeface="Playfair Display"/>
-                <a:cs typeface="Playfair Display"/>
-                <a:sym typeface="Playfair Display"/>
+            <a:lvl3pPr lvl="2">
+              <a:spcBef>
+                <a:spcPts val="0"/>
+              </a:spcBef>
+              <a:spcAft>
+                <a:spcPts val="0"/>
+              </a:spcAft>
+              <a:buClr>
+                <a:schemeClr val="lt1"/>
+              </a:buClr>
+              <a:buSzPts val="4200"/>
+              <a:buNone/>
+              <a:defRPr sz="4200">
+                <a:solidFill>
+                  <a:schemeClr val="lt1"/>
+                </a:solidFill>
               </a:defRPr>
             </a:lvl3pPr>
-            <a:lvl4pPr lvl="3" algn="ctr">
-              <a:spcBef>
-                <a:spcPts val="0"/>
-              </a:spcBef>
-              <a:spcAft>
-                <a:spcPts val="0"/>
-              </a:spcAft>
-              <a:buSzPts val="6800"/>
-              <a:buFont typeface="Playfair Display"/>
-              <a:buNone/>
-              <a:defRPr sz="6800" b="1">
-                <a:latin typeface="Playfair Display"/>
-                <a:ea typeface="Playfair Display"/>
-                <a:cs typeface="Playfair Display"/>
-                <a:sym typeface="Playfair Display"/>
+            <a:lvl4pPr lvl="3">
+              <a:spcBef>
+                <a:spcPts val="0"/>
+              </a:spcBef>
+              <a:spcAft>
+                <a:spcPts val="0"/>
+              </a:spcAft>
+              <a:buClr>
+                <a:schemeClr val="lt1"/>
+              </a:buClr>
+              <a:buSzPts val="4200"/>
+              <a:buNone/>
+              <a:defRPr sz="4200">
+                <a:solidFill>
+                  <a:schemeClr val="lt1"/>
+                </a:solidFill>
               </a:defRPr>
             </a:lvl4pPr>
-            <a:lvl5pPr lvl="4" algn="ctr">
-              <a:spcBef>
-                <a:spcPts val="0"/>
-              </a:spcBef>
-              <a:spcAft>
-                <a:spcPts val="0"/>
-              </a:spcAft>
-              <a:buSzPts val="6800"/>
-              <a:buFont typeface="Playfair Display"/>
-              <a:buNone/>
-              <a:defRPr sz="6800" b="1">
-                <a:latin typeface="Playfair Display"/>
-                <a:ea typeface="Playfair Display"/>
-                <a:cs typeface="Playfair Display"/>
-                <a:sym typeface="Playfair Display"/>
+            <a:lvl5pPr lvl="4">
+              <a:spcBef>
+                <a:spcPts val="0"/>
+              </a:spcBef>
+              <a:spcAft>
+                <a:spcPts val="0"/>
+              </a:spcAft>
+              <a:buClr>
+                <a:schemeClr val="lt1"/>
+              </a:buClr>
+              <a:buSzPts val="4200"/>
+              <a:buNone/>
+              <a:defRPr sz="4200">
+                <a:solidFill>
+                  <a:schemeClr val="lt1"/>
+                </a:solidFill>
               </a:defRPr>
             </a:lvl5pPr>
-            <a:lvl6pPr lvl="5" algn="ctr">
-              <a:spcBef>
-                <a:spcPts val="0"/>
-              </a:spcBef>
-              <a:spcAft>
-                <a:spcPts val="0"/>
-              </a:spcAft>
-              <a:buSzPts val="6800"/>
-              <a:buFont typeface="Playfair Display"/>
-              <a:buNone/>
-              <a:defRPr sz="6800" b="1">
-                <a:latin typeface="Playfair Display"/>
-                <a:ea typeface="Playfair Display"/>
-                <a:cs typeface="Playfair Display"/>
-                <a:sym typeface="Playfair Display"/>
+            <a:lvl6pPr lvl="5">
+              <a:spcBef>
+                <a:spcPts val="0"/>
+              </a:spcBef>
+              <a:spcAft>
+                <a:spcPts val="0"/>
+              </a:spcAft>
+              <a:buClr>
+                <a:schemeClr val="lt1"/>
+              </a:buClr>
+              <a:buSzPts val="4200"/>
+              <a:buNone/>
+              <a:defRPr sz="4200">
+                <a:solidFill>
+                  <a:schemeClr val="lt1"/>
+                </a:solidFill>
               </a:defRPr>
             </a:lvl6pPr>
-            <a:lvl7pPr lvl="6" algn="ctr">
-              <a:spcBef>
-                <a:spcPts val="0"/>
-              </a:spcBef>
-              <a:spcAft>
-                <a:spcPts val="0"/>
-              </a:spcAft>
-              <a:buSzPts val="6800"/>
-              <a:buFont typeface="Playfair Display"/>
-              <a:buNone/>
-              <a:defRPr sz="6800" b="1">
-                <a:latin typeface="Playfair Display"/>
-                <a:ea typeface="Playfair Display"/>
-                <a:cs typeface="Playfair Display"/>
-                <a:sym typeface="Playfair Display"/>
+            <a:lvl7pPr lvl="6">
+              <a:spcBef>
+                <a:spcPts val="0"/>
+              </a:spcBef>
+              <a:spcAft>
+                <a:spcPts val="0"/>
+              </a:spcAft>
+              <a:buClr>
+                <a:schemeClr val="lt1"/>
+              </a:buClr>
+              <a:buSzPts val="4200"/>
+              <a:buNone/>
+              <a:defRPr sz="4200">
+                <a:solidFill>
+                  <a:schemeClr val="lt1"/>
+                </a:solidFill>
               </a:defRPr>
             </a:lvl7pPr>
-            <a:lvl8pPr lvl="7" algn="ctr">
-              <a:spcBef>
-                <a:spcPts val="0"/>
-              </a:spcBef>
-              <a:spcAft>
-                <a:spcPts val="0"/>
-              </a:spcAft>
-              <a:buSzPts val="6800"/>
-              <a:buFont typeface="Playfair Display"/>
-              <a:buNone/>
-              <a:defRPr sz="6800" b="1">
-                <a:latin typeface="Playfair Display"/>
-                <a:ea typeface="Playfair Display"/>
-                <a:cs typeface="Playfair Display"/>
-                <a:sym typeface="Playfair Display"/>
+            <a:lvl8pPr lvl="7">
+              <a:spcBef>
+                <a:spcPts val="0"/>
+              </a:spcBef>
+              <a:spcAft>
+                <a:spcPts val="0"/>
+              </a:spcAft>
+              <a:buClr>
+                <a:schemeClr val="lt1"/>
+              </a:buClr>
+              <a:buSzPts val="4200"/>
+              <a:buNone/>
+              <a:defRPr sz="4200">
+                <a:solidFill>
+                  <a:schemeClr val="lt1"/>
+                </a:solidFill>
               </a:defRPr>
             </a:lvl8pPr>
-            <a:lvl9pPr lvl="8" algn="ctr">
-              <a:spcBef>
-                <a:spcPts val="0"/>
-              </a:spcBef>
-              <a:spcAft>
-                <a:spcPts val="0"/>
-              </a:spcAft>
-              <a:buSzPts val="6800"/>
-              <a:buFont typeface="Playfair Display"/>
-              <a:buNone/>
-              <a:defRPr sz="6800" b="1">
-                <a:latin typeface="Playfair Display"/>
-                <a:ea typeface="Playfair Display"/>
-                <a:cs typeface="Playfair Display"/>
-                <a:sym typeface="Playfair Display"/>
+            <a:lvl9pPr lvl="8">
+              <a:spcBef>
+                <a:spcPts val="0"/>
+              </a:spcBef>
+              <a:spcAft>
+                <a:spcPts val="0"/>
+              </a:spcAft>
+              <a:buClr>
+                <a:schemeClr val="lt1"/>
+              </a:buClr>
+              <a:buSzPts val="4200"/>
+              <a:buNone/>
+              <a:defRPr sz="4200">
+                <a:solidFill>
+                  <a:schemeClr val="lt1"/>
+                </a:solidFill>
               </a:defRPr>
             </a:lvl9pPr>
           </a:lstStyle>
@@ -1539,7 +1906,7 @@
       </p:sp>
       <p:sp>
         <p:nvSpPr>
-          <p:cNvPr id="13" name="Google Shape;13;p2"/>
+          <p:cNvPr id="17" name="Google Shape;17;g12179c31b56_0_1135"/>
           <p:cNvSpPr txBox="1">
             <a:spLocks noGrp="1"/>
           </p:cNvSpPr>
@@ -1549,18 +1916,15 @@
         </p:nvSpPr>
         <p:spPr>
           <a:xfrm>
-            <a:off x="344250" y="3550650"/>
-            <a:ext cx="4910100" cy="577800"/>
+            <a:off x="598088" y="2715913"/>
+            <a:ext cx="8222100" cy="432900"/>
           </a:xfrm>
           <a:prstGeom prst="rect">
             <a:avLst/>
           </a:prstGeom>
-          <a:solidFill>
-            <a:schemeClr val="dk2"/>
-          </a:solidFill>
         </p:spPr>
         <p:txBody>
-          <a:bodyPr spcFirstLastPara="1" wrap="square" lIns="91425" tIns="91425" rIns="91425" bIns="91425" anchor="ctr" anchorCtr="0">
+          <a:bodyPr spcFirstLastPara="1" wrap="square" lIns="91425" tIns="91425" rIns="91425" bIns="91425" anchor="t" anchorCtr="0">
             <a:normAutofit/>
           </a:bodyPr>
           <a:lstStyle>
@@ -1577,17 +1941,12 @@
               <a:buClr>
                 <a:schemeClr val="lt1"/>
               </a:buClr>
-              <a:buSzPts val="2400"/>
-              <a:buFont typeface="Montserrat"/>
-              <a:buNone/>
-              <a:defRPr sz="2400" b="1">
+              <a:buSzPts val="2100"/>
+              <a:buNone/>
+              <a:defRPr sz="2100">
                 <a:solidFill>
                   <a:schemeClr val="lt1"/>
                 </a:solidFill>
-                <a:latin typeface="Montserrat"/>
-                <a:ea typeface="Montserrat"/>
-                <a:cs typeface="Montserrat"/>
-                <a:sym typeface="Montserrat"/>
               </a:defRPr>
             </a:lvl1pPr>
             <a:lvl2pPr lvl="1">
@@ -1603,17 +1962,12 @@
               <a:buClr>
                 <a:schemeClr val="lt1"/>
               </a:buClr>
-              <a:buSzPts val="2400"/>
-              <a:buFont typeface="Montserrat"/>
-              <a:buNone/>
-              <a:defRPr sz="2400" b="1">
+              <a:buSzPts val="2100"/>
+              <a:buNone/>
+              <a:defRPr sz="2100">
                 <a:solidFill>
                   <a:schemeClr val="lt1"/>
                 </a:solidFill>
-                <a:latin typeface="Montserrat"/>
-                <a:ea typeface="Montserrat"/>
-                <a:cs typeface="Montserrat"/>
-                <a:sym typeface="Montserrat"/>
               </a:defRPr>
             </a:lvl2pPr>
             <a:lvl3pPr lvl="2">
@@ -1629,17 +1983,12 @@
               <a:buClr>
                 <a:schemeClr val="lt1"/>
               </a:buClr>
-              <a:buSzPts val="2400"/>
-              <a:buFont typeface="Montserrat"/>
-              <a:buNone/>
-              <a:defRPr sz="2400" b="1">
+              <a:buSzPts val="2100"/>
+              <a:buNone/>
+              <a:defRPr sz="2100">
                 <a:solidFill>
                   <a:schemeClr val="lt1"/>
                 </a:solidFill>
-                <a:latin typeface="Montserrat"/>
-                <a:ea typeface="Montserrat"/>
-                <a:cs typeface="Montserrat"/>
-                <a:sym typeface="Montserrat"/>
               </a:defRPr>
             </a:lvl3pPr>
             <a:lvl4pPr lvl="3">
@@ -1655,17 +2004,12 @@
               <a:buClr>
                 <a:schemeClr val="lt1"/>
               </a:buClr>
-              <a:buSzPts val="2400"/>
-              <a:buFont typeface="Montserrat"/>
-              <a:buNone/>
-              <a:defRPr sz="2400" b="1">
+              <a:buSzPts val="2100"/>
+              <a:buNone/>
+              <a:defRPr sz="2100">
                 <a:solidFill>
                   <a:schemeClr val="lt1"/>
                 </a:solidFill>
-                <a:latin typeface="Montserrat"/>
-                <a:ea typeface="Montserrat"/>
-                <a:cs typeface="Montserrat"/>
-                <a:sym typeface="Montserrat"/>
               </a:defRPr>
             </a:lvl4pPr>
             <a:lvl5pPr lvl="4">
@@ -1681,17 +2025,12 @@
               <a:buClr>
                 <a:schemeClr val="lt1"/>
               </a:buClr>
-              <a:buSzPts val="2400"/>
-              <a:buFont typeface="Montserrat"/>
-              <a:buNone/>
-              <a:defRPr sz="2400" b="1">
+              <a:buSzPts val="2100"/>
+              <a:buNone/>
+              <a:defRPr sz="2100">
                 <a:solidFill>
                   <a:schemeClr val="lt1"/>
                 </a:solidFill>
-                <a:latin typeface="Montserrat"/>
-                <a:ea typeface="Montserrat"/>
-                <a:cs typeface="Montserrat"/>
-                <a:sym typeface="Montserrat"/>
               </a:defRPr>
             </a:lvl5pPr>
             <a:lvl6pPr lvl="5">
@@ -1707,17 +2046,12 @@
               <a:buClr>
                 <a:schemeClr val="lt1"/>
               </a:buClr>
-              <a:buSzPts val="2400"/>
-              <a:buFont typeface="Montserrat"/>
-              <a:buNone/>
-              <a:defRPr sz="2400" b="1">
+              <a:buSzPts val="2100"/>
+              <a:buNone/>
+              <a:defRPr sz="2100">
                 <a:solidFill>
                   <a:schemeClr val="lt1"/>
                 </a:solidFill>
-                <a:latin typeface="Montserrat"/>
-                <a:ea typeface="Montserrat"/>
-                <a:cs typeface="Montserrat"/>
-                <a:sym typeface="Montserrat"/>
               </a:defRPr>
             </a:lvl6pPr>
             <a:lvl7pPr lvl="6">
@@ -1733,17 +2067,12 @@
               <a:buClr>
                 <a:schemeClr val="lt1"/>
               </a:buClr>
-              <a:buSzPts val="2400"/>
-              <a:buFont typeface="Montserrat"/>
-              <a:buNone/>
-              <a:defRPr sz="2400" b="1">
+              <a:buSzPts val="2100"/>
+              <a:buNone/>
+              <a:defRPr sz="2100">
                 <a:solidFill>
                   <a:schemeClr val="lt1"/>
                 </a:solidFill>
-                <a:latin typeface="Montserrat"/>
-                <a:ea typeface="Montserrat"/>
-                <a:cs typeface="Montserrat"/>
-                <a:sym typeface="Montserrat"/>
               </a:defRPr>
             </a:lvl7pPr>
             <a:lvl8pPr lvl="7">
@@ -1759,17 +2088,12 @@
               <a:buClr>
                 <a:schemeClr val="lt1"/>
               </a:buClr>
-              <a:buSzPts val="2400"/>
-              <a:buFont typeface="Montserrat"/>
-              <a:buNone/>
-              <a:defRPr sz="2400" b="1">
+              <a:buSzPts val="2100"/>
+              <a:buNone/>
+              <a:defRPr sz="2100">
                 <a:solidFill>
                   <a:schemeClr val="lt1"/>
                 </a:solidFill>
-                <a:latin typeface="Montserrat"/>
-                <a:ea typeface="Montserrat"/>
-                <a:cs typeface="Montserrat"/>
-                <a:sym typeface="Montserrat"/>
               </a:defRPr>
             </a:lvl8pPr>
             <a:lvl9pPr lvl="8">
@@ -1785,17 +2109,12 @@
               <a:buClr>
                 <a:schemeClr val="lt1"/>
               </a:buClr>
-              <a:buSzPts val="2400"/>
-              <a:buFont typeface="Montserrat"/>
-              <a:buNone/>
-              <a:defRPr sz="2400" b="1">
+              <a:buSzPts val="2100"/>
+              <a:buNone/>
+              <a:defRPr sz="2100">
                 <a:solidFill>
                   <a:schemeClr val="lt1"/>
                 </a:solidFill>
-                <a:latin typeface="Montserrat"/>
-                <a:ea typeface="Montserrat"/>
-                <a:cs typeface="Montserrat"/>
-                <a:sym typeface="Montserrat"/>
               </a:defRPr>
             </a:lvl9pPr>
           </a:lstStyle>
@@ -1806,7 +2125,7 @@
       </p:sp>
       <p:sp>
         <p:nvSpPr>
-          <p:cNvPr id="14" name="Google Shape;14;p2"/>
+          <p:cNvPr id="18" name="Google Shape;18;g12179c31b56_0_1135"/>
           <p:cNvSpPr txBox="1">
             <a:spLocks noGrp="1"/>
           </p:cNvSpPr>
@@ -1816,7 +2135,7 @@
         </p:nvSpPr>
         <p:spPr>
           <a:xfrm>
-            <a:off x="8497999" y="4688759"/>
+            <a:off x="8460431" y="4651190"/>
             <a:ext cx="548700" cy="393600"/>
           </a:xfrm>
           <a:prstGeom prst="rect">
@@ -1894,9 +2213,17 @@
 <file path=ppt/slideLayouts/slideLayout10.xml><?xml version="1.0" encoding="utf-8"?>
 <p:sldLayout xmlns:a="http://schemas.openxmlformats.org/drawingml/2006/main" xmlns:r="http://schemas.openxmlformats.org/officeDocument/2006/relationships" xmlns:p="http://schemas.openxmlformats.org/presentationml/2006/main" matchingName="Big number">
   <p:cSld name="BIG_NUMBER">
+    <p:bg>
+      <p:bgPr>
+        <a:solidFill>
+          <a:schemeClr val="dk1"/>
+        </a:solidFill>
+        <a:effectLst/>
+      </p:bgPr>
+    </p:bg>
     <p:spTree>
       <p:nvGrpSpPr>
-        <p:cNvPr id="1" name="Shape 48"/>
+        <p:cNvPr id="1" name="Shape 69"/>
         <p:cNvGrpSpPr/>
         <p:nvPr/>
       </p:nvGrpSpPr>
@@ -1908,9 +2235,224 @@
           <a:chExt cx="0" cy="0"/>
         </a:xfrm>
       </p:grpSpPr>
+      <p:grpSp>
+        <p:nvGrpSpPr>
+          <p:cNvPr id="70" name="Google Shape;70;g12179c31b56_0_1195"/>
+          <p:cNvGrpSpPr/>
+          <p:nvPr/>
+        </p:nvGrpSpPr>
+        <p:grpSpPr>
+          <a:xfrm>
+            <a:off x="6098378" y="5"/>
+            <a:ext cx="3045625" cy="2030570"/>
+            <a:chOff x="6098378" y="5"/>
+            <a:chExt cx="3045625" cy="2030570"/>
+          </a:xfrm>
+        </p:grpSpPr>
+        <p:sp>
+          <p:nvSpPr>
+            <p:cNvPr id="71" name="Google Shape;71;g12179c31b56_0_1195"/>
+            <p:cNvSpPr/>
+            <p:nvPr/>
+          </p:nvSpPr>
+          <p:spPr>
+            <a:xfrm>
+              <a:off x="8128803" y="16"/>
+              <a:ext cx="1015200" cy="1015200"/>
+            </a:xfrm>
+            <a:prstGeom prst="rect">
+              <a:avLst/>
+            </a:prstGeom>
+            <a:solidFill>
+              <a:schemeClr val="accent1"/>
+            </a:solidFill>
+            <a:ln>
+              <a:noFill/>
+            </a:ln>
+          </p:spPr>
+          <p:txBody>
+            <a:bodyPr spcFirstLastPara="1" wrap="square" lIns="91425" tIns="91425" rIns="91425" bIns="91425" anchor="ctr" anchorCtr="0">
+              <a:noAutofit/>
+            </a:bodyPr>
+            <a:lstStyle/>
+            <a:p>
+              <a:pPr marL="0" lvl="0" indent="0" algn="l" rtl="0">
+                <a:spcBef>
+                  <a:spcPts val="0"/>
+                </a:spcBef>
+                <a:spcAft>
+                  <a:spcPts val="0"/>
+                </a:spcAft>
+                <a:buNone/>
+              </a:pPr>
+              <a:endParaRPr/>
+            </a:p>
+          </p:txBody>
+        </p:sp>
+        <p:sp>
+          <p:nvSpPr>
+            <p:cNvPr id="72" name="Google Shape;72;g12179c31b56_0_1195"/>
+            <p:cNvSpPr/>
+            <p:nvPr/>
+          </p:nvSpPr>
+          <p:spPr>
+            <a:xfrm flipH="1">
+              <a:off x="7113463" y="5"/>
+              <a:ext cx="1015200" cy="1015200"/>
+            </a:xfrm>
+            <a:prstGeom prst="rtTriangle">
+              <a:avLst/>
+            </a:prstGeom>
+            <a:solidFill>
+              <a:schemeClr val="accent2"/>
+            </a:solidFill>
+            <a:ln>
+              <a:noFill/>
+            </a:ln>
+          </p:spPr>
+          <p:txBody>
+            <a:bodyPr spcFirstLastPara="1" wrap="square" lIns="91425" tIns="91425" rIns="91425" bIns="91425" anchor="ctr" anchorCtr="0">
+              <a:noAutofit/>
+            </a:bodyPr>
+            <a:lstStyle/>
+            <a:p>
+              <a:pPr marL="0" lvl="0" indent="0" algn="l" rtl="0">
+                <a:spcBef>
+                  <a:spcPts val="0"/>
+                </a:spcBef>
+                <a:spcAft>
+                  <a:spcPts val="0"/>
+                </a:spcAft>
+                <a:buNone/>
+              </a:pPr>
+              <a:endParaRPr/>
+            </a:p>
+          </p:txBody>
+        </p:sp>
+        <p:sp>
+          <p:nvSpPr>
+            <p:cNvPr id="73" name="Google Shape;73;g12179c31b56_0_1195"/>
+            <p:cNvSpPr/>
+            <p:nvPr/>
+          </p:nvSpPr>
+          <p:spPr>
+            <a:xfrm rot="10800000" flipH="1">
+              <a:off x="7113588" y="107"/>
+              <a:ext cx="1015200" cy="1015200"/>
+            </a:xfrm>
+            <a:prstGeom prst="rtTriangle">
+              <a:avLst/>
+            </a:prstGeom>
+            <a:solidFill>
+              <a:schemeClr val="accent6"/>
+            </a:solidFill>
+            <a:ln>
+              <a:noFill/>
+            </a:ln>
+          </p:spPr>
+          <p:txBody>
+            <a:bodyPr spcFirstLastPara="1" wrap="square" lIns="91425" tIns="91425" rIns="91425" bIns="91425" anchor="ctr" anchorCtr="0">
+              <a:noAutofit/>
+            </a:bodyPr>
+            <a:lstStyle/>
+            <a:p>
+              <a:pPr marL="0" lvl="0" indent="0" algn="l" rtl="0">
+                <a:spcBef>
+                  <a:spcPts val="0"/>
+                </a:spcBef>
+                <a:spcAft>
+                  <a:spcPts val="0"/>
+                </a:spcAft>
+                <a:buNone/>
+              </a:pPr>
+              <a:endParaRPr/>
+            </a:p>
+          </p:txBody>
+        </p:sp>
+        <p:sp>
+          <p:nvSpPr>
+            <p:cNvPr id="74" name="Google Shape;74;g12179c31b56_0_1195"/>
+            <p:cNvSpPr/>
+            <p:nvPr/>
+          </p:nvSpPr>
+          <p:spPr>
+            <a:xfrm rot="10800000">
+              <a:off x="6098378" y="97"/>
+              <a:ext cx="1015200" cy="1015200"/>
+            </a:xfrm>
+            <a:prstGeom prst="rtTriangle">
+              <a:avLst/>
+            </a:prstGeom>
+            <a:solidFill>
+              <a:schemeClr val="accent1"/>
+            </a:solidFill>
+            <a:ln>
+              <a:noFill/>
+            </a:ln>
+          </p:spPr>
+          <p:txBody>
+            <a:bodyPr spcFirstLastPara="1" wrap="square" lIns="91425" tIns="91425" rIns="91425" bIns="91425" anchor="ctr" anchorCtr="0">
+              <a:noAutofit/>
+            </a:bodyPr>
+            <a:lstStyle/>
+            <a:p>
+              <a:pPr marL="0" lvl="0" indent="0" algn="l" rtl="0">
+                <a:spcBef>
+                  <a:spcPts val="0"/>
+                </a:spcBef>
+                <a:spcAft>
+                  <a:spcPts val="0"/>
+                </a:spcAft>
+                <a:buNone/>
+              </a:pPr>
+              <a:endParaRPr/>
+            </a:p>
+          </p:txBody>
+        </p:sp>
+        <p:sp>
+          <p:nvSpPr>
+            <p:cNvPr id="75" name="Google Shape;75;g12179c31b56_0_1195"/>
+            <p:cNvSpPr/>
+            <p:nvPr/>
+          </p:nvSpPr>
+          <p:spPr>
+            <a:xfrm rot="10800000">
+              <a:off x="8128789" y="1015375"/>
+              <a:ext cx="1015200" cy="1015200"/>
+            </a:xfrm>
+            <a:prstGeom prst="rtTriangle">
+              <a:avLst/>
+            </a:prstGeom>
+            <a:solidFill>
+              <a:schemeClr val="accent6"/>
+            </a:solidFill>
+            <a:ln>
+              <a:noFill/>
+            </a:ln>
+          </p:spPr>
+          <p:txBody>
+            <a:bodyPr spcFirstLastPara="1" wrap="square" lIns="91425" tIns="91425" rIns="91425" bIns="91425" anchor="ctr" anchorCtr="0">
+              <a:noAutofit/>
+            </a:bodyPr>
+            <a:lstStyle/>
+            <a:p>
+              <a:pPr marL="0" lvl="0" indent="0" algn="l" rtl="0">
+                <a:spcBef>
+                  <a:spcPts val="0"/>
+                </a:spcBef>
+                <a:spcAft>
+                  <a:spcPts val="0"/>
+                </a:spcAft>
+                <a:buNone/>
+              </a:pPr>
+              <a:endParaRPr/>
+            </a:p>
+          </p:txBody>
+        </p:sp>
+      </p:grpSp>
       <p:sp>
         <p:nvSpPr>
-          <p:cNvPr id="49" name="Google Shape;49;p11"/>
+          <p:cNvPr id="76" name="Google Shape;76;g12179c31b56_0_1195"/>
           <p:cNvSpPr txBox="1">
             <a:spLocks noGrp="1"/>
           </p:cNvSpPr>
@@ -1920,8 +2462,8 @@
         </p:nvSpPr>
         <p:spPr>
           <a:xfrm>
-            <a:off x="311700" y="999925"/>
-            <a:ext cx="8520600" cy="2146200"/>
+            <a:off x="311700" y="1256050"/>
+            <a:ext cx="8520600" cy="2030700"/>
           </a:xfrm>
           <a:prstGeom prst="rect">
             <a:avLst/>
@@ -1939,14 +2481,15 @@
               <a:spcAft>
                 <a:spcPts val="0"/>
               </a:spcAft>
-              <a:buSzPts val="14000"/>
-              <a:buFont typeface="Montserrat"/>
-              <a:buNone/>
-              <a:defRPr sz="14000">
-                <a:latin typeface="Montserrat"/>
-                <a:ea typeface="Montserrat"/>
-                <a:cs typeface="Montserrat"/>
-                <a:sym typeface="Montserrat"/>
+              <a:buClr>
+                <a:schemeClr val="lt1"/>
+              </a:buClr>
+              <a:buSzPts val="12000"/>
+              <a:buNone/>
+              <a:defRPr sz="12000">
+                <a:solidFill>
+                  <a:schemeClr val="lt1"/>
+                </a:solidFill>
               </a:defRPr>
             </a:lvl1pPr>
             <a:lvl2pPr lvl="1" algn="ctr">
@@ -1956,14 +2499,15 @@
               <a:spcAft>
                 <a:spcPts val="0"/>
               </a:spcAft>
-              <a:buSzPts val="14000"/>
-              <a:buFont typeface="Montserrat"/>
-              <a:buNone/>
-              <a:defRPr sz="14000">
-                <a:latin typeface="Montserrat"/>
-                <a:ea typeface="Montserrat"/>
-                <a:cs typeface="Montserrat"/>
-                <a:sym typeface="Montserrat"/>
+              <a:buClr>
+                <a:schemeClr val="lt1"/>
+              </a:buClr>
+              <a:buSzPts val="12000"/>
+              <a:buNone/>
+              <a:defRPr sz="12000">
+                <a:solidFill>
+                  <a:schemeClr val="lt1"/>
+                </a:solidFill>
               </a:defRPr>
             </a:lvl2pPr>
             <a:lvl3pPr lvl="2" algn="ctr">
@@ -1973,14 +2517,15 @@
               <a:spcAft>
                 <a:spcPts val="0"/>
               </a:spcAft>
-              <a:buSzPts val="14000"/>
-              <a:buFont typeface="Montserrat"/>
-              <a:buNone/>
-              <a:defRPr sz="14000">
-                <a:latin typeface="Montserrat"/>
-                <a:ea typeface="Montserrat"/>
-                <a:cs typeface="Montserrat"/>
-                <a:sym typeface="Montserrat"/>
+              <a:buClr>
+                <a:schemeClr val="lt1"/>
+              </a:buClr>
+              <a:buSzPts val="12000"/>
+              <a:buNone/>
+              <a:defRPr sz="12000">
+                <a:solidFill>
+                  <a:schemeClr val="lt1"/>
+                </a:solidFill>
               </a:defRPr>
             </a:lvl3pPr>
             <a:lvl4pPr lvl="3" algn="ctr">
@@ -1990,14 +2535,15 @@
               <a:spcAft>
                 <a:spcPts val="0"/>
               </a:spcAft>
-              <a:buSzPts val="14000"/>
-              <a:buFont typeface="Montserrat"/>
-              <a:buNone/>
-              <a:defRPr sz="14000">
-                <a:latin typeface="Montserrat"/>
-                <a:ea typeface="Montserrat"/>
-                <a:cs typeface="Montserrat"/>
-                <a:sym typeface="Montserrat"/>
+              <a:buClr>
+                <a:schemeClr val="lt1"/>
+              </a:buClr>
+              <a:buSzPts val="12000"/>
+              <a:buNone/>
+              <a:defRPr sz="12000">
+                <a:solidFill>
+                  <a:schemeClr val="lt1"/>
+                </a:solidFill>
               </a:defRPr>
             </a:lvl4pPr>
             <a:lvl5pPr lvl="4" algn="ctr">
@@ -2007,14 +2553,15 @@
               <a:spcAft>
                 <a:spcPts val="0"/>
               </a:spcAft>
-              <a:buSzPts val="14000"/>
-              <a:buFont typeface="Montserrat"/>
-              <a:buNone/>
-              <a:defRPr sz="14000">
-                <a:latin typeface="Montserrat"/>
-                <a:ea typeface="Montserrat"/>
-                <a:cs typeface="Montserrat"/>
-                <a:sym typeface="Montserrat"/>
+              <a:buClr>
+                <a:schemeClr val="lt1"/>
+              </a:buClr>
+              <a:buSzPts val="12000"/>
+              <a:buNone/>
+              <a:defRPr sz="12000">
+                <a:solidFill>
+                  <a:schemeClr val="lt1"/>
+                </a:solidFill>
               </a:defRPr>
             </a:lvl5pPr>
             <a:lvl6pPr lvl="5" algn="ctr">
@@ -2024,14 +2571,15 @@
               <a:spcAft>
                 <a:spcPts val="0"/>
               </a:spcAft>
-              <a:buSzPts val="14000"/>
-              <a:buFont typeface="Montserrat"/>
-              <a:buNone/>
-              <a:defRPr sz="14000">
-                <a:latin typeface="Montserrat"/>
-                <a:ea typeface="Montserrat"/>
-                <a:cs typeface="Montserrat"/>
-                <a:sym typeface="Montserrat"/>
+              <a:buClr>
+                <a:schemeClr val="lt1"/>
+              </a:buClr>
+              <a:buSzPts val="12000"/>
+              <a:buNone/>
+              <a:defRPr sz="12000">
+                <a:solidFill>
+                  <a:schemeClr val="lt1"/>
+                </a:solidFill>
               </a:defRPr>
             </a:lvl6pPr>
             <a:lvl7pPr lvl="6" algn="ctr">
@@ -2041,14 +2589,15 @@
               <a:spcAft>
                 <a:spcPts val="0"/>
               </a:spcAft>
-              <a:buSzPts val="14000"/>
-              <a:buFont typeface="Montserrat"/>
-              <a:buNone/>
-              <a:defRPr sz="14000">
-                <a:latin typeface="Montserrat"/>
-                <a:ea typeface="Montserrat"/>
-                <a:cs typeface="Montserrat"/>
-                <a:sym typeface="Montserrat"/>
+              <a:buClr>
+                <a:schemeClr val="lt1"/>
+              </a:buClr>
+              <a:buSzPts val="12000"/>
+              <a:buNone/>
+              <a:defRPr sz="12000">
+                <a:solidFill>
+                  <a:schemeClr val="lt1"/>
+                </a:solidFill>
               </a:defRPr>
             </a:lvl7pPr>
             <a:lvl8pPr lvl="7" algn="ctr">
@@ -2058,14 +2607,15 @@
               <a:spcAft>
                 <a:spcPts val="0"/>
               </a:spcAft>
-              <a:buSzPts val="14000"/>
-              <a:buFont typeface="Montserrat"/>
-              <a:buNone/>
-              <a:defRPr sz="14000">
-                <a:latin typeface="Montserrat"/>
-                <a:ea typeface="Montserrat"/>
-                <a:cs typeface="Montserrat"/>
-                <a:sym typeface="Montserrat"/>
+              <a:buClr>
+                <a:schemeClr val="lt1"/>
+              </a:buClr>
+              <a:buSzPts val="12000"/>
+              <a:buNone/>
+              <a:defRPr sz="12000">
+                <a:solidFill>
+                  <a:schemeClr val="lt1"/>
+                </a:solidFill>
               </a:defRPr>
             </a:lvl8pPr>
             <a:lvl9pPr lvl="8" algn="ctr">
@@ -2075,14 +2625,15 @@
               <a:spcAft>
                 <a:spcPts val="0"/>
               </a:spcAft>
-              <a:buSzPts val="14000"/>
-              <a:buFont typeface="Montserrat"/>
-              <a:buNone/>
-              <a:defRPr sz="14000">
-                <a:latin typeface="Montserrat"/>
-                <a:ea typeface="Montserrat"/>
-                <a:cs typeface="Montserrat"/>
-                <a:sym typeface="Montserrat"/>
+              <a:buClr>
+                <a:schemeClr val="lt1"/>
+              </a:buClr>
+              <a:buSzPts val="12000"/>
+              <a:buNone/>
+              <a:defRPr sz="12000">
+                <a:solidFill>
+                  <a:schemeClr val="lt1"/>
+                </a:solidFill>
               </a:defRPr>
             </a:lvl9pPr>
           </a:lstStyle>
@@ -2095,7 +2646,7 @@
       </p:sp>
       <p:sp>
         <p:nvSpPr>
-          <p:cNvPr id="50" name="Google Shape;50;p11"/>
+          <p:cNvPr id="77" name="Google Shape;77;g12179c31b56_0_1195"/>
           <p:cNvSpPr txBox="1">
             <a:spLocks noGrp="1"/>
           </p:cNvSpPr>
@@ -2105,8 +2656,8 @@
         </p:nvSpPr>
         <p:spPr>
           <a:xfrm>
-            <a:off x="311700" y="3228425"/>
-            <a:ext cx="8520600" cy="1300800"/>
+            <a:off x="311700" y="3369225"/>
+            <a:ext cx="8520600" cy="1281900"/>
           </a:xfrm>
           <a:prstGeom prst="rect">
             <a:avLst/>
@@ -2124,12 +2675,15 @@
               <a:spcAft>
                 <a:spcPts val="0"/>
               </a:spcAft>
+              <a:buClr>
+                <a:schemeClr val="lt1"/>
+              </a:buClr>
               <a:buSzPts val="1800"/>
               <a:buChar char="●"/>
               <a:defRPr>
-                <a:highlight>
-                  <a:schemeClr val="dk1"/>
-                </a:highlight>
+                <a:solidFill>
+                  <a:schemeClr val="lt1"/>
+                </a:solidFill>
               </a:defRPr>
             </a:lvl1pPr>
             <a:lvl2pPr marL="914400" lvl="1" indent="-317500" algn="ctr">
@@ -2139,12 +2693,15 @@
               <a:spcAft>
                 <a:spcPts val="0"/>
               </a:spcAft>
+              <a:buClr>
+                <a:schemeClr val="lt1"/>
+              </a:buClr>
               <a:buSzPts val="1400"/>
               <a:buChar char="○"/>
               <a:defRPr>
-                <a:highlight>
-                  <a:schemeClr val="dk1"/>
-                </a:highlight>
+                <a:solidFill>
+                  <a:schemeClr val="lt1"/>
+                </a:solidFill>
               </a:defRPr>
             </a:lvl2pPr>
             <a:lvl3pPr marL="1371600" lvl="2" indent="-317500" algn="ctr">
@@ -2154,12 +2711,15 @@
               <a:spcAft>
                 <a:spcPts val="0"/>
               </a:spcAft>
+              <a:buClr>
+                <a:schemeClr val="lt1"/>
+              </a:buClr>
               <a:buSzPts val="1400"/>
               <a:buChar char="■"/>
               <a:defRPr>
-                <a:highlight>
-                  <a:schemeClr val="dk1"/>
-                </a:highlight>
+                <a:solidFill>
+                  <a:schemeClr val="lt1"/>
+                </a:solidFill>
               </a:defRPr>
             </a:lvl3pPr>
             <a:lvl4pPr marL="1828800" lvl="3" indent="-317500" algn="ctr">
@@ -2169,12 +2729,15 @@
               <a:spcAft>
                 <a:spcPts val="0"/>
               </a:spcAft>
+              <a:buClr>
+                <a:schemeClr val="lt1"/>
+              </a:buClr>
               <a:buSzPts val="1400"/>
               <a:buChar char="●"/>
               <a:defRPr>
-                <a:highlight>
-                  <a:schemeClr val="dk1"/>
-                </a:highlight>
+                <a:solidFill>
+                  <a:schemeClr val="lt1"/>
+                </a:solidFill>
               </a:defRPr>
             </a:lvl4pPr>
             <a:lvl5pPr marL="2286000" lvl="4" indent="-317500" algn="ctr">
@@ -2184,12 +2747,15 @@
               <a:spcAft>
                 <a:spcPts val="0"/>
               </a:spcAft>
+              <a:buClr>
+                <a:schemeClr val="lt1"/>
+              </a:buClr>
               <a:buSzPts val="1400"/>
               <a:buChar char="○"/>
               <a:defRPr>
-                <a:highlight>
-                  <a:schemeClr val="dk1"/>
-                </a:highlight>
+                <a:solidFill>
+                  <a:schemeClr val="lt1"/>
+                </a:solidFill>
               </a:defRPr>
             </a:lvl5pPr>
             <a:lvl6pPr marL="2743200" lvl="5" indent="-317500" algn="ctr">
@@ -2199,12 +2765,15 @@
               <a:spcAft>
                 <a:spcPts val="0"/>
               </a:spcAft>
+              <a:buClr>
+                <a:schemeClr val="lt1"/>
+              </a:buClr>
               <a:buSzPts val="1400"/>
               <a:buChar char="■"/>
               <a:defRPr>
-                <a:highlight>
-                  <a:schemeClr val="dk1"/>
-                </a:highlight>
+                <a:solidFill>
+                  <a:schemeClr val="lt1"/>
+                </a:solidFill>
               </a:defRPr>
             </a:lvl6pPr>
             <a:lvl7pPr marL="3200400" lvl="6" indent="-317500" algn="ctr">
@@ -2214,12 +2783,15 @@
               <a:spcAft>
                 <a:spcPts val="0"/>
               </a:spcAft>
+              <a:buClr>
+                <a:schemeClr val="lt1"/>
+              </a:buClr>
               <a:buSzPts val="1400"/>
               <a:buChar char="●"/>
               <a:defRPr>
-                <a:highlight>
-                  <a:schemeClr val="dk1"/>
-                </a:highlight>
+                <a:solidFill>
+                  <a:schemeClr val="lt1"/>
+                </a:solidFill>
               </a:defRPr>
             </a:lvl7pPr>
             <a:lvl8pPr marL="3657600" lvl="7" indent="-317500" algn="ctr">
@@ -2229,12 +2801,15 @@
               <a:spcAft>
                 <a:spcPts val="0"/>
               </a:spcAft>
+              <a:buClr>
+                <a:schemeClr val="lt1"/>
+              </a:buClr>
               <a:buSzPts val="1400"/>
               <a:buChar char="○"/>
               <a:defRPr>
-                <a:highlight>
-                  <a:schemeClr val="dk1"/>
-                </a:highlight>
+                <a:solidFill>
+                  <a:schemeClr val="lt1"/>
+                </a:solidFill>
               </a:defRPr>
             </a:lvl8pPr>
             <a:lvl9pPr marL="4114800" lvl="8" indent="-317500" algn="ctr">
@@ -2244,12 +2819,15 @@
               <a:spcAft>
                 <a:spcPts val="0"/>
               </a:spcAft>
+              <a:buClr>
+                <a:schemeClr val="lt1"/>
+              </a:buClr>
               <a:buSzPts val="1400"/>
               <a:buChar char="■"/>
               <a:defRPr>
-                <a:highlight>
-                  <a:schemeClr val="dk1"/>
-                </a:highlight>
+                <a:solidFill>
+                  <a:schemeClr val="lt1"/>
+                </a:solidFill>
               </a:defRPr>
             </a:lvl9pPr>
           </a:lstStyle>
@@ -2260,7 +2838,7 @@
       </p:sp>
       <p:sp>
         <p:nvSpPr>
-          <p:cNvPr id="51" name="Google Shape;51;p11"/>
+          <p:cNvPr id="78" name="Google Shape;78;g12179c31b56_0_1195"/>
           <p:cNvSpPr txBox="1">
             <a:spLocks noGrp="1"/>
           </p:cNvSpPr>
@@ -2270,7 +2848,7 @@
         </p:nvSpPr>
         <p:spPr>
           <a:xfrm>
-            <a:off x="8497999" y="4688759"/>
+            <a:off x="8460431" y="4651190"/>
             <a:ext cx="548700" cy="393600"/>
           </a:xfrm>
           <a:prstGeom prst="rect">
@@ -2350,7 +2928,7 @@
   <p:cSld name="BLANK">
     <p:spTree>
       <p:nvGrpSpPr>
-        <p:cNvPr id="1" name="Shape 52"/>
+        <p:cNvPr id="1" name="Shape 79"/>
         <p:cNvGrpSpPr/>
         <p:nvPr/>
       </p:nvGrpSpPr>
@@ -2364,7 +2942,7 @@
       </p:grpSpPr>
       <p:sp>
         <p:nvSpPr>
-          <p:cNvPr id="53" name="Google Shape;53;p12"/>
+          <p:cNvPr id="80" name="Google Shape;80;g12179c31b56_0_1205"/>
           <p:cNvSpPr txBox="1">
             <a:spLocks noGrp="1"/>
           </p:cNvSpPr>
@@ -2374,7 +2952,7 @@
         </p:nvSpPr>
         <p:spPr>
           <a:xfrm>
-            <a:off x="8497999" y="4688759"/>
+            <a:off x="8460431" y="4651190"/>
             <a:ext cx="548700" cy="393600"/>
           </a:xfrm>
           <a:prstGeom prst="rect">
@@ -2388,39 +2966,75 @@
           <a:lstStyle>
             <a:lvl1pPr lvl="0">
               <a:buNone/>
-              <a:defRPr/>
+              <a:defRPr>
+                <a:solidFill>
+                  <a:schemeClr val="dk2"/>
+                </a:solidFill>
+              </a:defRPr>
             </a:lvl1pPr>
             <a:lvl2pPr lvl="1">
               <a:buNone/>
-              <a:defRPr/>
+              <a:defRPr>
+                <a:solidFill>
+                  <a:schemeClr val="dk2"/>
+                </a:solidFill>
+              </a:defRPr>
             </a:lvl2pPr>
             <a:lvl3pPr lvl="2">
               <a:buNone/>
-              <a:defRPr/>
+              <a:defRPr>
+                <a:solidFill>
+                  <a:schemeClr val="dk2"/>
+                </a:solidFill>
+              </a:defRPr>
             </a:lvl3pPr>
             <a:lvl4pPr lvl="3">
               <a:buNone/>
-              <a:defRPr/>
+              <a:defRPr>
+                <a:solidFill>
+                  <a:schemeClr val="dk2"/>
+                </a:solidFill>
+              </a:defRPr>
             </a:lvl4pPr>
             <a:lvl5pPr lvl="4">
               <a:buNone/>
-              <a:defRPr/>
+              <a:defRPr>
+                <a:solidFill>
+                  <a:schemeClr val="dk2"/>
+                </a:solidFill>
+              </a:defRPr>
             </a:lvl5pPr>
             <a:lvl6pPr lvl="5">
               <a:buNone/>
-              <a:defRPr/>
+              <a:defRPr>
+                <a:solidFill>
+                  <a:schemeClr val="dk2"/>
+                </a:solidFill>
+              </a:defRPr>
             </a:lvl6pPr>
             <a:lvl7pPr lvl="6">
               <a:buNone/>
-              <a:defRPr/>
+              <a:defRPr>
+                <a:solidFill>
+                  <a:schemeClr val="dk2"/>
+                </a:solidFill>
+              </a:defRPr>
             </a:lvl7pPr>
             <a:lvl8pPr lvl="7">
               <a:buNone/>
-              <a:defRPr/>
+              <a:defRPr>
+                <a:solidFill>
+                  <a:schemeClr val="dk2"/>
+                </a:solidFill>
+              </a:defRPr>
             </a:lvl8pPr>
             <a:lvl9pPr lvl="8">
               <a:buNone/>
-              <a:defRPr/>
+              <a:defRPr>
+                <a:solidFill>
+                  <a:schemeClr val="dk2"/>
+                </a:solidFill>
+              </a:defRPr>
             </a:lvl9pPr>
           </a:lstStyle>
           <a:p>
@@ -2455,14 +3069,14 @@
     <p:bg>
       <p:bgPr>
         <a:solidFill>
-          <a:schemeClr val="accent4"/>
+          <a:schemeClr val="dk1"/>
         </a:solidFill>
         <a:effectLst/>
       </p:bgPr>
     </p:bg>
     <p:spTree>
       <p:nvGrpSpPr>
-        <p:cNvPr id="1" name="Shape 15"/>
+        <p:cNvPr id="1" name="Shape 19"/>
         <p:cNvGrpSpPr/>
         <p:nvPr/>
       </p:nvGrpSpPr>
@@ -2474,49 +3088,224 @@
           <a:chExt cx="0" cy="0"/>
         </a:xfrm>
       </p:grpSpPr>
+      <p:grpSp>
+        <p:nvGrpSpPr>
+          <p:cNvPr id="20" name="Google Shape;20;g12179c31b56_0_1145"/>
+          <p:cNvGrpSpPr/>
+          <p:nvPr/>
+        </p:nvGrpSpPr>
+        <p:grpSpPr>
+          <a:xfrm>
+            <a:off x="6098378" y="5"/>
+            <a:ext cx="3045625" cy="2030570"/>
+            <a:chOff x="6098378" y="5"/>
+            <a:chExt cx="3045625" cy="2030570"/>
+          </a:xfrm>
+        </p:grpSpPr>
+        <p:sp>
+          <p:nvSpPr>
+            <p:cNvPr id="21" name="Google Shape;21;g12179c31b56_0_1145"/>
+            <p:cNvSpPr/>
+            <p:nvPr/>
+          </p:nvSpPr>
+          <p:spPr>
+            <a:xfrm>
+              <a:off x="8128803" y="16"/>
+              <a:ext cx="1015200" cy="1015200"/>
+            </a:xfrm>
+            <a:prstGeom prst="rect">
+              <a:avLst/>
+            </a:prstGeom>
+            <a:solidFill>
+              <a:schemeClr val="accent1"/>
+            </a:solidFill>
+            <a:ln>
+              <a:noFill/>
+            </a:ln>
+          </p:spPr>
+          <p:txBody>
+            <a:bodyPr spcFirstLastPara="1" wrap="square" lIns="91425" tIns="91425" rIns="91425" bIns="91425" anchor="ctr" anchorCtr="0">
+              <a:noAutofit/>
+            </a:bodyPr>
+            <a:lstStyle/>
+            <a:p>
+              <a:pPr marL="0" lvl="0" indent="0" algn="l" rtl="0">
+                <a:spcBef>
+                  <a:spcPts val="0"/>
+                </a:spcBef>
+                <a:spcAft>
+                  <a:spcPts val="0"/>
+                </a:spcAft>
+                <a:buNone/>
+              </a:pPr>
+              <a:endParaRPr/>
+            </a:p>
+          </p:txBody>
+        </p:sp>
+        <p:sp>
+          <p:nvSpPr>
+            <p:cNvPr id="22" name="Google Shape;22;g12179c31b56_0_1145"/>
+            <p:cNvSpPr/>
+            <p:nvPr/>
+          </p:nvSpPr>
+          <p:spPr>
+            <a:xfrm flipH="1">
+              <a:off x="7113463" y="5"/>
+              <a:ext cx="1015200" cy="1015200"/>
+            </a:xfrm>
+            <a:prstGeom prst="rtTriangle">
+              <a:avLst/>
+            </a:prstGeom>
+            <a:solidFill>
+              <a:schemeClr val="accent2"/>
+            </a:solidFill>
+            <a:ln>
+              <a:noFill/>
+            </a:ln>
+          </p:spPr>
+          <p:txBody>
+            <a:bodyPr spcFirstLastPara="1" wrap="square" lIns="91425" tIns="91425" rIns="91425" bIns="91425" anchor="ctr" anchorCtr="0">
+              <a:noAutofit/>
+            </a:bodyPr>
+            <a:lstStyle/>
+            <a:p>
+              <a:pPr marL="0" lvl="0" indent="0" algn="l" rtl="0">
+                <a:spcBef>
+                  <a:spcPts val="0"/>
+                </a:spcBef>
+                <a:spcAft>
+                  <a:spcPts val="0"/>
+                </a:spcAft>
+                <a:buNone/>
+              </a:pPr>
+              <a:endParaRPr/>
+            </a:p>
+          </p:txBody>
+        </p:sp>
+        <p:sp>
+          <p:nvSpPr>
+            <p:cNvPr id="23" name="Google Shape;23;g12179c31b56_0_1145"/>
+            <p:cNvSpPr/>
+            <p:nvPr/>
+          </p:nvSpPr>
+          <p:spPr>
+            <a:xfrm rot="10800000" flipH="1">
+              <a:off x="7113588" y="107"/>
+              <a:ext cx="1015200" cy="1015200"/>
+            </a:xfrm>
+            <a:prstGeom prst="rtTriangle">
+              <a:avLst/>
+            </a:prstGeom>
+            <a:solidFill>
+              <a:schemeClr val="accent6"/>
+            </a:solidFill>
+            <a:ln>
+              <a:noFill/>
+            </a:ln>
+          </p:spPr>
+          <p:txBody>
+            <a:bodyPr spcFirstLastPara="1" wrap="square" lIns="91425" tIns="91425" rIns="91425" bIns="91425" anchor="ctr" anchorCtr="0">
+              <a:noAutofit/>
+            </a:bodyPr>
+            <a:lstStyle/>
+            <a:p>
+              <a:pPr marL="0" lvl="0" indent="0" algn="l" rtl="0">
+                <a:spcBef>
+                  <a:spcPts val="0"/>
+                </a:spcBef>
+                <a:spcAft>
+                  <a:spcPts val="0"/>
+                </a:spcAft>
+                <a:buNone/>
+              </a:pPr>
+              <a:endParaRPr/>
+            </a:p>
+          </p:txBody>
+        </p:sp>
+        <p:sp>
+          <p:nvSpPr>
+            <p:cNvPr id="24" name="Google Shape;24;g12179c31b56_0_1145"/>
+            <p:cNvSpPr/>
+            <p:nvPr/>
+          </p:nvSpPr>
+          <p:spPr>
+            <a:xfrm rot="10800000">
+              <a:off x="6098378" y="97"/>
+              <a:ext cx="1015200" cy="1015200"/>
+            </a:xfrm>
+            <a:prstGeom prst="rtTriangle">
+              <a:avLst/>
+            </a:prstGeom>
+            <a:solidFill>
+              <a:schemeClr val="accent1"/>
+            </a:solidFill>
+            <a:ln>
+              <a:noFill/>
+            </a:ln>
+          </p:spPr>
+          <p:txBody>
+            <a:bodyPr spcFirstLastPara="1" wrap="square" lIns="91425" tIns="91425" rIns="91425" bIns="91425" anchor="ctr" anchorCtr="0">
+              <a:noAutofit/>
+            </a:bodyPr>
+            <a:lstStyle/>
+            <a:p>
+              <a:pPr marL="0" lvl="0" indent="0" algn="l" rtl="0">
+                <a:spcBef>
+                  <a:spcPts val="0"/>
+                </a:spcBef>
+                <a:spcAft>
+                  <a:spcPts val="0"/>
+                </a:spcAft>
+                <a:buNone/>
+              </a:pPr>
+              <a:endParaRPr/>
+            </a:p>
+          </p:txBody>
+        </p:sp>
+        <p:sp>
+          <p:nvSpPr>
+            <p:cNvPr id="25" name="Google Shape;25;g12179c31b56_0_1145"/>
+            <p:cNvSpPr/>
+            <p:nvPr/>
+          </p:nvSpPr>
+          <p:spPr>
+            <a:xfrm rot="10800000">
+              <a:off x="8128789" y="1015375"/>
+              <a:ext cx="1015200" cy="1015200"/>
+            </a:xfrm>
+            <a:prstGeom prst="rtTriangle">
+              <a:avLst/>
+            </a:prstGeom>
+            <a:solidFill>
+              <a:schemeClr val="accent6"/>
+            </a:solidFill>
+            <a:ln>
+              <a:noFill/>
+            </a:ln>
+          </p:spPr>
+          <p:txBody>
+            <a:bodyPr spcFirstLastPara="1" wrap="square" lIns="91425" tIns="91425" rIns="91425" bIns="91425" anchor="ctr" anchorCtr="0">
+              <a:noAutofit/>
+            </a:bodyPr>
+            <a:lstStyle/>
+            <a:p>
+              <a:pPr marL="0" lvl="0" indent="0" algn="l" rtl="0">
+                <a:spcBef>
+                  <a:spcPts val="0"/>
+                </a:spcBef>
+                <a:spcAft>
+                  <a:spcPts val="0"/>
+                </a:spcAft>
+                <a:buNone/>
+              </a:pPr>
+              <a:endParaRPr/>
+            </a:p>
+          </p:txBody>
+        </p:sp>
+      </p:grpSp>
       <p:sp>
         <p:nvSpPr>
-          <p:cNvPr id="16" name="Google Shape;16;p3"/>
-          <p:cNvSpPr/>
-          <p:nvPr/>
-        </p:nvSpPr>
-        <p:spPr>
-          <a:xfrm rot="5400000">
-            <a:off x="4550700" y="-498600"/>
-            <a:ext cx="42600" cy="8455800"/>
-          </a:xfrm>
-          <a:prstGeom prst="rect">
-            <a:avLst/>
-          </a:prstGeom>
-          <a:solidFill>
-            <a:schemeClr val="dk2"/>
-          </a:solidFill>
-          <a:ln>
-            <a:noFill/>
-          </a:ln>
-        </p:spPr>
-        <p:txBody>
-          <a:bodyPr spcFirstLastPara="1" wrap="square" lIns="91425" tIns="91425" rIns="91425" bIns="91425" anchor="ctr" anchorCtr="0">
-            <a:noAutofit/>
-          </a:bodyPr>
-          <a:lstStyle/>
-          <a:p>
-            <a:pPr marL="0" lvl="0" indent="0" algn="l" rtl="0">
-              <a:spcBef>
-                <a:spcPts val="0"/>
-              </a:spcBef>
-              <a:spcAft>
-                <a:spcPts val="0"/>
-              </a:spcAft>
-              <a:buNone/>
-            </a:pPr>
-            <a:endParaRPr/>
-          </a:p>
-        </p:txBody>
-      </p:sp>
-      <p:sp>
-        <p:nvSpPr>
-          <p:cNvPr id="17" name="Google Shape;17;p3"/>
+          <p:cNvPr id="26" name="Google Shape;26;g12179c31b56_0_1145"/>
           <p:cNvSpPr txBox="1">
             <a:spLocks noGrp="1"/>
           </p:cNvSpPr>
@@ -2526,172 +3315,178 @@
         </p:nvSpPr>
         <p:spPr>
           <a:xfrm>
-            <a:off x="344250" y="1403850"/>
-            <a:ext cx="8455500" cy="2146800"/>
+            <a:off x="598100" y="2152347"/>
+            <a:ext cx="8222100" cy="838800"/>
           </a:xfrm>
           <a:prstGeom prst="rect">
             <a:avLst/>
           </a:prstGeom>
-          <a:solidFill>
-            <a:srgbClr val="FFFFFF"/>
-          </a:solidFill>
         </p:spPr>
         <p:txBody>
           <a:bodyPr spcFirstLastPara="1" wrap="square" lIns="91425" tIns="91425" rIns="91425" bIns="91425" anchor="ctr" anchorCtr="0">
             <a:normAutofit/>
           </a:bodyPr>
           <a:lstStyle>
-            <a:lvl1pPr lvl="0" algn="ctr">
-              <a:spcBef>
-                <a:spcPts val="0"/>
-              </a:spcBef>
-              <a:spcAft>
-                <a:spcPts val="0"/>
-              </a:spcAft>
-              <a:buSzPts val="4800"/>
-              <a:buFont typeface="Playfair Display"/>
-              <a:buNone/>
-              <a:defRPr sz="4800" b="1">
-                <a:latin typeface="Playfair Display"/>
-                <a:ea typeface="Playfair Display"/>
-                <a:cs typeface="Playfair Display"/>
-                <a:sym typeface="Playfair Display"/>
+            <a:lvl1pPr lvl="0">
+              <a:spcBef>
+                <a:spcPts val="0"/>
+              </a:spcBef>
+              <a:spcAft>
+                <a:spcPts val="0"/>
+              </a:spcAft>
+              <a:buClr>
+                <a:schemeClr val="lt1"/>
+              </a:buClr>
+              <a:buSzPts val="4200"/>
+              <a:buNone/>
+              <a:defRPr sz="4200">
+                <a:solidFill>
+                  <a:schemeClr val="lt1"/>
+                </a:solidFill>
               </a:defRPr>
             </a:lvl1pPr>
-            <a:lvl2pPr lvl="1" algn="ctr">
-              <a:spcBef>
-                <a:spcPts val="0"/>
-              </a:spcBef>
-              <a:spcAft>
-                <a:spcPts val="0"/>
-              </a:spcAft>
-              <a:buSzPts val="4800"/>
-              <a:buFont typeface="Playfair Display"/>
-              <a:buNone/>
-              <a:defRPr sz="4800" b="1">
-                <a:latin typeface="Playfair Display"/>
-                <a:ea typeface="Playfair Display"/>
-                <a:cs typeface="Playfair Display"/>
-                <a:sym typeface="Playfair Display"/>
+            <a:lvl2pPr lvl="1">
+              <a:spcBef>
+                <a:spcPts val="0"/>
+              </a:spcBef>
+              <a:spcAft>
+                <a:spcPts val="0"/>
+              </a:spcAft>
+              <a:buClr>
+                <a:schemeClr val="lt1"/>
+              </a:buClr>
+              <a:buSzPts val="4200"/>
+              <a:buNone/>
+              <a:defRPr sz="4200">
+                <a:solidFill>
+                  <a:schemeClr val="lt1"/>
+                </a:solidFill>
               </a:defRPr>
             </a:lvl2pPr>
-            <a:lvl3pPr lvl="2" algn="ctr">
-              <a:spcBef>
-                <a:spcPts val="0"/>
-              </a:spcBef>
-              <a:spcAft>
-                <a:spcPts val="0"/>
-              </a:spcAft>
-              <a:buSzPts val="4800"/>
-              <a:buFont typeface="Playfair Display"/>
-              <a:buNone/>
-              <a:defRPr sz="4800" b="1">
-                <a:latin typeface="Playfair Display"/>
-                <a:ea typeface="Playfair Display"/>
-                <a:cs typeface="Playfair Display"/>
-                <a:sym typeface="Playfair Display"/>
+            <a:lvl3pPr lvl="2">
+              <a:spcBef>
+                <a:spcPts val="0"/>
+              </a:spcBef>
+              <a:spcAft>
+                <a:spcPts val="0"/>
+              </a:spcAft>
+              <a:buClr>
+                <a:schemeClr val="lt1"/>
+              </a:buClr>
+              <a:buSzPts val="4200"/>
+              <a:buNone/>
+              <a:defRPr sz="4200">
+                <a:solidFill>
+                  <a:schemeClr val="lt1"/>
+                </a:solidFill>
               </a:defRPr>
             </a:lvl3pPr>
-            <a:lvl4pPr lvl="3" algn="ctr">
-              <a:spcBef>
-                <a:spcPts val="0"/>
-              </a:spcBef>
-              <a:spcAft>
-                <a:spcPts val="0"/>
-              </a:spcAft>
-              <a:buSzPts val="4800"/>
-              <a:buFont typeface="Playfair Display"/>
-              <a:buNone/>
-              <a:defRPr sz="4800" b="1">
-                <a:latin typeface="Playfair Display"/>
-                <a:ea typeface="Playfair Display"/>
-                <a:cs typeface="Playfair Display"/>
-                <a:sym typeface="Playfair Display"/>
+            <a:lvl4pPr lvl="3">
+              <a:spcBef>
+                <a:spcPts val="0"/>
+              </a:spcBef>
+              <a:spcAft>
+                <a:spcPts val="0"/>
+              </a:spcAft>
+              <a:buClr>
+                <a:schemeClr val="lt1"/>
+              </a:buClr>
+              <a:buSzPts val="4200"/>
+              <a:buNone/>
+              <a:defRPr sz="4200">
+                <a:solidFill>
+                  <a:schemeClr val="lt1"/>
+                </a:solidFill>
               </a:defRPr>
             </a:lvl4pPr>
-            <a:lvl5pPr lvl="4" algn="ctr">
-              <a:spcBef>
-                <a:spcPts val="0"/>
-              </a:spcBef>
-              <a:spcAft>
-                <a:spcPts val="0"/>
-              </a:spcAft>
-              <a:buSzPts val="4800"/>
-              <a:buFont typeface="Playfair Display"/>
-              <a:buNone/>
-              <a:defRPr sz="4800" b="1">
-                <a:latin typeface="Playfair Display"/>
-                <a:ea typeface="Playfair Display"/>
-                <a:cs typeface="Playfair Display"/>
-                <a:sym typeface="Playfair Display"/>
+            <a:lvl5pPr lvl="4">
+              <a:spcBef>
+                <a:spcPts val="0"/>
+              </a:spcBef>
+              <a:spcAft>
+                <a:spcPts val="0"/>
+              </a:spcAft>
+              <a:buClr>
+                <a:schemeClr val="lt1"/>
+              </a:buClr>
+              <a:buSzPts val="4200"/>
+              <a:buNone/>
+              <a:defRPr sz="4200">
+                <a:solidFill>
+                  <a:schemeClr val="lt1"/>
+                </a:solidFill>
               </a:defRPr>
             </a:lvl5pPr>
-            <a:lvl6pPr lvl="5" algn="ctr">
-              <a:spcBef>
-                <a:spcPts val="0"/>
-              </a:spcBef>
-              <a:spcAft>
-                <a:spcPts val="0"/>
-              </a:spcAft>
-              <a:buSzPts val="4800"/>
-              <a:buFont typeface="Playfair Display"/>
-              <a:buNone/>
-              <a:defRPr sz="4800" b="1">
-                <a:latin typeface="Playfair Display"/>
-                <a:ea typeface="Playfair Display"/>
-                <a:cs typeface="Playfair Display"/>
-                <a:sym typeface="Playfair Display"/>
+            <a:lvl6pPr lvl="5">
+              <a:spcBef>
+                <a:spcPts val="0"/>
+              </a:spcBef>
+              <a:spcAft>
+                <a:spcPts val="0"/>
+              </a:spcAft>
+              <a:buClr>
+                <a:schemeClr val="lt1"/>
+              </a:buClr>
+              <a:buSzPts val="4200"/>
+              <a:buNone/>
+              <a:defRPr sz="4200">
+                <a:solidFill>
+                  <a:schemeClr val="lt1"/>
+                </a:solidFill>
               </a:defRPr>
             </a:lvl6pPr>
-            <a:lvl7pPr lvl="6" algn="ctr">
-              <a:spcBef>
-                <a:spcPts val="0"/>
-              </a:spcBef>
-              <a:spcAft>
-                <a:spcPts val="0"/>
-              </a:spcAft>
-              <a:buSzPts val="4800"/>
-              <a:buFont typeface="Playfair Display"/>
-              <a:buNone/>
-              <a:defRPr sz="4800" b="1">
-                <a:latin typeface="Playfair Display"/>
-                <a:ea typeface="Playfair Display"/>
-                <a:cs typeface="Playfair Display"/>
-                <a:sym typeface="Playfair Display"/>
+            <a:lvl7pPr lvl="6">
+              <a:spcBef>
+                <a:spcPts val="0"/>
+              </a:spcBef>
+              <a:spcAft>
+                <a:spcPts val="0"/>
+              </a:spcAft>
+              <a:buClr>
+                <a:schemeClr val="lt1"/>
+              </a:buClr>
+              <a:buSzPts val="4200"/>
+              <a:buNone/>
+              <a:defRPr sz="4200">
+                <a:solidFill>
+                  <a:schemeClr val="lt1"/>
+                </a:solidFill>
               </a:defRPr>
             </a:lvl7pPr>
-            <a:lvl8pPr lvl="7" algn="ctr">
-              <a:spcBef>
-                <a:spcPts val="0"/>
-              </a:spcBef>
-              <a:spcAft>
-                <a:spcPts val="0"/>
-              </a:spcAft>
-              <a:buSzPts val="4800"/>
-              <a:buFont typeface="Playfair Display"/>
-              <a:buNone/>
-              <a:defRPr sz="4800" b="1">
-                <a:latin typeface="Playfair Display"/>
-                <a:ea typeface="Playfair Display"/>
-                <a:cs typeface="Playfair Display"/>
-                <a:sym typeface="Playfair Display"/>
+            <a:lvl8pPr lvl="7">
+              <a:spcBef>
+                <a:spcPts val="0"/>
+              </a:spcBef>
+              <a:spcAft>
+                <a:spcPts val="0"/>
+              </a:spcAft>
+              <a:buClr>
+                <a:schemeClr val="lt1"/>
+              </a:buClr>
+              <a:buSzPts val="4200"/>
+              <a:buNone/>
+              <a:defRPr sz="4200">
+                <a:solidFill>
+                  <a:schemeClr val="lt1"/>
+                </a:solidFill>
               </a:defRPr>
             </a:lvl8pPr>
-            <a:lvl9pPr lvl="8" algn="ctr">
-              <a:spcBef>
-                <a:spcPts val="0"/>
-              </a:spcBef>
-              <a:spcAft>
-                <a:spcPts val="0"/>
-              </a:spcAft>
-              <a:buSzPts val="4800"/>
-              <a:buFont typeface="Playfair Display"/>
-              <a:buNone/>
-              <a:defRPr sz="4800" b="1">
-                <a:latin typeface="Playfair Display"/>
-                <a:ea typeface="Playfair Display"/>
-                <a:cs typeface="Playfair Display"/>
-                <a:sym typeface="Playfair Display"/>
+            <a:lvl9pPr lvl="8">
+              <a:spcBef>
+                <a:spcPts val="0"/>
+              </a:spcBef>
+              <a:spcAft>
+                <a:spcPts val="0"/>
+              </a:spcAft>
+              <a:buClr>
+                <a:schemeClr val="lt1"/>
+              </a:buClr>
+              <a:buSzPts val="4200"/>
+              <a:buNone/>
+              <a:defRPr sz="4200">
+                <a:solidFill>
+                  <a:schemeClr val="lt1"/>
+                </a:solidFill>
               </a:defRPr>
             </a:lvl9pPr>
           </a:lstStyle>
@@ -2702,7 +3497,7 @@
       </p:sp>
       <p:sp>
         <p:nvSpPr>
-          <p:cNvPr id="18" name="Google Shape;18;p3"/>
+          <p:cNvPr id="27" name="Google Shape;27;g12179c31b56_0_1145"/>
           <p:cNvSpPr txBox="1">
             <a:spLocks noGrp="1"/>
           </p:cNvSpPr>
@@ -2712,7 +3507,7 @@
         </p:nvSpPr>
         <p:spPr>
           <a:xfrm>
-            <a:off x="8497999" y="4688759"/>
+            <a:off x="8460431" y="4651190"/>
             <a:ext cx="548700" cy="393600"/>
           </a:xfrm>
           <a:prstGeom prst="rect">
@@ -2726,75 +3521,39 @@
           <a:lstStyle>
             <a:lvl1pPr lvl="0">
               <a:buNone/>
-              <a:defRPr>
-                <a:solidFill>
-                  <a:schemeClr val="lt1"/>
-                </a:solidFill>
-              </a:defRPr>
+              <a:defRPr/>
             </a:lvl1pPr>
             <a:lvl2pPr lvl="1">
               <a:buNone/>
-              <a:defRPr>
-                <a:solidFill>
-                  <a:schemeClr val="lt1"/>
-                </a:solidFill>
-              </a:defRPr>
+              <a:defRPr/>
             </a:lvl2pPr>
             <a:lvl3pPr lvl="2">
               <a:buNone/>
-              <a:defRPr>
-                <a:solidFill>
-                  <a:schemeClr val="lt1"/>
-                </a:solidFill>
-              </a:defRPr>
+              <a:defRPr/>
             </a:lvl3pPr>
             <a:lvl4pPr lvl="3">
               <a:buNone/>
-              <a:defRPr>
-                <a:solidFill>
-                  <a:schemeClr val="lt1"/>
-                </a:solidFill>
-              </a:defRPr>
+              <a:defRPr/>
             </a:lvl4pPr>
             <a:lvl5pPr lvl="4">
               <a:buNone/>
-              <a:defRPr>
-                <a:solidFill>
-                  <a:schemeClr val="lt1"/>
-                </a:solidFill>
-              </a:defRPr>
+              <a:defRPr/>
             </a:lvl5pPr>
             <a:lvl6pPr lvl="5">
               <a:buNone/>
-              <a:defRPr>
-                <a:solidFill>
-                  <a:schemeClr val="lt1"/>
-                </a:solidFill>
-              </a:defRPr>
+              <a:defRPr/>
             </a:lvl6pPr>
             <a:lvl7pPr lvl="6">
               <a:buNone/>
-              <a:defRPr>
-                <a:solidFill>
-                  <a:schemeClr val="lt1"/>
-                </a:solidFill>
-              </a:defRPr>
+              <a:defRPr/>
             </a:lvl7pPr>
             <a:lvl8pPr lvl="7">
               <a:buNone/>
-              <a:defRPr>
-                <a:solidFill>
-                  <a:schemeClr val="lt1"/>
-                </a:solidFill>
-              </a:defRPr>
+              <a:defRPr/>
             </a:lvl8pPr>
             <a:lvl9pPr lvl="8">
               <a:buNone/>
-              <a:defRPr>
-                <a:solidFill>
-                  <a:schemeClr val="lt1"/>
-                </a:solidFill>
-              </a:defRPr>
+              <a:defRPr/>
             </a:lvl9pPr>
           </a:lstStyle>
           <a:p>
@@ -2828,7 +3587,7 @@
   <p:cSld name="TITLE_AND_BODY">
     <p:spTree>
       <p:nvGrpSpPr>
-        <p:cNvPr id="1" name="Shape 19"/>
+        <p:cNvPr id="1" name="Shape 28"/>
         <p:cNvGrpSpPr/>
         <p:nvPr/>
       </p:nvGrpSpPr>
@@ -2840,9 +3599,224 @@
           <a:chExt cx="0" cy="0"/>
         </a:xfrm>
       </p:grpSpPr>
+      <p:grpSp>
+        <p:nvGrpSpPr>
+          <p:cNvPr id="29" name="Google Shape;29;g12179c31b56_0_1154"/>
+          <p:cNvGrpSpPr/>
+          <p:nvPr/>
+        </p:nvGrpSpPr>
+        <p:grpSpPr>
+          <a:xfrm>
+            <a:off x="0" y="3903669"/>
+            <a:ext cx="9144000" cy="1239925"/>
+            <a:chOff x="0" y="3903669"/>
+            <a:chExt cx="9144000" cy="1239925"/>
+          </a:xfrm>
+        </p:grpSpPr>
+        <p:sp>
+          <p:nvSpPr>
+            <p:cNvPr id="30" name="Google Shape;30;g12179c31b56_0_1154"/>
+            <p:cNvSpPr/>
+            <p:nvPr/>
+          </p:nvSpPr>
+          <p:spPr>
+            <a:xfrm>
+              <a:off x="8154895" y="3903669"/>
+              <a:ext cx="989100" cy="987900"/>
+            </a:xfrm>
+            <a:prstGeom prst="rtTriangle">
+              <a:avLst/>
+            </a:prstGeom>
+            <a:solidFill>
+              <a:schemeClr val="accent5"/>
+            </a:solidFill>
+            <a:ln>
+              <a:noFill/>
+            </a:ln>
+          </p:spPr>
+          <p:txBody>
+            <a:bodyPr spcFirstLastPara="1" wrap="square" lIns="91425" tIns="91425" rIns="91425" bIns="91425" anchor="ctr" anchorCtr="0">
+              <a:noAutofit/>
+            </a:bodyPr>
+            <a:lstStyle/>
+            <a:p>
+              <a:pPr marL="0" lvl="0" indent="0" algn="l" rtl="0">
+                <a:spcBef>
+                  <a:spcPts val="0"/>
+                </a:spcBef>
+                <a:spcAft>
+                  <a:spcPts val="0"/>
+                </a:spcAft>
+                <a:buNone/>
+              </a:pPr>
+              <a:endParaRPr/>
+            </a:p>
+          </p:txBody>
+        </p:sp>
+        <p:sp>
+          <p:nvSpPr>
+            <p:cNvPr id="31" name="Google Shape;31;g12179c31b56_0_1154"/>
+            <p:cNvSpPr/>
+            <p:nvPr/>
+          </p:nvSpPr>
+          <p:spPr>
+            <a:xfrm flipH="1">
+              <a:off x="6181163" y="3903669"/>
+              <a:ext cx="989100" cy="987900"/>
+            </a:xfrm>
+            <a:prstGeom prst="rtTriangle">
+              <a:avLst/>
+            </a:prstGeom>
+            <a:solidFill>
+              <a:schemeClr val="accent5"/>
+            </a:solidFill>
+            <a:ln>
+              <a:noFill/>
+            </a:ln>
+          </p:spPr>
+          <p:txBody>
+            <a:bodyPr spcFirstLastPara="1" wrap="square" lIns="91425" tIns="91425" rIns="91425" bIns="91425" anchor="ctr" anchorCtr="0">
+              <a:noAutofit/>
+            </a:bodyPr>
+            <a:lstStyle/>
+            <a:p>
+              <a:pPr marL="0" lvl="0" indent="0" algn="l" rtl="0">
+                <a:spcBef>
+                  <a:spcPts val="0"/>
+                </a:spcBef>
+                <a:spcAft>
+                  <a:spcPts val="0"/>
+                </a:spcAft>
+                <a:buNone/>
+              </a:pPr>
+              <a:endParaRPr/>
+            </a:p>
+          </p:txBody>
+        </p:sp>
+        <p:sp>
+          <p:nvSpPr>
+            <p:cNvPr id="32" name="Google Shape;32;g12179c31b56_0_1154"/>
+            <p:cNvSpPr/>
+            <p:nvPr/>
+          </p:nvSpPr>
+          <p:spPr>
+            <a:xfrm>
+              <a:off x="7170274" y="3903669"/>
+              <a:ext cx="989100" cy="987900"/>
+            </a:xfrm>
+            <a:prstGeom prst="rect">
+              <a:avLst/>
+            </a:prstGeom>
+            <a:solidFill>
+              <a:schemeClr val="accent4"/>
+            </a:solidFill>
+            <a:ln>
+              <a:noFill/>
+            </a:ln>
+          </p:spPr>
+          <p:txBody>
+            <a:bodyPr spcFirstLastPara="1" wrap="square" lIns="91425" tIns="91425" rIns="91425" bIns="91425" anchor="ctr" anchorCtr="0">
+              <a:noAutofit/>
+            </a:bodyPr>
+            <a:lstStyle/>
+            <a:p>
+              <a:pPr marL="0" lvl="0" indent="0" algn="l" rtl="0">
+                <a:spcBef>
+                  <a:spcPts val="0"/>
+                </a:spcBef>
+                <a:spcAft>
+                  <a:spcPts val="0"/>
+                </a:spcAft>
+                <a:buNone/>
+              </a:pPr>
+              <a:endParaRPr/>
+            </a:p>
+          </p:txBody>
+        </p:sp>
+        <p:sp>
+          <p:nvSpPr>
+            <p:cNvPr id="33" name="Google Shape;33;g12179c31b56_0_1154"/>
+            <p:cNvSpPr/>
+            <p:nvPr/>
+          </p:nvSpPr>
+          <p:spPr>
+            <a:xfrm rot="10800000">
+              <a:off x="8154757" y="3903682"/>
+              <a:ext cx="989100" cy="987900"/>
+            </a:xfrm>
+            <a:prstGeom prst="rtTriangle">
+              <a:avLst/>
+            </a:prstGeom>
+            <a:solidFill>
+              <a:schemeClr val="accent3"/>
+            </a:solidFill>
+            <a:ln>
+              <a:noFill/>
+            </a:ln>
+          </p:spPr>
+          <p:txBody>
+            <a:bodyPr spcFirstLastPara="1" wrap="square" lIns="91425" tIns="91425" rIns="91425" bIns="91425" anchor="ctr" anchorCtr="0">
+              <a:noAutofit/>
+            </a:bodyPr>
+            <a:lstStyle/>
+            <a:p>
+              <a:pPr marL="0" lvl="0" indent="0" algn="l" rtl="0">
+                <a:spcBef>
+                  <a:spcPts val="0"/>
+                </a:spcBef>
+                <a:spcAft>
+                  <a:spcPts val="0"/>
+                </a:spcAft>
+                <a:buNone/>
+              </a:pPr>
+              <a:endParaRPr/>
+            </a:p>
+          </p:txBody>
+        </p:sp>
+        <p:sp>
+          <p:nvSpPr>
+            <p:cNvPr id="34" name="Google Shape;34;g12179c31b56_0_1154"/>
+            <p:cNvSpPr/>
+            <p:nvPr/>
+          </p:nvSpPr>
+          <p:spPr>
+            <a:xfrm>
+              <a:off x="0" y="4891594"/>
+              <a:ext cx="9144000" cy="252000"/>
+            </a:xfrm>
+            <a:prstGeom prst="rect">
+              <a:avLst/>
+            </a:prstGeom>
+            <a:solidFill>
+              <a:schemeClr val="dk1"/>
+            </a:solidFill>
+            <a:ln>
+              <a:noFill/>
+            </a:ln>
+          </p:spPr>
+          <p:txBody>
+            <a:bodyPr spcFirstLastPara="1" wrap="square" lIns="91425" tIns="91425" rIns="91425" bIns="91425" anchor="ctr" anchorCtr="0">
+              <a:noAutofit/>
+            </a:bodyPr>
+            <a:lstStyle/>
+            <a:p>
+              <a:pPr marL="0" lvl="0" indent="0" algn="l" rtl="0">
+                <a:spcBef>
+                  <a:spcPts val="0"/>
+                </a:spcBef>
+                <a:spcAft>
+                  <a:spcPts val="0"/>
+                </a:spcAft>
+                <a:buNone/>
+              </a:pPr>
+              <a:endParaRPr/>
+            </a:p>
+          </p:txBody>
+        </p:sp>
+      </p:grpSp>
       <p:sp>
         <p:nvSpPr>
-          <p:cNvPr id="20" name="Google Shape;20;p4"/>
+          <p:cNvPr id="35" name="Google Shape;35;g12179c31b56_0_1154"/>
           <p:cNvSpPr txBox="1">
             <a:spLocks noGrp="1"/>
           </p:cNvSpPr>
@@ -2852,8 +3826,8 @@
         </p:nvSpPr>
         <p:spPr>
           <a:xfrm>
-            <a:off x="311700" y="445025"/>
-            <a:ext cx="8520600" cy="572700"/>
+            <a:off x="311700" y="410000"/>
+            <a:ext cx="8520600" cy="607800"/>
           </a:xfrm>
           <a:prstGeom prst="rect">
             <a:avLst/>
@@ -2971,7 +3945,7 @@
       </p:sp>
       <p:sp>
         <p:nvSpPr>
-          <p:cNvPr id="21" name="Google Shape;21;p4"/>
+          <p:cNvPr id="36" name="Google Shape;36;g12179c31b56_0_1154"/>
           <p:cNvSpPr txBox="1">
             <a:spLocks noGrp="1"/>
           </p:cNvSpPr>
@@ -2981,8 +3955,8 @@
         </p:nvSpPr>
         <p:spPr>
           <a:xfrm>
-            <a:off x="311700" y="1234075"/>
-            <a:ext cx="8520600" cy="3334800"/>
+            <a:off x="311700" y="1229875"/>
+            <a:ext cx="8520600" cy="3339000"/>
           </a:xfrm>
           <a:prstGeom prst="rect">
             <a:avLst/>
@@ -3100,7 +4074,7 @@
       </p:sp>
       <p:sp>
         <p:nvSpPr>
-          <p:cNvPr id="22" name="Google Shape;22;p4"/>
+          <p:cNvPr id="37" name="Google Shape;37;g12179c31b56_0_1154"/>
           <p:cNvSpPr txBox="1">
             <a:spLocks noGrp="1"/>
           </p:cNvSpPr>
@@ -3110,7 +4084,7 @@
         </p:nvSpPr>
         <p:spPr>
           <a:xfrm>
-            <a:off x="8497999" y="4688759"/>
+            <a:off x="8460431" y="4651190"/>
             <a:ext cx="548700" cy="393600"/>
           </a:xfrm>
           <a:prstGeom prst="rect">
@@ -3190,7 +4164,7 @@
   <p:cSld name="TITLE_AND_TWO_COLUMNS">
     <p:spTree>
       <p:nvGrpSpPr>
-        <p:cNvPr id="1" name="Shape 23"/>
+        <p:cNvPr id="1" name="Shape 38"/>
         <p:cNvGrpSpPr/>
         <p:nvPr/>
       </p:nvGrpSpPr>
@@ -3204,7 +4178,7 @@
       </p:grpSpPr>
       <p:sp>
         <p:nvSpPr>
-          <p:cNvPr id="24" name="Google Shape;24;p5"/>
+          <p:cNvPr id="39" name="Google Shape;39;g12179c31b56_0_1164"/>
           <p:cNvSpPr txBox="1">
             <a:spLocks noGrp="1"/>
           </p:cNvSpPr>
@@ -3214,8 +4188,8 @@
         </p:nvSpPr>
         <p:spPr>
           <a:xfrm>
-            <a:off x="311700" y="445025"/>
-            <a:ext cx="8520600" cy="572700"/>
+            <a:off x="311700" y="410000"/>
+            <a:ext cx="8520600" cy="607800"/>
           </a:xfrm>
           <a:prstGeom prst="rect">
             <a:avLst/>
@@ -3333,7 +4307,7 @@
       </p:sp>
       <p:sp>
         <p:nvSpPr>
-          <p:cNvPr id="25" name="Google Shape;25;p5"/>
+          <p:cNvPr id="40" name="Google Shape;40;g12179c31b56_0_1164"/>
           <p:cNvSpPr txBox="1">
             <a:spLocks noGrp="1"/>
           </p:cNvSpPr>
@@ -3343,8 +4317,8 @@
         </p:nvSpPr>
         <p:spPr>
           <a:xfrm>
-            <a:off x="311700" y="1234050"/>
-            <a:ext cx="3999900" cy="3334800"/>
+            <a:off x="311700" y="1229975"/>
+            <a:ext cx="3999900" cy="3339000"/>
           </a:xfrm>
           <a:prstGeom prst="rect">
             <a:avLst/>
@@ -3462,7 +4436,7 @@
       </p:sp>
       <p:sp>
         <p:nvSpPr>
-          <p:cNvPr id="26" name="Google Shape;26;p5"/>
+          <p:cNvPr id="41" name="Google Shape;41;g12179c31b56_0_1164"/>
           <p:cNvSpPr txBox="1">
             <a:spLocks noGrp="1"/>
           </p:cNvSpPr>
@@ -3472,8 +4446,8 @@
         </p:nvSpPr>
         <p:spPr>
           <a:xfrm>
-            <a:off x="4832400" y="1234050"/>
-            <a:ext cx="3999900" cy="3334800"/>
+            <a:off x="4832400" y="1229975"/>
+            <a:ext cx="3999900" cy="3339000"/>
           </a:xfrm>
           <a:prstGeom prst="rect">
             <a:avLst/>
@@ -3591,7 +4565,7 @@
       </p:sp>
       <p:sp>
         <p:nvSpPr>
-          <p:cNvPr id="27" name="Google Shape;27;p5"/>
+          <p:cNvPr id="42" name="Google Shape;42;g12179c31b56_0_1164"/>
           <p:cNvSpPr txBox="1">
             <a:spLocks noGrp="1"/>
           </p:cNvSpPr>
@@ -3601,7 +4575,7 @@
         </p:nvSpPr>
         <p:spPr>
           <a:xfrm>
-            <a:off x="8497999" y="4688759"/>
+            <a:off x="8460431" y="4651190"/>
             <a:ext cx="548700" cy="393600"/>
           </a:xfrm>
           <a:prstGeom prst="rect">
@@ -3615,39 +4589,75 @@
           <a:lstStyle>
             <a:lvl1pPr lvl="0">
               <a:buNone/>
-              <a:defRPr/>
+              <a:defRPr>
+                <a:solidFill>
+                  <a:schemeClr val="dk2"/>
+                </a:solidFill>
+              </a:defRPr>
             </a:lvl1pPr>
             <a:lvl2pPr lvl="1">
               <a:buNone/>
-              <a:defRPr/>
+              <a:defRPr>
+                <a:solidFill>
+                  <a:schemeClr val="dk2"/>
+                </a:solidFill>
+              </a:defRPr>
             </a:lvl2pPr>
             <a:lvl3pPr lvl="2">
               <a:buNone/>
-              <a:defRPr/>
+              <a:defRPr>
+                <a:solidFill>
+                  <a:schemeClr val="dk2"/>
+                </a:solidFill>
+              </a:defRPr>
             </a:lvl3pPr>
             <a:lvl4pPr lvl="3">
               <a:buNone/>
-              <a:defRPr/>
+              <a:defRPr>
+                <a:solidFill>
+                  <a:schemeClr val="dk2"/>
+                </a:solidFill>
+              </a:defRPr>
             </a:lvl4pPr>
             <a:lvl5pPr lvl="4">
               <a:buNone/>
-              <a:defRPr/>
+              <a:defRPr>
+                <a:solidFill>
+                  <a:schemeClr val="dk2"/>
+                </a:solidFill>
+              </a:defRPr>
             </a:lvl5pPr>
             <a:lvl6pPr lvl="5">
               <a:buNone/>
-              <a:defRPr/>
+              <a:defRPr>
+                <a:solidFill>
+                  <a:schemeClr val="dk2"/>
+                </a:solidFill>
+              </a:defRPr>
             </a:lvl6pPr>
             <a:lvl7pPr lvl="6">
               <a:buNone/>
-              <a:defRPr/>
+              <a:defRPr>
+                <a:solidFill>
+                  <a:schemeClr val="dk2"/>
+                </a:solidFill>
+              </a:defRPr>
             </a:lvl7pPr>
             <a:lvl8pPr lvl="7">
               <a:buNone/>
-              <a:defRPr/>
+              <a:defRPr>
+                <a:solidFill>
+                  <a:schemeClr val="dk2"/>
+                </a:solidFill>
+              </a:defRPr>
             </a:lvl8pPr>
             <a:lvl9pPr lvl="8">
               <a:buNone/>
-              <a:defRPr/>
+              <a:defRPr>
+                <a:solidFill>
+                  <a:schemeClr val="dk2"/>
+                </a:solidFill>
+              </a:defRPr>
             </a:lvl9pPr>
           </a:lstStyle>
           <a:p>
@@ -3681,7 +4691,7 @@
   <p:cSld name="TITLE_ONLY">
     <p:spTree>
       <p:nvGrpSpPr>
-        <p:cNvPr id="1" name="Shape 28"/>
+        <p:cNvPr id="1" name="Shape 43"/>
         <p:cNvGrpSpPr/>
         <p:nvPr/>
       </p:nvGrpSpPr>
@@ -3695,7 +4705,7 @@
       </p:grpSpPr>
       <p:sp>
         <p:nvSpPr>
-          <p:cNvPr id="29" name="Google Shape;29;p6"/>
+          <p:cNvPr id="44" name="Google Shape;44;g12179c31b56_0_1169"/>
           <p:cNvSpPr txBox="1">
             <a:spLocks noGrp="1"/>
           </p:cNvSpPr>
@@ -3705,8 +4715,8 @@
         </p:nvSpPr>
         <p:spPr>
           <a:xfrm>
-            <a:off x="311700" y="445025"/>
-            <a:ext cx="8520600" cy="572700"/>
+            <a:off x="311700" y="410000"/>
+            <a:ext cx="8520600" cy="607800"/>
           </a:xfrm>
           <a:prstGeom prst="rect">
             <a:avLst/>
@@ -3824,7 +4834,7 @@
       </p:sp>
       <p:sp>
         <p:nvSpPr>
-          <p:cNvPr id="30" name="Google Shape;30;p6"/>
+          <p:cNvPr id="45" name="Google Shape;45;g12179c31b56_0_1169"/>
           <p:cNvSpPr txBox="1">
             <a:spLocks noGrp="1"/>
           </p:cNvSpPr>
@@ -3834,7 +4844,7 @@
         </p:nvSpPr>
         <p:spPr>
           <a:xfrm>
-            <a:off x="8497999" y="4688759"/>
+            <a:off x="8460431" y="4651190"/>
             <a:ext cx="548700" cy="393600"/>
           </a:xfrm>
           <a:prstGeom prst="rect">
@@ -3848,39 +4858,75 @@
           <a:lstStyle>
             <a:lvl1pPr lvl="0">
               <a:buNone/>
-              <a:defRPr/>
+              <a:defRPr>
+                <a:solidFill>
+                  <a:schemeClr val="dk2"/>
+                </a:solidFill>
+              </a:defRPr>
             </a:lvl1pPr>
             <a:lvl2pPr lvl="1">
               <a:buNone/>
-              <a:defRPr/>
+              <a:defRPr>
+                <a:solidFill>
+                  <a:schemeClr val="dk2"/>
+                </a:solidFill>
+              </a:defRPr>
             </a:lvl2pPr>
             <a:lvl3pPr lvl="2">
               <a:buNone/>
-              <a:defRPr/>
+              <a:defRPr>
+                <a:solidFill>
+                  <a:schemeClr val="dk2"/>
+                </a:solidFill>
+              </a:defRPr>
             </a:lvl3pPr>
             <a:lvl4pPr lvl="3">
               <a:buNone/>
-              <a:defRPr/>
+              <a:defRPr>
+                <a:solidFill>
+                  <a:schemeClr val="dk2"/>
+                </a:solidFill>
+              </a:defRPr>
             </a:lvl4pPr>
             <a:lvl5pPr lvl="4">
               <a:buNone/>
-              <a:defRPr/>
+              <a:defRPr>
+                <a:solidFill>
+                  <a:schemeClr val="dk2"/>
+                </a:solidFill>
+              </a:defRPr>
             </a:lvl5pPr>
             <a:lvl6pPr lvl="5">
               <a:buNone/>
-              <a:defRPr/>
+              <a:defRPr>
+                <a:solidFill>
+                  <a:schemeClr val="dk2"/>
+                </a:solidFill>
+              </a:defRPr>
             </a:lvl6pPr>
             <a:lvl7pPr lvl="6">
               <a:buNone/>
-              <a:defRPr/>
+              <a:defRPr>
+                <a:solidFill>
+                  <a:schemeClr val="dk2"/>
+                </a:solidFill>
+              </a:defRPr>
             </a:lvl7pPr>
             <a:lvl8pPr lvl="7">
               <a:buNone/>
-              <a:defRPr/>
+              <a:defRPr>
+                <a:solidFill>
+                  <a:schemeClr val="dk2"/>
+                </a:solidFill>
+              </a:defRPr>
             </a:lvl8pPr>
             <a:lvl9pPr lvl="8">
               <a:buNone/>
-              <a:defRPr/>
+              <a:defRPr>
+                <a:solidFill>
+                  <a:schemeClr val="dk2"/>
+                </a:solidFill>
+              </a:defRPr>
             </a:lvl9pPr>
           </a:lstStyle>
           <a:p>
@@ -3914,7 +4960,7 @@
   <p:cSld name="ONE_COLUMN_TEXT">
     <p:spTree>
       <p:nvGrpSpPr>
-        <p:cNvPr id="1" name="Shape 31"/>
+        <p:cNvPr id="1" name="Shape 46"/>
         <p:cNvGrpSpPr/>
         <p:nvPr/>
       </p:nvGrpSpPr>
@@ -3928,7 +4974,7 @@
       </p:grpSpPr>
       <p:sp>
         <p:nvSpPr>
-          <p:cNvPr id="32" name="Google Shape;32;p7"/>
+          <p:cNvPr id="47" name="Google Shape;47;g12179c31b56_0_1172"/>
           <p:cNvSpPr txBox="1">
             <a:spLocks noGrp="1"/>
           </p:cNvSpPr>
@@ -4057,7 +5103,7 @@
       </p:sp>
       <p:sp>
         <p:nvSpPr>
-          <p:cNvPr id="33" name="Google Shape;33;p7"/>
+          <p:cNvPr id="48" name="Google Shape;48;g12179c31b56_0_1172"/>
           <p:cNvSpPr txBox="1">
             <a:spLocks noGrp="1"/>
           </p:cNvSpPr>
@@ -4067,8 +5113,8 @@
         </p:nvSpPr>
         <p:spPr>
           <a:xfrm>
-            <a:off x="311700" y="1389600"/>
-            <a:ext cx="2808000" cy="3179400"/>
+            <a:off x="311700" y="1465804"/>
+            <a:ext cx="2808000" cy="3103200"/>
           </a:xfrm>
           <a:prstGeom prst="rect">
             <a:avLst/>
@@ -4186,7 +5232,7 @@
       </p:sp>
       <p:sp>
         <p:nvSpPr>
-          <p:cNvPr id="34" name="Google Shape;34;p7"/>
+          <p:cNvPr id="49" name="Google Shape;49;g12179c31b56_0_1172"/>
           <p:cNvSpPr txBox="1">
             <a:spLocks noGrp="1"/>
           </p:cNvSpPr>
@@ -4196,7 +5242,7 @@
         </p:nvSpPr>
         <p:spPr>
           <a:xfrm>
-            <a:off x="8497999" y="4688759"/>
+            <a:off x="8460431" y="4651190"/>
             <a:ext cx="548700" cy="393600"/>
           </a:xfrm>
           <a:prstGeom prst="rect">
@@ -4210,39 +5256,75 @@
           <a:lstStyle>
             <a:lvl1pPr lvl="0">
               <a:buNone/>
-              <a:defRPr/>
+              <a:defRPr>
+                <a:solidFill>
+                  <a:schemeClr val="dk2"/>
+                </a:solidFill>
+              </a:defRPr>
             </a:lvl1pPr>
             <a:lvl2pPr lvl="1">
               <a:buNone/>
-              <a:defRPr/>
+              <a:defRPr>
+                <a:solidFill>
+                  <a:schemeClr val="dk2"/>
+                </a:solidFill>
+              </a:defRPr>
             </a:lvl2pPr>
             <a:lvl3pPr lvl="2">
               <a:buNone/>
-              <a:defRPr/>
+              <a:defRPr>
+                <a:solidFill>
+                  <a:schemeClr val="dk2"/>
+                </a:solidFill>
+              </a:defRPr>
             </a:lvl3pPr>
             <a:lvl4pPr lvl="3">
               <a:buNone/>
-              <a:defRPr/>
+              <a:defRPr>
+                <a:solidFill>
+                  <a:schemeClr val="dk2"/>
+                </a:solidFill>
+              </a:defRPr>
             </a:lvl4pPr>
             <a:lvl5pPr lvl="4">
               <a:buNone/>
-              <a:defRPr/>
+              <a:defRPr>
+                <a:solidFill>
+                  <a:schemeClr val="dk2"/>
+                </a:solidFill>
+              </a:defRPr>
             </a:lvl5pPr>
             <a:lvl6pPr lvl="5">
               <a:buNone/>
-              <a:defRPr/>
+              <a:defRPr>
+                <a:solidFill>
+                  <a:schemeClr val="dk2"/>
+                </a:solidFill>
+              </a:defRPr>
             </a:lvl6pPr>
             <a:lvl7pPr lvl="6">
               <a:buNone/>
-              <a:defRPr/>
+              <a:defRPr>
+                <a:solidFill>
+                  <a:schemeClr val="dk2"/>
+                </a:solidFill>
+              </a:defRPr>
             </a:lvl7pPr>
             <a:lvl8pPr lvl="7">
               <a:buNone/>
-              <a:defRPr/>
+              <a:defRPr>
+                <a:solidFill>
+                  <a:schemeClr val="dk2"/>
+                </a:solidFill>
+              </a:defRPr>
             </a:lvl8pPr>
             <a:lvl9pPr lvl="8">
               <a:buNone/>
-              <a:defRPr/>
+              <a:defRPr>
+                <a:solidFill>
+                  <a:schemeClr val="dk2"/>
+                </a:solidFill>
+              </a:defRPr>
             </a:lvl9pPr>
           </a:lstStyle>
           <a:p>
@@ -4277,14 +5359,14 @@
     <p:bg>
       <p:bgPr>
         <a:solidFill>
-          <a:schemeClr val="accent3"/>
+          <a:schemeClr val="accent4"/>
         </a:solidFill>
         <a:effectLst/>
       </p:bgPr>
     </p:bg>
     <p:spTree>
       <p:nvGrpSpPr>
-        <p:cNvPr id="1" name="Shape 35"/>
+        <p:cNvPr id="1" name="Shape 50"/>
         <p:cNvGrpSpPr/>
         <p:nvPr/>
       </p:nvGrpSpPr>
@@ -4296,9 +5378,224 @@
           <a:chExt cx="0" cy="0"/>
         </a:xfrm>
       </p:grpSpPr>
+      <p:grpSp>
+        <p:nvGrpSpPr>
+          <p:cNvPr id="51" name="Google Shape;51;g12179c31b56_0_1176"/>
+          <p:cNvGrpSpPr/>
+          <p:nvPr/>
+        </p:nvGrpSpPr>
+        <p:grpSpPr>
+          <a:xfrm>
+            <a:off x="6098378" y="5"/>
+            <a:ext cx="3045625" cy="2030570"/>
+            <a:chOff x="6098378" y="5"/>
+            <a:chExt cx="3045625" cy="2030570"/>
+          </a:xfrm>
+        </p:grpSpPr>
+        <p:sp>
+          <p:nvSpPr>
+            <p:cNvPr id="52" name="Google Shape;52;g12179c31b56_0_1176"/>
+            <p:cNvSpPr/>
+            <p:nvPr/>
+          </p:nvSpPr>
+          <p:spPr>
+            <a:xfrm>
+              <a:off x="8128803" y="16"/>
+              <a:ext cx="1015200" cy="1015200"/>
+            </a:xfrm>
+            <a:prstGeom prst="rect">
+              <a:avLst/>
+            </a:prstGeom>
+            <a:solidFill>
+              <a:schemeClr val="accent3"/>
+            </a:solidFill>
+            <a:ln>
+              <a:noFill/>
+            </a:ln>
+          </p:spPr>
+          <p:txBody>
+            <a:bodyPr spcFirstLastPara="1" wrap="square" lIns="91425" tIns="91425" rIns="91425" bIns="91425" anchor="ctr" anchorCtr="0">
+              <a:noAutofit/>
+            </a:bodyPr>
+            <a:lstStyle/>
+            <a:p>
+              <a:pPr marL="0" lvl="0" indent="0" algn="l" rtl="0">
+                <a:spcBef>
+                  <a:spcPts val="0"/>
+                </a:spcBef>
+                <a:spcAft>
+                  <a:spcPts val="0"/>
+                </a:spcAft>
+                <a:buNone/>
+              </a:pPr>
+              <a:endParaRPr/>
+            </a:p>
+          </p:txBody>
+        </p:sp>
+        <p:sp>
+          <p:nvSpPr>
+            <p:cNvPr id="53" name="Google Shape;53;g12179c31b56_0_1176"/>
+            <p:cNvSpPr/>
+            <p:nvPr/>
+          </p:nvSpPr>
+          <p:spPr>
+            <a:xfrm flipH="1">
+              <a:off x="7113463" y="5"/>
+              <a:ext cx="1015200" cy="1015200"/>
+            </a:xfrm>
+            <a:prstGeom prst="rtTriangle">
+              <a:avLst/>
+            </a:prstGeom>
+            <a:solidFill>
+              <a:schemeClr val="accent5"/>
+            </a:solidFill>
+            <a:ln>
+              <a:noFill/>
+            </a:ln>
+          </p:spPr>
+          <p:txBody>
+            <a:bodyPr spcFirstLastPara="1" wrap="square" lIns="91425" tIns="91425" rIns="91425" bIns="91425" anchor="ctr" anchorCtr="0">
+              <a:noAutofit/>
+            </a:bodyPr>
+            <a:lstStyle/>
+            <a:p>
+              <a:pPr marL="0" lvl="0" indent="0" algn="l" rtl="0">
+                <a:spcBef>
+                  <a:spcPts val="0"/>
+                </a:spcBef>
+                <a:spcAft>
+                  <a:spcPts val="0"/>
+                </a:spcAft>
+                <a:buNone/>
+              </a:pPr>
+              <a:endParaRPr/>
+            </a:p>
+          </p:txBody>
+        </p:sp>
+        <p:sp>
+          <p:nvSpPr>
+            <p:cNvPr id="54" name="Google Shape;54;g12179c31b56_0_1176"/>
+            <p:cNvSpPr/>
+            <p:nvPr/>
+          </p:nvSpPr>
+          <p:spPr>
+            <a:xfrm rot="10800000" flipH="1">
+              <a:off x="7113588" y="107"/>
+              <a:ext cx="1015200" cy="1015200"/>
+            </a:xfrm>
+            <a:prstGeom prst="rtTriangle">
+              <a:avLst/>
+            </a:prstGeom>
+            <a:solidFill>
+              <a:schemeClr val="accent3"/>
+            </a:solidFill>
+            <a:ln>
+              <a:noFill/>
+            </a:ln>
+          </p:spPr>
+          <p:txBody>
+            <a:bodyPr spcFirstLastPara="1" wrap="square" lIns="91425" tIns="91425" rIns="91425" bIns="91425" anchor="ctr" anchorCtr="0">
+              <a:noAutofit/>
+            </a:bodyPr>
+            <a:lstStyle/>
+            <a:p>
+              <a:pPr marL="0" lvl="0" indent="0" algn="l" rtl="0">
+                <a:spcBef>
+                  <a:spcPts val="0"/>
+                </a:spcBef>
+                <a:spcAft>
+                  <a:spcPts val="0"/>
+                </a:spcAft>
+                <a:buNone/>
+              </a:pPr>
+              <a:endParaRPr/>
+            </a:p>
+          </p:txBody>
+        </p:sp>
+        <p:sp>
+          <p:nvSpPr>
+            <p:cNvPr id="55" name="Google Shape;55;g12179c31b56_0_1176"/>
+            <p:cNvSpPr/>
+            <p:nvPr/>
+          </p:nvSpPr>
+          <p:spPr>
+            <a:xfrm rot="10800000">
+              <a:off x="6098378" y="97"/>
+              <a:ext cx="1015200" cy="1015200"/>
+            </a:xfrm>
+            <a:prstGeom prst="rtTriangle">
+              <a:avLst/>
+            </a:prstGeom>
+            <a:solidFill>
+              <a:schemeClr val="accent5"/>
+            </a:solidFill>
+            <a:ln>
+              <a:noFill/>
+            </a:ln>
+          </p:spPr>
+          <p:txBody>
+            <a:bodyPr spcFirstLastPara="1" wrap="square" lIns="91425" tIns="91425" rIns="91425" bIns="91425" anchor="ctr" anchorCtr="0">
+              <a:noAutofit/>
+            </a:bodyPr>
+            <a:lstStyle/>
+            <a:p>
+              <a:pPr marL="0" lvl="0" indent="0" algn="l" rtl="0">
+                <a:spcBef>
+                  <a:spcPts val="0"/>
+                </a:spcBef>
+                <a:spcAft>
+                  <a:spcPts val="0"/>
+                </a:spcAft>
+                <a:buNone/>
+              </a:pPr>
+              <a:endParaRPr/>
+            </a:p>
+          </p:txBody>
+        </p:sp>
+        <p:sp>
+          <p:nvSpPr>
+            <p:cNvPr id="56" name="Google Shape;56;g12179c31b56_0_1176"/>
+            <p:cNvSpPr/>
+            <p:nvPr/>
+          </p:nvSpPr>
+          <p:spPr>
+            <a:xfrm rot="10800000">
+              <a:off x="8128789" y="1015375"/>
+              <a:ext cx="1015200" cy="1015200"/>
+            </a:xfrm>
+            <a:prstGeom prst="rtTriangle">
+              <a:avLst/>
+            </a:prstGeom>
+            <a:solidFill>
+              <a:schemeClr val="accent5"/>
+            </a:solidFill>
+            <a:ln>
+              <a:noFill/>
+            </a:ln>
+          </p:spPr>
+          <p:txBody>
+            <a:bodyPr spcFirstLastPara="1" wrap="square" lIns="91425" tIns="91425" rIns="91425" bIns="91425" anchor="ctr" anchorCtr="0">
+              <a:noAutofit/>
+            </a:bodyPr>
+            <a:lstStyle/>
+            <a:p>
+              <a:pPr marL="0" lvl="0" indent="0" algn="l" rtl="0">
+                <a:spcBef>
+                  <a:spcPts val="0"/>
+                </a:spcBef>
+                <a:spcAft>
+                  <a:spcPts val="0"/>
+                </a:spcAft>
+                <a:buNone/>
+              </a:pPr>
+              <a:endParaRPr/>
+            </a:p>
+          </p:txBody>
+        </p:sp>
+      </p:grpSp>
       <p:sp>
         <p:nvSpPr>
-          <p:cNvPr id="36" name="Google Shape;36;p8"/>
+          <p:cNvPr id="57" name="Google Shape;57;g12179c31b56_0_1176"/>
           <p:cNvSpPr txBox="1">
             <a:spLocks noGrp="1"/>
           </p:cNvSpPr>
@@ -4330,17 +5627,12 @@
               <a:buClr>
                 <a:schemeClr val="lt1"/>
               </a:buClr>
-              <a:buSzPts val="5400"/>
-              <a:buFont typeface="Playfair Display"/>
-              <a:buNone/>
-              <a:defRPr sz="5400">
+              <a:buSzPts val="4800"/>
+              <a:buNone/>
+              <a:defRPr sz="4800">
                 <a:solidFill>
                   <a:schemeClr val="lt1"/>
                 </a:solidFill>
-                <a:latin typeface="Playfair Display"/>
-                <a:ea typeface="Playfair Display"/>
-                <a:cs typeface="Playfair Display"/>
-                <a:sym typeface="Playfair Display"/>
               </a:defRPr>
             </a:lvl1pPr>
             <a:lvl2pPr lvl="1">
@@ -4353,17 +5645,12 @@
               <a:buClr>
                 <a:schemeClr val="lt1"/>
               </a:buClr>
-              <a:buSzPts val="5400"/>
-              <a:buFont typeface="Playfair Display"/>
-              <a:buNone/>
-              <a:defRPr sz="5400">
+              <a:buSzPts val="4800"/>
+              <a:buNone/>
+              <a:defRPr sz="4800">
                 <a:solidFill>
                   <a:schemeClr val="lt1"/>
                 </a:solidFill>
-                <a:latin typeface="Playfair Display"/>
-                <a:ea typeface="Playfair Display"/>
-                <a:cs typeface="Playfair Display"/>
-                <a:sym typeface="Playfair Display"/>
               </a:defRPr>
             </a:lvl2pPr>
             <a:lvl3pPr lvl="2">
@@ -4376,17 +5663,12 @@
               <a:buClr>
                 <a:schemeClr val="lt1"/>
               </a:buClr>
-              <a:buSzPts val="5400"/>
-              <a:buFont typeface="Playfair Display"/>
-              <a:buNone/>
-              <a:defRPr sz="5400">
+              <a:buSzPts val="4800"/>
+              <a:buNone/>
+              <a:defRPr sz="4800">
                 <a:solidFill>
                   <a:schemeClr val="lt1"/>
                 </a:solidFill>
-                <a:latin typeface="Playfair Display"/>
-                <a:ea typeface="Playfair Display"/>
-                <a:cs typeface="Playfair Display"/>
-                <a:sym typeface="Playfair Display"/>
               </a:defRPr>
             </a:lvl3pPr>
             <a:lvl4pPr lvl="3">
@@ -4399,17 +5681,12 @@
               <a:buClr>
                 <a:schemeClr val="lt1"/>
               </a:buClr>
-              <a:buSzPts val="5400"/>
-              <a:buFont typeface="Playfair Display"/>
-              <a:buNone/>
-              <a:defRPr sz="5400">
+              <a:buSzPts val="4800"/>
+              <a:buNone/>
+              <a:defRPr sz="4800">
                 <a:solidFill>
                   <a:schemeClr val="lt1"/>
                 </a:solidFill>
-                <a:latin typeface="Playfair Display"/>
-                <a:ea typeface="Playfair Display"/>
-                <a:cs typeface="Playfair Display"/>
-                <a:sym typeface="Playfair Display"/>
               </a:defRPr>
             </a:lvl4pPr>
             <a:lvl5pPr lvl="4">
@@ -4422,17 +5699,12 @@
               <a:buClr>
                 <a:schemeClr val="lt1"/>
               </a:buClr>
-              <a:buSzPts val="5400"/>
-              <a:buFont typeface="Playfair Display"/>
-              <a:buNone/>
-              <a:defRPr sz="5400">
+              <a:buSzPts val="4800"/>
+              <a:buNone/>
+              <a:defRPr sz="4800">
                 <a:solidFill>
                   <a:schemeClr val="lt1"/>
                 </a:solidFill>
-                <a:latin typeface="Playfair Display"/>
-                <a:ea typeface="Playfair Display"/>
-                <a:cs typeface="Playfair Display"/>
-                <a:sym typeface="Playfair Display"/>
               </a:defRPr>
             </a:lvl5pPr>
             <a:lvl6pPr lvl="5">
@@ -4445,17 +5717,12 @@
               <a:buClr>
                 <a:schemeClr val="lt1"/>
               </a:buClr>
-              <a:buSzPts val="5400"/>
-              <a:buFont typeface="Playfair Display"/>
-              <a:buNone/>
-              <a:defRPr sz="5400">
+              <a:buSzPts val="4800"/>
+              <a:buNone/>
+              <a:defRPr sz="4800">
                 <a:solidFill>
                   <a:schemeClr val="lt1"/>
                 </a:solidFill>
-                <a:latin typeface="Playfair Display"/>
-                <a:ea typeface="Playfair Display"/>
-                <a:cs typeface="Playfair Display"/>
-                <a:sym typeface="Playfair Display"/>
               </a:defRPr>
             </a:lvl6pPr>
             <a:lvl7pPr lvl="6">
@@ -4468,17 +5735,12 @@
               <a:buClr>
                 <a:schemeClr val="lt1"/>
               </a:buClr>
-              <a:buSzPts val="5400"/>
-              <a:buFont typeface="Playfair Display"/>
-              <a:buNone/>
-              <a:defRPr sz="5400">
+              <a:buSzPts val="4800"/>
+              <a:buNone/>
+              <a:defRPr sz="4800">
                 <a:solidFill>
                   <a:schemeClr val="lt1"/>
                 </a:solidFill>
-                <a:latin typeface="Playfair Display"/>
-                <a:ea typeface="Playfair Display"/>
-                <a:cs typeface="Playfair Display"/>
-                <a:sym typeface="Playfair Display"/>
               </a:defRPr>
             </a:lvl7pPr>
             <a:lvl8pPr lvl="7">
@@ -4491,17 +5753,12 @@
               <a:buClr>
                 <a:schemeClr val="lt1"/>
               </a:buClr>
-              <a:buSzPts val="5400"/>
-              <a:buFont typeface="Playfair Display"/>
-              <a:buNone/>
-              <a:defRPr sz="5400">
+              <a:buSzPts val="4800"/>
+              <a:buNone/>
+              <a:defRPr sz="4800">
                 <a:solidFill>
                   <a:schemeClr val="lt1"/>
                 </a:solidFill>
-                <a:latin typeface="Playfair Display"/>
-                <a:ea typeface="Playfair Display"/>
-                <a:cs typeface="Playfair Display"/>
-                <a:sym typeface="Playfair Display"/>
               </a:defRPr>
             </a:lvl8pPr>
             <a:lvl9pPr lvl="8">
@@ -4514,17 +5771,12 @@
               <a:buClr>
                 <a:schemeClr val="lt1"/>
               </a:buClr>
-              <a:buSzPts val="5400"/>
-              <a:buFont typeface="Playfair Display"/>
-              <a:buNone/>
-              <a:defRPr sz="5400">
+              <a:buSzPts val="4800"/>
+              <a:buNone/>
+              <a:defRPr sz="4800">
                 <a:solidFill>
                   <a:schemeClr val="lt1"/>
                 </a:solidFill>
-                <a:latin typeface="Playfair Display"/>
-                <a:ea typeface="Playfair Display"/>
-                <a:cs typeface="Playfair Display"/>
-                <a:sym typeface="Playfair Display"/>
               </a:defRPr>
             </a:lvl9pPr>
           </a:lstStyle>
@@ -4535,7 +5787,7 @@
       </p:sp>
       <p:sp>
         <p:nvSpPr>
-          <p:cNvPr id="37" name="Google Shape;37;p8"/>
+          <p:cNvPr id="58" name="Google Shape;58;g12179c31b56_0_1176"/>
           <p:cNvSpPr txBox="1">
             <a:spLocks noGrp="1"/>
           </p:cNvSpPr>
@@ -4545,7 +5797,7 @@
         </p:nvSpPr>
         <p:spPr>
           <a:xfrm>
-            <a:off x="8497999" y="4688759"/>
+            <a:off x="8460431" y="4651190"/>
             <a:ext cx="548700" cy="393600"/>
           </a:xfrm>
           <a:prstGeom prst="rect">
@@ -4559,75 +5811,39 @@
           <a:lstStyle>
             <a:lvl1pPr lvl="0">
               <a:buNone/>
-              <a:defRPr>
-                <a:solidFill>
-                  <a:schemeClr val="lt1"/>
-                </a:solidFill>
-              </a:defRPr>
+              <a:defRPr/>
             </a:lvl1pPr>
             <a:lvl2pPr lvl="1">
               <a:buNone/>
-              <a:defRPr>
-                <a:solidFill>
-                  <a:schemeClr val="lt1"/>
-                </a:solidFill>
-              </a:defRPr>
+              <a:defRPr/>
             </a:lvl2pPr>
             <a:lvl3pPr lvl="2">
               <a:buNone/>
-              <a:defRPr>
-                <a:solidFill>
-                  <a:schemeClr val="lt1"/>
-                </a:solidFill>
-              </a:defRPr>
+              <a:defRPr/>
             </a:lvl3pPr>
             <a:lvl4pPr lvl="3">
               <a:buNone/>
-              <a:defRPr>
-                <a:solidFill>
-                  <a:schemeClr val="lt1"/>
-                </a:solidFill>
-              </a:defRPr>
+              <a:defRPr/>
             </a:lvl4pPr>
             <a:lvl5pPr lvl="4">
               <a:buNone/>
-              <a:defRPr>
-                <a:solidFill>
-                  <a:schemeClr val="lt1"/>
-                </a:solidFill>
-              </a:defRPr>
+              <a:defRPr/>
             </a:lvl5pPr>
             <a:lvl6pPr lvl="5">
               <a:buNone/>
-              <a:defRPr>
-                <a:solidFill>
-                  <a:schemeClr val="lt1"/>
-                </a:solidFill>
-              </a:defRPr>
+              <a:defRPr/>
             </a:lvl6pPr>
             <a:lvl7pPr lvl="6">
               <a:buNone/>
-              <a:defRPr>
-                <a:solidFill>
-                  <a:schemeClr val="lt1"/>
-                </a:solidFill>
-              </a:defRPr>
+              <a:defRPr/>
             </a:lvl7pPr>
             <a:lvl8pPr lvl="7">
               <a:buNone/>
-              <a:defRPr>
-                <a:solidFill>
-                  <a:schemeClr val="lt1"/>
-                </a:solidFill>
-              </a:defRPr>
+              <a:defRPr/>
             </a:lvl8pPr>
             <a:lvl9pPr lvl="8">
               <a:buNone/>
-              <a:defRPr>
-                <a:solidFill>
-                  <a:schemeClr val="lt1"/>
-                </a:solidFill>
-              </a:defRPr>
+              <a:defRPr/>
             </a:lvl9pPr>
           </a:lstStyle>
           <a:p>
@@ -4661,7 +5877,7 @@
   <p:cSld name="SECTION_TITLE_AND_DESCRIPTION">
     <p:spTree>
       <p:nvGrpSpPr>
-        <p:cNvPr id="1" name="Shape 38"/>
+        <p:cNvPr id="1" name="Shape 59"/>
         <p:cNvGrpSpPr/>
         <p:nvPr/>
       </p:nvGrpSpPr>
@@ -4675,13 +5891,13 @@
       </p:grpSpPr>
       <p:sp>
         <p:nvSpPr>
-          <p:cNvPr id="39" name="Google Shape;39;p9"/>
+          <p:cNvPr id="60" name="Google Shape;60;g12179c31b56_0_1185"/>
           <p:cNvSpPr/>
           <p:nvPr/>
         </p:nvSpPr>
         <p:spPr>
           <a:xfrm>
-            <a:off x="4572000" y="-75"/>
+            <a:off x="4572000" y="-175"/>
             <a:ext cx="4572000" cy="5143500"/>
           </a:xfrm>
           <a:prstGeom prst="rect">
@@ -4715,7 +5931,7 @@
       </p:sp>
       <p:cxnSp>
         <p:nvCxnSpPr>
-          <p:cNvPr id="40" name="Google Shape;40;p9"/>
+          <p:cNvPr id="61" name="Google Shape;61;g12179c31b56_0_1185"/>
           <p:cNvCxnSpPr/>
           <p:nvPr/>
         </p:nvCxnSpPr>
@@ -4730,7 +5946,7 @@
           <a:noFill/>
           <a:ln w="19050" cap="flat" cmpd="sng">
             <a:solidFill>
-              <a:schemeClr val="dk2"/>
+              <a:schemeClr val="lt1"/>
             </a:solidFill>
             <a:prstDash val="solid"/>
             <a:round/>
@@ -4741,7 +5957,7 @@
       </p:cxnSp>
       <p:sp>
         <p:nvSpPr>
-          <p:cNvPr id="41" name="Google Shape;41;p9"/>
+          <p:cNvPr id="62" name="Google Shape;62;g12179c31b56_0_1185"/>
           <p:cNvSpPr txBox="1">
             <a:spLocks noGrp="1"/>
           </p:cNvSpPr>
@@ -4751,8 +5967,8 @@
         </p:nvSpPr>
         <p:spPr>
           <a:xfrm>
-            <a:off x="265500" y="1081675"/>
-            <a:ext cx="4045200" cy="1786200"/>
+            <a:off x="265500" y="1151100"/>
+            <a:ext cx="4045200" cy="1564500"/>
           </a:xfrm>
           <a:prstGeom prst="rect">
             <a:avLst/>
@@ -4870,7 +6086,7 @@
       </p:sp>
       <p:sp>
         <p:nvSpPr>
-          <p:cNvPr id="42" name="Google Shape;42;p9"/>
+          <p:cNvPr id="63" name="Google Shape;63;g12179c31b56_0_1185"/>
           <p:cNvSpPr txBox="1">
             <a:spLocks noGrp="1"/>
           </p:cNvSpPr>
@@ -4880,8 +6096,8 @@
         </p:nvSpPr>
         <p:spPr>
           <a:xfrm>
-            <a:off x="265500" y="2921401"/>
-            <a:ext cx="4045200" cy="1345500"/>
+            <a:off x="265500" y="2769001"/>
+            <a:ext cx="4045200" cy="1269300"/>
           </a:xfrm>
           <a:prstGeom prst="rect">
             <a:avLst/>
@@ -5026,7 +6242,7 @@
       </p:sp>
       <p:sp>
         <p:nvSpPr>
-          <p:cNvPr id="43" name="Google Shape;43;p9"/>
+          <p:cNvPr id="64" name="Google Shape;64;g12179c31b56_0_1185"/>
           <p:cNvSpPr txBox="1">
             <a:spLocks noGrp="1"/>
           </p:cNvSpPr>
@@ -5055,12 +6271,15 @@
               <a:spcAft>
                 <a:spcPts val="0"/>
               </a:spcAft>
+              <a:buClr>
+                <a:schemeClr val="lt1"/>
+              </a:buClr>
               <a:buSzPts val="1800"/>
               <a:buChar char="●"/>
               <a:defRPr>
-                <a:highlight>
+                <a:solidFill>
                   <a:schemeClr val="lt1"/>
-                </a:highlight>
+                </a:solidFill>
               </a:defRPr>
             </a:lvl1pPr>
             <a:lvl2pPr marL="914400" lvl="1" indent="-317500">
@@ -5070,12 +6289,15 @@
               <a:spcAft>
                 <a:spcPts val="0"/>
               </a:spcAft>
+              <a:buClr>
+                <a:schemeClr val="lt1"/>
+              </a:buClr>
               <a:buSzPts val="1400"/>
               <a:buChar char="○"/>
               <a:defRPr>
-                <a:highlight>
+                <a:solidFill>
                   <a:schemeClr val="lt1"/>
-                </a:highlight>
+                </a:solidFill>
               </a:defRPr>
             </a:lvl2pPr>
             <a:lvl3pPr marL="1371600" lvl="2" indent="-317500">
@@ -5085,12 +6307,15 @@
               <a:spcAft>
                 <a:spcPts val="0"/>
               </a:spcAft>
+              <a:buClr>
+                <a:schemeClr val="lt1"/>
+              </a:buClr>
               <a:buSzPts val="1400"/>
               <a:buChar char="■"/>
               <a:defRPr>
-                <a:highlight>
+                <a:solidFill>
                   <a:schemeClr val="lt1"/>
-                </a:highlight>
+                </a:solidFill>
               </a:defRPr>
             </a:lvl3pPr>
             <a:lvl4pPr marL="1828800" lvl="3" indent="-317500">
@@ -5100,12 +6325,15 @@
               <a:spcAft>
                 <a:spcPts val="0"/>
               </a:spcAft>
+              <a:buClr>
+                <a:schemeClr val="lt1"/>
+              </a:buClr>
               <a:buSzPts val="1400"/>
               <a:buChar char="●"/>
               <a:defRPr>
-                <a:highlight>
+                <a:solidFill>
                   <a:schemeClr val="lt1"/>
-                </a:highlight>
+                </a:solidFill>
               </a:defRPr>
             </a:lvl4pPr>
             <a:lvl5pPr marL="2286000" lvl="4" indent="-317500">
@@ -5115,12 +6343,15 @@
               <a:spcAft>
                 <a:spcPts val="0"/>
               </a:spcAft>
+              <a:buClr>
+                <a:schemeClr val="lt1"/>
+              </a:buClr>
               <a:buSzPts val="1400"/>
               <a:buChar char="○"/>
               <a:defRPr>
-                <a:highlight>
+                <a:solidFill>
                   <a:schemeClr val="lt1"/>
-                </a:highlight>
+                </a:solidFill>
               </a:defRPr>
             </a:lvl5pPr>
             <a:lvl6pPr marL="2743200" lvl="5" indent="-317500">
@@ -5130,12 +6361,15 @@
               <a:spcAft>
                 <a:spcPts val="0"/>
               </a:spcAft>
+              <a:buClr>
+                <a:schemeClr val="lt1"/>
+              </a:buClr>
               <a:buSzPts val="1400"/>
               <a:buChar char="■"/>
               <a:defRPr>
-                <a:highlight>
+                <a:solidFill>
                   <a:schemeClr val="lt1"/>
-                </a:highlight>
+                </a:solidFill>
               </a:defRPr>
             </a:lvl6pPr>
             <a:lvl7pPr marL="3200400" lvl="6" indent="-317500">
@@ -5145,12 +6379,15 @@
               <a:spcAft>
                 <a:spcPts val="0"/>
               </a:spcAft>
+              <a:buClr>
+                <a:schemeClr val="lt1"/>
+              </a:buClr>
               <a:buSzPts val="1400"/>
               <a:buChar char="●"/>
               <a:defRPr>
-                <a:highlight>
+                <a:solidFill>
                   <a:schemeClr val="lt1"/>
-                </a:highlight>
+                </a:solidFill>
               </a:defRPr>
             </a:lvl7pPr>
             <a:lvl8pPr marL="3657600" lvl="7" indent="-317500">
@@ -5160,12 +6397,15 @@
               <a:spcAft>
                 <a:spcPts val="0"/>
               </a:spcAft>
+              <a:buClr>
+                <a:schemeClr val="lt1"/>
+              </a:buClr>
               <a:buSzPts val="1400"/>
               <a:buChar char="○"/>
               <a:defRPr>
-                <a:highlight>
+                <a:solidFill>
                   <a:schemeClr val="lt1"/>
-                </a:highlight>
+                </a:solidFill>
               </a:defRPr>
             </a:lvl8pPr>
             <a:lvl9pPr marL="4114800" lvl="8" indent="-317500">
@@ -5175,12 +6415,15 @@
               <a:spcAft>
                 <a:spcPts val="0"/>
               </a:spcAft>
+              <a:buClr>
+                <a:schemeClr val="lt1"/>
+              </a:buClr>
               <a:buSzPts val="1400"/>
               <a:buChar char="■"/>
               <a:defRPr>
-                <a:highlight>
+                <a:solidFill>
                   <a:schemeClr val="lt1"/>
-                </a:highlight>
+                </a:solidFill>
               </a:defRPr>
             </a:lvl9pPr>
           </a:lstStyle>
@@ -5191,7 +6434,7 @@
       </p:sp>
       <p:sp>
         <p:nvSpPr>
-          <p:cNvPr id="44" name="Google Shape;44;p9"/>
+          <p:cNvPr id="65" name="Google Shape;65;g12179c31b56_0_1185"/>
           <p:cNvSpPr txBox="1">
             <a:spLocks noGrp="1"/>
           </p:cNvSpPr>
@@ -5201,7 +6444,7 @@
         </p:nvSpPr>
         <p:spPr>
           <a:xfrm>
-            <a:off x="8497999" y="4688759"/>
+            <a:off x="8460431" y="4651190"/>
             <a:ext cx="548700" cy="393600"/>
           </a:xfrm>
           <a:prstGeom prst="rect">
@@ -5281,7 +6524,7 @@
   <p:cSld name="CAPTION_ONLY">
     <p:spTree>
       <p:nvGrpSpPr>
-        <p:cNvPr id="1" name="Shape 45"/>
+        <p:cNvPr id="1" name="Shape 66"/>
         <p:cNvGrpSpPr/>
         <p:nvPr/>
       </p:nvGrpSpPr>
@@ -5295,7 +6538,7 @@
       </p:grpSpPr>
       <p:sp>
         <p:nvSpPr>
-          <p:cNvPr id="46" name="Google Shape;46;p10"/>
+          <p:cNvPr id="67" name="Google Shape;67;g12179c31b56_0_1192"/>
           <p:cNvSpPr txBox="1">
             <a:spLocks noGrp="1"/>
           </p:cNvSpPr>
@@ -5305,8 +6548,8 @@
         </p:nvSpPr>
         <p:spPr>
           <a:xfrm>
-            <a:off x="311700" y="4230575"/>
-            <a:ext cx="5998800" cy="605100"/>
+            <a:off x="319500" y="4230575"/>
+            <a:ext cx="5998800" cy="598800"/>
           </a:xfrm>
           <a:prstGeom prst="rect">
             <a:avLst/>
@@ -5329,11 +6572,7 @@
               </a:spcAft>
               <a:buSzPts val="1800"/>
               <a:buNone/>
-              <a:defRPr>
-                <a:highlight>
-                  <a:schemeClr val="dk1"/>
-                </a:highlight>
-              </a:defRPr>
+              <a:defRPr/>
             </a:lvl1pPr>
           </a:lstStyle>
           <a:p>
@@ -5343,7 +6582,7 @@
       </p:sp>
       <p:sp>
         <p:nvSpPr>
-          <p:cNvPr id="47" name="Google Shape;47;p10"/>
+          <p:cNvPr id="68" name="Google Shape;68;g12179c31b56_0_1192"/>
           <p:cNvSpPr txBox="1">
             <a:spLocks noGrp="1"/>
           </p:cNvSpPr>
@@ -5353,7 +6592,7 @@
         </p:nvSpPr>
         <p:spPr>
           <a:xfrm>
-            <a:off x="8497999" y="4688759"/>
+            <a:off x="8460431" y="4651190"/>
             <a:ext cx="548700" cy="393600"/>
           </a:xfrm>
           <a:prstGeom prst="rect">
@@ -5367,39 +6606,75 @@
           <a:lstStyle>
             <a:lvl1pPr lvl="0">
               <a:buNone/>
-              <a:defRPr/>
+              <a:defRPr>
+                <a:solidFill>
+                  <a:schemeClr val="dk2"/>
+                </a:solidFill>
+              </a:defRPr>
             </a:lvl1pPr>
             <a:lvl2pPr lvl="1">
               <a:buNone/>
-              <a:defRPr/>
+              <a:defRPr>
+                <a:solidFill>
+                  <a:schemeClr val="dk2"/>
+                </a:solidFill>
+              </a:defRPr>
             </a:lvl2pPr>
             <a:lvl3pPr lvl="2">
               <a:buNone/>
-              <a:defRPr/>
+              <a:defRPr>
+                <a:solidFill>
+                  <a:schemeClr val="dk2"/>
+                </a:solidFill>
+              </a:defRPr>
             </a:lvl3pPr>
             <a:lvl4pPr lvl="3">
               <a:buNone/>
-              <a:defRPr/>
+              <a:defRPr>
+                <a:solidFill>
+                  <a:schemeClr val="dk2"/>
+                </a:solidFill>
+              </a:defRPr>
             </a:lvl4pPr>
             <a:lvl5pPr lvl="4">
               <a:buNone/>
-              <a:defRPr/>
+              <a:defRPr>
+                <a:solidFill>
+                  <a:schemeClr val="dk2"/>
+                </a:solidFill>
+              </a:defRPr>
             </a:lvl5pPr>
             <a:lvl6pPr lvl="5">
               <a:buNone/>
-              <a:defRPr/>
+              <a:defRPr>
+                <a:solidFill>
+                  <a:schemeClr val="dk2"/>
+                </a:solidFill>
+              </a:defRPr>
             </a:lvl6pPr>
             <a:lvl7pPr lvl="6">
               <a:buNone/>
-              <a:defRPr/>
+              <a:defRPr>
+                <a:solidFill>
+                  <a:schemeClr val="dk2"/>
+                </a:solidFill>
+              </a:defRPr>
             </a:lvl7pPr>
             <a:lvl8pPr lvl="7">
               <a:buNone/>
-              <a:defRPr/>
+              <a:defRPr>
+                <a:solidFill>
+                  <a:schemeClr val="dk2"/>
+                </a:solidFill>
+              </a:defRPr>
             </a:lvl8pPr>
             <a:lvl9pPr lvl="8">
               <a:buNone/>
-              <a:defRPr/>
+              <a:defRPr>
+                <a:solidFill>
+                  <a:schemeClr val="dk2"/>
+                </a:solidFill>
+              </a:defRPr>
             </a:lvl9pPr>
           </a:lstStyle>
           <a:p>
@@ -5430,7 +6705,7 @@
 
 <file path=ppt/slideMasters/slideMaster1.xml><?xml version="1.0" encoding="utf-8"?>
 <p:sldMaster xmlns:a="http://schemas.openxmlformats.org/drawingml/2006/main" xmlns:r="http://schemas.openxmlformats.org/officeDocument/2006/relationships" xmlns:p="http://schemas.openxmlformats.org/presentationml/2006/main">
-  <p:cSld name="pop">
+  <p:cSld name="geometric">
     <p:bg>
       <p:bgPr>
         <a:solidFill>
@@ -5455,7 +6730,7 @@
       </p:grpSpPr>
       <p:sp>
         <p:nvSpPr>
-          <p:cNvPr id="6" name="Google Shape;6;p1"/>
+          <p:cNvPr id="6" name="Google Shape;6;g12179c31b56_0_1131"/>
           <p:cNvSpPr txBox="1">
             <a:spLocks noGrp="1"/>
           </p:cNvSpPr>
@@ -5465,8 +6740,8 @@
         </p:nvSpPr>
         <p:spPr>
           <a:xfrm>
-            <a:off x="311700" y="445025"/>
-            <a:ext cx="8520600" cy="572700"/>
+            <a:off x="311700" y="410000"/>
+            <a:ext cx="8520600" cy="607800"/>
           </a:xfrm>
           <a:prstGeom prst="rect">
             <a:avLst/>
@@ -5489,22 +6764,19 @@
                 <a:spcPts val="0"/>
               </a:spcAft>
               <a:buClr>
-                <a:schemeClr val="dk2"/>
+                <a:schemeClr val="dk1"/>
               </a:buClr>
               <a:buSzPts val="3000"/>
-              <a:buFont typeface="Oswald"/>
+              <a:buFont typeface="Roboto"/>
               <a:buNone/>
               <a:defRPr sz="3000">
                 <a:solidFill>
-                  <a:schemeClr val="dk2"/>
-                </a:solidFill>
-                <a:highlight>
                   <a:schemeClr val="dk1"/>
-                </a:highlight>
-                <a:latin typeface="Oswald"/>
-                <a:ea typeface="Oswald"/>
-                <a:cs typeface="Oswald"/>
-                <a:sym typeface="Oswald"/>
+                </a:solidFill>
+                <a:latin typeface="Roboto"/>
+                <a:ea typeface="Roboto"/>
+                <a:cs typeface="Roboto"/>
+                <a:sym typeface="Roboto"/>
               </a:defRPr>
             </a:lvl1pPr>
             <a:lvl2pPr lvl="1">
@@ -5515,22 +6787,19 @@
                 <a:spcPts val="0"/>
               </a:spcAft>
               <a:buClr>
-                <a:schemeClr val="dk2"/>
+                <a:schemeClr val="dk1"/>
               </a:buClr>
               <a:buSzPts val="3000"/>
-              <a:buFont typeface="Oswald"/>
+              <a:buFont typeface="Roboto"/>
               <a:buNone/>
               <a:defRPr sz="3000">
                 <a:solidFill>
-                  <a:schemeClr val="dk2"/>
-                </a:solidFill>
-                <a:highlight>
                   <a:schemeClr val="dk1"/>
-                </a:highlight>
-                <a:latin typeface="Oswald"/>
-                <a:ea typeface="Oswald"/>
-                <a:cs typeface="Oswald"/>
-                <a:sym typeface="Oswald"/>
+                </a:solidFill>
+                <a:latin typeface="Roboto"/>
+                <a:ea typeface="Roboto"/>
+                <a:cs typeface="Roboto"/>
+                <a:sym typeface="Roboto"/>
               </a:defRPr>
             </a:lvl2pPr>
             <a:lvl3pPr lvl="2">
@@ -5541,22 +6810,19 @@
                 <a:spcPts val="0"/>
               </a:spcAft>
               <a:buClr>
-                <a:schemeClr val="dk2"/>
+                <a:schemeClr val="dk1"/>
               </a:buClr>
               <a:buSzPts val="3000"/>
-              <a:buFont typeface="Oswald"/>
+              <a:buFont typeface="Roboto"/>
               <a:buNone/>
               <a:defRPr sz="3000">
                 <a:solidFill>
-                  <a:schemeClr val="dk2"/>
-                </a:solidFill>
-                <a:highlight>
                   <a:schemeClr val="dk1"/>
-                </a:highlight>
-                <a:latin typeface="Oswald"/>
-                <a:ea typeface="Oswald"/>
-                <a:cs typeface="Oswald"/>
-                <a:sym typeface="Oswald"/>
+                </a:solidFill>
+                <a:latin typeface="Roboto"/>
+                <a:ea typeface="Roboto"/>
+                <a:cs typeface="Roboto"/>
+                <a:sym typeface="Roboto"/>
               </a:defRPr>
             </a:lvl3pPr>
             <a:lvl4pPr lvl="3">
@@ -5567,22 +6833,19 @@
                 <a:spcPts val="0"/>
               </a:spcAft>
               <a:buClr>
-                <a:schemeClr val="dk2"/>
+                <a:schemeClr val="dk1"/>
               </a:buClr>
               <a:buSzPts val="3000"/>
-              <a:buFont typeface="Oswald"/>
+              <a:buFont typeface="Roboto"/>
               <a:buNone/>
               <a:defRPr sz="3000">
                 <a:solidFill>
-                  <a:schemeClr val="dk2"/>
-                </a:solidFill>
-                <a:highlight>
                   <a:schemeClr val="dk1"/>
-                </a:highlight>
-                <a:latin typeface="Oswald"/>
-                <a:ea typeface="Oswald"/>
-                <a:cs typeface="Oswald"/>
-                <a:sym typeface="Oswald"/>
+                </a:solidFill>
+                <a:latin typeface="Roboto"/>
+                <a:ea typeface="Roboto"/>
+                <a:cs typeface="Roboto"/>
+                <a:sym typeface="Roboto"/>
               </a:defRPr>
             </a:lvl4pPr>
             <a:lvl5pPr lvl="4">
@@ -5593,22 +6856,19 @@
                 <a:spcPts val="0"/>
               </a:spcAft>
               <a:buClr>
-                <a:schemeClr val="dk2"/>
+                <a:schemeClr val="dk1"/>
               </a:buClr>
               <a:buSzPts val="3000"/>
-              <a:buFont typeface="Oswald"/>
+              <a:buFont typeface="Roboto"/>
               <a:buNone/>
               <a:defRPr sz="3000">
                 <a:solidFill>
-                  <a:schemeClr val="dk2"/>
-                </a:solidFill>
-                <a:highlight>
                   <a:schemeClr val="dk1"/>
-                </a:highlight>
-                <a:latin typeface="Oswald"/>
-                <a:ea typeface="Oswald"/>
-                <a:cs typeface="Oswald"/>
-                <a:sym typeface="Oswald"/>
+                </a:solidFill>
+                <a:latin typeface="Roboto"/>
+                <a:ea typeface="Roboto"/>
+                <a:cs typeface="Roboto"/>
+                <a:sym typeface="Roboto"/>
               </a:defRPr>
             </a:lvl5pPr>
             <a:lvl6pPr lvl="5">
@@ -5619,22 +6879,19 @@
                 <a:spcPts val="0"/>
               </a:spcAft>
               <a:buClr>
-                <a:schemeClr val="dk2"/>
+                <a:schemeClr val="dk1"/>
               </a:buClr>
               <a:buSzPts val="3000"/>
-              <a:buFont typeface="Oswald"/>
+              <a:buFont typeface="Roboto"/>
               <a:buNone/>
               <a:defRPr sz="3000">
                 <a:solidFill>
-                  <a:schemeClr val="dk2"/>
-                </a:solidFill>
-                <a:highlight>
                   <a:schemeClr val="dk1"/>
-                </a:highlight>
-                <a:latin typeface="Oswald"/>
-                <a:ea typeface="Oswald"/>
-                <a:cs typeface="Oswald"/>
-                <a:sym typeface="Oswald"/>
+                </a:solidFill>
+                <a:latin typeface="Roboto"/>
+                <a:ea typeface="Roboto"/>
+                <a:cs typeface="Roboto"/>
+                <a:sym typeface="Roboto"/>
               </a:defRPr>
             </a:lvl6pPr>
             <a:lvl7pPr lvl="6">
@@ -5645,22 +6902,19 @@
                 <a:spcPts val="0"/>
               </a:spcAft>
               <a:buClr>
-                <a:schemeClr val="dk2"/>
+                <a:schemeClr val="dk1"/>
               </a:buClr>
               <a:buSzPts val="3000"/>
-              <a:buFont typeface="Oswald"/>
+              <a:buFont typeface="Roboto"/>
               <a:buNone/>
               <a:defRPr sz="3000">
                 <a:solidFill>
-                  <a:schemeClr val="dk2"/>
-                </a:solidFill>
-                <a:highlight>
                   <a:schemeClr val="dk1"/>
-                </a:highlight>
-                <a:latin typeface="Oswald"/>
-                <a:ea typeface="Oswald"/>
-                <a:cs typeface="Oswald"/>
-                <a:sym typeface="Oswald"/>
+                </a:solidFill>
+                <a:latin typeface="Roboto"/>
+                <a:ea typeface="Roboto"/>
+                <a:cs typeface="Roboto"/>
+                <a:sym typeface="Roboto"/>
               </a:defRPr>
             </a:lvl7pPr>
             <a:lvl8pPr lvl="7">
@@ -5671,22 +6925,19 @@
                 <a:spcPts val="0"/>
               </a:spcAft>
               <a:buClr>
-                <a:schemeClr val="dk2"/>
+                <a:schemeClr val="dk1"/>
               </a:buClr>
               <a:buSzPts val="3000"/>
-              <a:buFont typeface="Oswald"/>
+              <a:buFont typeface="Roboto"/>
               <a:buNone/>
               <a:defRPr sz="3000">
                 <a:solidFill>
-                  <a:schemeClr val="dk2"/>
-                </a:solidFill>
-                <a:highlight>
                   <a:schemeClr val="dk1"/>
-                </a:highlight>
-                <a:latin typeface="Oswald"/>
-                <a:ea typeface="Oswald"/>
-                <a:cs typeface="Oswald"/>
-                <a:sym typeface="Oswald"/>
+                </a:solidFill>
+                <a:latin typeface="Roboto"/>
+                <a:ea typeface="Roboto"/>
+                <a:cs typeface="Roboto"/>
+                <a:sym typeface="Roboto"/>
               </a:defRPr>
             </a:lvl8pPr>
             <a:lvl9pPr lvl="8">
@@ -5697,22 +6948,19 @@
                 <a:spcPts val="0"/>
               </a:spcAft>
               <a:buClr>
-                <a:schemeClr val="dk2"/>
+                <a:schemeClr val="dk1"/>
               </a:buClr>
               <a:buSzPts val="3000"/>
-              <a:buFont typeface="Oswald"/>
+              <a:buFont typeface="Roboto"/>
               <a:buNone/>
               <a:defRPr sz="3000">
                 <a:solidFill>
-                  <a:schemeClr val="dk2"/>
-                </a:solidFill>
-                <a:highlight>
                   <a:schemeClr val="dk1"/>
-                </a:highlight>
-                <a:latin typeface="Oswald"/>
-                <a:ea typeface="Oswald"/>
-                <a:cs typeface="Oswald"/>
-                <a:sym typeface="Oswald"/>
+                </a:solidFill>
+                <a:latin typeface="Roboto"/>
+                <a:ea typeface="Roboto"/>
+                <a:cs typeface="Roboto"/>
+                <a:sym typeface="Roboto"/>
               </a:defRPr>
             </a:lvl9pPr>
           </a:lstStyle>
@@ -5723,7 +6971,7 @@
       </p:sp>
       <p:sp>
         <p:nvSpPr>
-          <p:cNvPr id="7" name="Google Shape;7;p1"/>
+          <p:cNvPr id="7" name="Google Shape;7;g12179c31b56_0_1131"/>
           <p:cNvSpPr txBox="1">
             <a:spLocks noGrp="1"/>
           </p:cNvSpPr>
@@ -5733,8 +6981,8 @@
         </p:nvSpPr>
         <p:spPr>
           <a:xfrm>
-            <a:off x="311700" y="1234075"/>
-            <a:ext cx="8520600" cy="3334800"/>
+            <a:off x="311700" y="1229875"/>
+            <a:ext cx="8520600" cy="3339000"/>
           </a:xfrm>
           <a:prstGeom prst="rect">
             <a:avLst/>
@@ -5763,16 +7011,16 @@
                 <a:schemeClr val="dk2"/>
               </a:buClr>
               <a:buSzPts val="1800"/>
-              <a:buFont typeface="Playfair Display"/>
+              <a:buFont typeface="Roboto"/>
               <a:buChar char="●"/>
               <a:defRPr sz="1800">
                 <a:solidFill>
                   <a:schemeClr val="dk2"/>
                 </a:solidFill>
-                <a:latin typeface="Playfair Display"/>
-                <a:ea typeface="Playfair Display"/>
-                <a:cs typeface="Playfair Display"/>
-                <a:sym typeface="Playfair Display"/>
+                <a:latin typeface="Roboto"/>
+                <a:ea typeface="Roboto"/>
+                <a:cs typeface="Roboto"/>
+                <a:sym typeface="Roboto"/>
               </a:defRPr>
             </a:lvl1pPr>
             <a:lvl2pPr marL="914400" lvl="1" indent="-317500">
@@ -5789,16 +7037,16 @@
                 <a:schemeClr val="dk2"/>
               </a:buClr>
               <a:buSzPts val="1400"/>
-              <a:buFont typeface="Playfair Display"/>
+              <a:buFont typeface="Roboto"/>
               <a:buChar char="○"/>
               <a:defRPr>
                 <a:solidFill>
                   <a:schemeClr val="dk2"/>
                 </a:solidFill>
-                <a:latin typeface="Playfair Display"/>
-                <a:ea typeface="Playfair Display"/>
-                <a:cs typeface="Playfair Display"/>
-                <a:sym typeface="Playfair Display"/>
+                <a:latin typeface="Roboto"/>
+                <a:ea typeface="Roboto"/>
+                <a:cs typeface="Roboto"/>
+                <a:sym typeface="Roboto"/>
               </a:defRPr>
             </a:lvl2pPr>
             <a:lvl3pPr marL="1371600" lvl="2" indent="-317500">
@@ -5815,16 +7063,16 @@
                 <a:schemeClr val="dk2"/>
               </a:buClr>
               <a:buSzPts val="1400"/>
-              <a:buFont typeface="Playfair Display"/>
+              <a:buFont typeface="Roboto"/>
               <a:buChar char="■"/>
               <a:defRPr>
                 <a:solidFill>
                   <a:schemeClr val="dk2"/>
                 </a:solidFill>
-                <a:latin typeface="Playfair Display"/>
-                <a:ea typeface="Playfair Display"/>
-                <a:cs typeface="Playfair Display"/>
-                <a:sym typeface="Playfair Display"/>
+                <a:latin typeface="Roboto"/>
+                <a:ea typeface="Roboto"/>
+                <a:cs typeface="Roboto"/>
+                <a:sym typeface="Roboto"/>
               </a:defRPr>
             </a:lvl3pPr>
             <a:lvl4pPr marL="1828800" lvl="3" indent="-317500">
@@ -5841,16 +7089,16 @@
                 <a:schemeClr val="dk2"/>
               </a:buClr>
               <a:buSzPts val="1400"/>
-              <a:buFont typeface="Playfair Display"/>
+              <a:buFont typeface="Roboto"/>
               <a:buChar char="●"/>
               <a:defRPr>
                 <a:solidFill>
                   <a:schemeClr val="dk2"/>
                 </a:solidFill>
-                <a:latin typeface="Playfair Display"/>
-                <a:ea typeface="Playfair Display"/>
-                <a:cs typeface="Playfair Display"/>
-                <a:sym typeface="Playfair Display"/>
+                <a:latin typeface="Roboto"/>
+                <a:ea typeface="Roboto"/>
+                <a:cs typeface="Roboto"/>
+                <a:sym typeface="Roboto"/>
               </a:defRPr>
             </a:lvl4pPr>
             <a:lvl5pPr marL="2286000" lvl="4" indent="-317500">
@@ -5867,16 +7115,16 @@
                 <a:schemeClr val="dk2"/>
               </a:buClr>
               <a:buSzPts val="1400"/>
-              <a:buFont typeface="Playfair Display"/>
+              <a:buFont typeface="Roboto"/>
               <a:buChar char="○"/>
               <a:defRPr>
                 <a:solidFill>
                   <a:schemeClr val="dk2"/>
                 </a:solidFill>
-                <a:latin typeface="Playfair Display"/>
-                <a:ea typeface="Playfair Display"/>
-                <a:cs typeface="Playfair Display"/>
-                <a:sym typeface="Playfair Display"/>
+                <a:latin typeface="Roboto"/>
+                <a:ea typeface="Roboto"/>
+                <a:cs typeface="Roboto"/>
+                <a:sym typeface="Roboto"/>
               </a:defRPr>
             </a:lvl5pPr>
             <a:lvl6pPr marL="2743200" lvl="5" indent="-317500">
@@ -5893,16 +7141,16 @@
                 <a:schemeClr val="dk2"/>
               </a:buClr>
               <a:buSzPts val="1400"/>
-              <a:buFont typeface="Playfair Display"/>
+              <a:buFont typeface="Roboto"/>
               <a:buChar char="■"/>
               <a:defRPr>
                 <a:solidFill>
                   <a:schemeClr val="dk2"/>
                 </a:solidFill>
-                <a:latin typeface="Playfair Display"/>
-                <a:ea typeface="Playfair Display"/>
-                <a:cs typeface="Playfair Display"/>
-                <a:sym typeface="Playfair Display"/>
+                <a:latin typeface="Roboto"/>
+                <a:ea typeface="Roboto"/>
+                <a:cs typeface="Roboto"/>
+                <a:sym typeface="Roboto"/>
               </a:defRPr>
             </a:lvl6pPr>
             <a:lvl7pPr marL="3200400" lvl="6" indent="-317500">
@@ -5919,16 +7167,16 @@
                 <a:schemeClr val="dk2"/>
               </a:buClr>
               <a:buSzPts val="1400"/>
-              <a:buFont typeface="Playfair Display"/>
+              <a:buFont typeface="Roboto"/>
               <a:buChar char="●"/>
               <a:defRPr>
                 <a:solidFill>
                   <a:schemeClr val="dk2"/>
                 </a:solidFill>
-                <a:latin typeface="Playfair Display"/>
-                <a:ea typeface="Playfair Display"/>
-                <a:cs typeface="Playfair Display"/>
-                <a:sym typeface="Playfair Display"/>
+                <a:latin typeface="Roboto"/>
+                <a:ea typeface="Roboto"/>
+                <a:cs typeface="Roboto"/>
+                <a:sym typeface="Roboto"/>
               </a:defRPr>
             </a:lvl7pPr>
             <a:lvl8pPr marL="3657600" lvl="7" indent="-317500">
@@ -5945,16 +7193,16 @@
                 <a:schemeClr val="dk2"/>
               </a:buClr>
               <a:buSzPts val="1400"/>
-              <a:buFont typeface="Playfair Display"/>
+              <a:buFont typeface="Roboto"/>
               <a:buChar char="○"/>
               <a:defRPr>
                 <a:solidFill>
                   <a:schemeClr val="dk2"/>
                 </a:solidFill>
-                <a:latin typeface="Playfair Display"/>
-                <a:ea typeface="Playfair Display"/>
-                <a:cs typeface="Playfair Display"/>
-                <a:sym typeface="Playfair Display"/>
+                <a:latin typeface="Roboto"/>
+                <a:ea typeface="Roboto"/>
+                <a:cs typeface="Roboto"/>
+                <a:sym typeface="Roboto"/>
               </a:defRPr>
             </a:lvl8pPr>
             <a:lvl9pPr marL="4114800" lvl="8" indent="-317500">
@@ -5971,16 +7219,16 @@
                 <a:schemeClr val="dk2"/>
               </a:buClr>
               <a:buSzPts val="1400"/>
-              <a:buFont typeface="Playfair Display"/>
+              <a:buFont typeface="Roboto"/>
               <a:buChar char="■"/>
               <a:defRPr>
                 <a:solidFill>
                   <a:schemeClr val="dk2"/>
                 </a:solidFill>
-                <a:latin typeface="Playfair Display"/>
-                <a:ea typeface="Playfair Display"/>
-                <a:cs typeface="Playfair Display"/>
-                <a:sym typeface="Playfair Display"/>
+                <a:latin typeface="Roboto"/>
+                <a:ea typeface="Roboto"/>
+                <a:cs typeface="Roboto"/>
+                <a:sym typeface="Roboto"/>
               </a:defRPr>
             </a:lvl9pPr>
           </a:lstStyle>
@@ -5991,7 +7239,7 @@
       </p:sp>
       <p:sp>
         <p:nvSpPr>
-          <p:cNvPr id="8" name="Google Shape;8;p1"/>
+          <p:cNvPr id="8" name="Google Shape;8;g12179c31b56_0_1131"/>
           <p:cNvSpPr txBox="1">
             <a:spLocks noGrp="1"/>
           </p:cNvSpPr>
@@ -6001,7 +7249,7 @@
         </p:nvSpPr>
         <p:spPr>
           <a:xfrm>
-            <a:off x="8497999" y="4688759"/>
+            <a:off x="8460431" y="4651190"/>
             <a:ext cx="548700" cy="393600"/>
           </a:xfrm>
           <a:prstGeom prst="rect">
@@ -6021,108 +7269,108 @@
               <a:buNone/>
               <a:defRPr sz="1000">
                 <a:solidFill>
-                  <a:schemeClr val="dk2"/>
-                </a:solidFill>
-                <a:latin typeface="Playfair Display"/>
-                <a:ea typeface="Playfair Display"/>
-                <a:cs typeface="Playfair Display"/>
-                <a:sym typeface="Playfair Display"/>
+                  <a:schemeClr val="lt1"/>
+                </a:solidFill>
+                <a:latin typeface="Roboto"/>
+                <a:ea typeface="Roboto"/>
+                <a:cs typeface="Roboto"/>
+                <a:sym typeface="Roboto"/>
               </a:defRPr>
             </a:lvl1pPr>
             <a:lvl2pPr lvl="1" algn="r">
               <a:buNone/>
               <a:defRPr sz="1000">
                 <a:solidFill>
-                  <a:schemeClr val="dk2"/>
-                </a:solidFill>
-                <a:latin typeface="Playfair Display"/>
-                <a:ea typeface="Playfair Display"/>
-                <a:cs typeface="Playfair Display"/>
-                <a:sym typeface="Playfair Display"/>
+                  <a:schemeClr val="lt1"/>
+                </a:solidFill>
+                <a:latin typeface="Roboto"/>
+                <a:ea typeface="Roboto"/>
+                <a:cs typeface="Roboto"/>
+                <a:sym typeface="Roboto"/>
               </a:defRPr>
             </a:lvl2pPr>
             <a:lvl3pPr lvl="2" algn="r">
               <a:buNone/>
               <a:defRPr sz="1000">
                 <a:solidFill>
-                  <a:schemeClr val="dk2"/>
-                </a:solidFill>
-                <a:latin typeface="Playfair Display"/>
-                <a:ea typeface="Playfair Display"/>
-                <a:cs typeface="Playfair Display"/>
-                <a:sym typeface="Playfair Display"/>
+                  <a:schemeClr val="lt1"/>
+                </a:solidFill>
+                <a:latin typeface="Roboto"/>
+                <a:ea typeface="Roboto"/>
+                <a:cs typeface="Roboto"/>
+                <a:sym typeface="Roboto"/>
               </a:defRPr>
             </a:lvl3pPr>
             <a:lvl4pPr lvl="3" algn="r">
               <a:buNone/>
               <a:defRPr sz="1000">
                 <a:solidFill>
-                  <a:schemeClr val="dk2"/>
-                </a:solidFill>
-                <a:latin typeface="Playfair Display"/>
-                <a:ea typeface="Playfair Display"/>
-                <a:cs typeface="Playfair Display"/>
-                <a:sym typeface="Playfair Display"/>
+                  <a:schemeClr val="lt1"/>
+                </a:solidFill>
+                <a:latin typeface="Roboto"/>
+                <a:ea typeface="Roboto"/>
+                <a:cs typeface="Roboto"/>
+                <a:sym typeface="Roboto"/>
               </a:defRPr>
             </a:lvl4pPr>
             <a:lvl5pPr lvl="4" algn="r">
               <a:buNone/>
               <a:defRPr sz="1000">
                 <a:solidFill>
-                  <a:schemeClr val="dk2"/>
-                </a:solidFill>
-                <a:latin typeface="Playfair Display"/>
-                <a:ea typeface="Playfair Display"/>
-                <a:cs typeface="Playfair Display"/>
-                <a:sym typeface="Playfair Display"/>
+                  <a:schemeClr val="lt1"/>
+                </a:solidFill>
+                <a:latin typeface="Roboto"/>
+                <a:ea typeface="Roboto"/>
+                <a:cs typeface="Roboto"/>
+                <a:sym typeface="Roboto"/>
               </a:defRPr>
             </a:lvl5pPr>
             <a:lvl6pPr lvl="5" algn="r">
               <a:buNone/>
               <a:defRPr sz="1000">
                 <a:solidFill>
-                  <a:schemeClr val="dk2"/>
-                </a:solidFill>
-                <a:latin typeface="Playfair Display"/>
-                <a:ea typeface="Playfair Display"/>
-                <a:cs typeface="Playfair Display"/>
-                <a:sym typeface="Playfair Display"/>
+                  <a:schemeClr val="lt1"/>
+                </a:solidFill>
+                <a:latin typeface="Roboto"/>
+                <a:ea typeface="Roboto"/>
+                <a:cs typeface="Roboto"/>
+                <a:sym typeface="Roboto"/>
               </a:defRPr>
             </a:lvl6pPr>
             <a:lvl7pPr lvl="6" algn="r">
               <a:buNone/>
               <a:defRPr sz="1000">
                 <a:solidFill>
-                  <a:schemeClr val="dk2"/>
-                </a:solidFill>
-                <a:latin typeface="Playfair Display"/>
-                <a:ea typeface="Playfair Display"/>
-                <a:cs typeface="Playfair Display"/>
-                <a:sym typeface="Playfair Display"/>
+                  <a:schemeClr val="lt1"/>
+                </a:solidFill>
+                <a:latin typeface="Roboto"/>
+                <a:ea typeface="Roboto"/>
+                <a:cs typeface="Roboto"/>
+                <a:sym typeface="Roboto"/>
               </a:defRPr>
             </a:lvl7pPr>
             <a:lvl8pPr lvl="7" algn="r">
               <a:buNone/>
               <a:defRPr sz="1000">
                 <a:solidFill>
-                  <a:schemeClr val="dk2"/>
-                </a:solidFill>
-                <a:latin typeface="Playfair Display"/>
-                <a:ea typeface="Playfair Display"/>
-                <a:cs typeface="Playfair Display"/>
-                <a:sym typeface="Playfair Display"/>
+                  <a:schemeClr val="lt1"/>
+                </a:solidFill>
+                <a:latin typeface="Roboto"/>
+                <a:ea typeface="Roboto"/>
+                <a:cs typeface="Roboto"/>
+                <a:sym typeface="Roboto"/>
               </a:defRPr>
             </a:lvl8pPr>
             <a:lvl9pPr lvl="8" algn="r">
               <a:buNone/>
               <a:defRPr sz="1000">
                 <a:solidFill>
-                  <a:schemeClr val="dk2"/>
-                </a:solidFill>
-                <a:latin typeface="Playfair Display"/>
-                <a:ea typeface="Playfair Display"/>
-                <a:cs typeface="Playfair Display"/>
-                <a:sym typeface="Playfair Display"/>
+                  <a:schemeClr val="lt1"/>
+                </a:solidFill>
+                <a:latin typeface="Roboto"/>
+                <a:ea typeface="Roboto"/>
+                <a:cs typeface="Roboto"/>
+                <a:sym typeface="Roboto"/>
               </a:defRPr>
             </a:lvl9pPr>
           </a:lstStyle>
@@ -6148,17 +7396,17 @@
   </p:cSld>
   <p:clrMap bg1="lt1" tx1="dk1" bg2="dk2" tx2="lt2" accent1="accent1" accent2="accent2" accent3="accent3" accent4="accent4" accent5="accent5" accent6="accent6" hlink="hlink" folHlink="folHlink"/>
   <p:sldLayoutIdLst>
-    <p:sldLayoutId id="2147483648" r:id="rId1"/>
-    <p:sldLayoutId id="2147483649" r:id="rId2"/>
-    <p:sldLayoutId id="2147483650" r:id="rId3"/>
-    <p:sldLayoutId id="2147483651" r:id="rId4"/>
-    <p:sldLayoutId id="2147483652" r:id="rId5"/>
-    <p:sldLayoutId id="2147483653" r:id="rId6"/>
-    <p:sldLayoutId id="2147483654" r:id="rId7"/>
-    <p:sldLayoutId id="2147483655" r:id="rId8"/>
-    <p:sldLayoutId id="2147483656" r:id="rId9"/>
-    <p:sldLayoutId id="2147483657" r:id="rId10"/>
-    <p:sldLayoutId id="2147483658" r:id="rId11"/>
+    <p:sldLayoutId id="2147483649" r:id="rId1"/>
+    <p:sldLayoutId id="2147483650" r:id="rId2"/>
+    <p:sldLayoutId id="2147483651" r:id="rId3"/>
+    <p:sldLayoutId id="2147483652" r:id="rId4"/>
+    <p:sldLayoutId id="2147483653" r:id="rId5"/>
+    <p:sldLayoutId id="2147483654" r:id="rId6"/>
+    <p:sldLayoutId id="2147483655" r:id="rId7"/>
+    <p:sldLayoutId id="2147483656" r:id="rId8"/>
+    <p:sldLayoutId id="2147483657" r:id="rId9"/>
+    <p:sldLayoutId id="2147483658" r:id="rId10"/>
+    <p:sldLayoutId id="2147483659" r:id="rId11"/>
   </p:sldLayoutIdLst>
   <p:hf sldNum="0" hdr="0" ftr="0" dt="0"/>
   <p:txStyles>
@@ -6858,7 +8106,7 @@
   <p:cSld>
     <p:spTree>
       <p:nvGrpSpPr>
-        <p:cNvPr id="1" name="Shape 57"/>
+        <p:cNvPr id="1" name="Shape 84"/>
         <p:cNvGrpSpPr/>
         <p:nvPr/>
       </p:nvGrpSpPr>
@@ -6872,80 +8120,26 @@
       </p:grpSpPr>
       <p:sp>
         <p:nvSpPr>
-          <p:cNvPr id="58" name="Google Shape;58;p13"/>
-          <p:cNvSpPr txBox="1">
-            <a:spLocks noGrp="1"/>
-          </p:cNvSpPr>
-          <p:nvPr>
-            <p:ph type="ctrTitle"/>
-          </p:nvPr>
+          <p:cNvPr id="85" name="Google Shape;85;p1"/>
+          <p:cNvSpPr txBox="1"/>
+          <p:nvPr/>
         </p:nvSpPr>
         <p:spPr>
           <a:xfrm>
-            <a:off x="226375" y="424950"/>
-            <a:ext cx="8455500" cy="2146800"/>
+            <a:off x="900125" y="996575"/>
+            <a:ext cx="6172200" cy="1062000"/>
           </a:xfrm>
           <a:prstGeom prst="rect">
             <a:avLst/>
           </a:prstGeom>
-        </p:spPr>
-        <p:txBody>
-          <a:bodyPr spcFirstLastPara="1" wrap="square" lIns="91425" tIns="91425" rIns="91425" bIns="91425" anchor="ctr" anchorCtr="0">
-            <a:normAutofit/>
-          </a:bodyPr>
-          <a:lstStyle/>
-          <a:p>
-            <a:pPr marL="0" lvl="0" indent="0" algn="ctr" rtl="0">
-              <a:spcBef>
-                <a:spcPts val="0"/>
-              </a:spcBef>
-              <a:spcAft>
-                <a:spcPts val="0"/>
-              </a:spcAft>
-              <a:buNone/>
-            </a:pPr>
-            <a:r>
-              <a:rPr lang="en" dirty="0"/>
-              <a:t>Stitch In Time</a:t>
-            </a:r>
-            <a:endParaRPr dirty="0"/>
-          </a:p>
-        </p:txBody>
-      </p:sp>
-      <p:sp>
-        <p:nvSpPr>
-          <p:cNvPr id="59" name="Google Shape;59;p13"/>
-          <p:cNvSpPr txBox="1">
-            <a:spLocks noGrp="1"/>
-          </p:cNvSpPr>
-          <p:nvPr>
-            <p:ph type="subTitle" idx="1"/>
-          </p:nvPr>
-        </p:nvSpPr>
-        <p:spPr>
-          <a:xfrm>
-            <a:off x="226375" y="2571750"/>
-            <a:ext cx="8455500" cy="2289300"/>
-          </a:xfrm>
-          <a:prstGeom prst="rect">
-            <a:avLst/>
-          </a:prstGeom>
-          <a:solidFill>
-            <a:schemeClr val="dk2"/>
-          </a:solidFill>
-          <a:ln w="9525" cap="flat" cmpd="sng">
-            <a:solidFill>
-              <a:srgbClr val="FFFFFF"/>
-            </a:solidFill>
-            <a:prstDash val="solid"/>
-            <a:round/>
-            <a:headEnd type="none" w="sm" len="sm"/>
-            <a:tailEnd type="none" w="sm" len="sm"/>
+          <a:noFill/>
+          <a:ln>
+            <a:noFill/>
           </a:ln>
         </p:spPr>
         <p:txBody>
-          <a:bodyPr spcFirstLastPara="1" wrap="square" lIns="91425" tIns="91425" rIns="91425" bIns="91425" anchor="ctr" anchorCtr="0">
-            <a:normAutofit lnSpcReduction="10000"/>
+          <a:bodyPr spcFirstLastPara="1" wrap="square" lIns="91425" tIns="91425" rIns="91425" bIns="91425" anchor="t" anchorCtr="0">
+            <a:spAutoFit/>
           </a:bodyPr>
           <a:lstStyle/>
           <a:p>
@@ -6959,21 +8153,53 @@
               <a:buNone/>
             </a:pPr>
             <a:r>
-              <a:rPr lang="en" sz="2000">
+              <a:rPr lang="en" sz="5700" b="1">
+                <a:solidFill>
+                  <a:schemeClr val="accent5"/>
+                </a:solidFill>
                 <a:latin typeface="Times New Roman"/>
                 <a:ea typeface="Times New Roman"/>
                 <a:cs typeface="Times New Roman"/>
                 <a:sym typeface="Times New Roman"/>
               </a:rPr>
-              <a:t>Presented By: 		Group 2</a:t>
+              <a:t>Stitch In Time</a:t>
             </a:r>
-            <a:endParaRPr sz="2000">
+            <a:endParaRPr sz="5700" b="1">
+              <a:solidFill>
+                <a:schemeClr val="accent5"/>
+              </a:solidFill>
               <a:latin typeface="Times New Roman"/>
               <a:ea typeface="Times New Roman"/>
               <a:cs typeface="Times New Roman"/>
               <a:sym typeface="Times New Roman"/>
             </a:endParaRPr>
           </a:p>
+        </p:txBody>
+      </p:sp>
+      <p:sp>
+        <p:nvSpPr>
+          <p:cNvPr id="86" name="Google Shape;86;p1"/>
+          <p:cNvSpPr txBox="1"/>
+          <p:nvPr/>
+        </p:nvSpPr>
+        <p:spPr>
+          <a:xfrm>
+            <a:off x="3386125" y="2949800"/>
+            <a:ext cx="6172200" cy="2247300"/>
+          </a:xfrm>
+          <a:prstGeom prst="rect">
+            <a:avLst/>
+          </a:prstGeom>
+          <a:noFill/>
+          <a:ln>
+            <a:noFill/>
+          </a:ln>
+        </p:spPr>
+        <p:txBody>
+          <a:bodyPr spcFirstLastPara="1" wrap="square" lIns="91425" tIns="91425" rIns="91425" bIns="91425" anchor="t" anchorCtr="0">
+            <a:spAutoFit/>
+          </a:bodyPr>
+          <a:lstStyle/>
           <a:p>
             <a:pPr marL="0" lvl="0" indent="0" algn="l" rtl="0">
               <a:spcBef>
@@ -6984,7 +8210,34 @@
               </a:spcAft>
               <a:buNone/>
             </a:pPr>
+            <a:r>
+              <a:rPr lang="en" sz="2000">
+                <a:solidFill>
+                  <a:schemeClr val="lt1"/>
+                </a:solidFill>
+                <a:latin typeface="Times New Roman"/>
+                <a:ea typeface="Times New Roman"/>
+                <a:cs typeface="Times New Roman"/>
+                <a:sym typeface="Times New Roman"/>
+              </a:rPr>
+              <a:t>Presented By: 		</a:t>
+            </a:r>
+            <a:r>
+              <a:rPr lang="en" sz="2000" b="1">
+                <a:solidFill>
+                  <a:schemeClr val="lt1"/>
+                </a:solidFill>
+                <a:latin typeface="Times New Roman"/>
+                <a:ea typeface="Times New Roman"/>
+                <a:cs typeface="Times New Roman"/>
+                <a:sym typeface="Times New Roman"/>
+              </a:rPr>
+              <a:t>Group 2</a:t>
+            </a:r>
             <a:endParaRPr sz="2000">
+              <a:solidFill>
+                <a:schemeClr val="lt1"/>
+              </a:solidFill>
               <a:latin typeface="Times New Roman"/>
               <a:ea typeface="Times New Roman"/>
               <a:cs typeface="Times New Roman"/>
@@ -7008,9 +8261,9 @@
             </a:pPr>
             <a:r>
               <a:rPr lang="en" sz="2000">
-                <a:highlight>
-                  <a:schemeClr val="dk2"/>
-                </a:highlight>
+                <a:solidFill>
+                  <a:schemeClr val="lt1"/>
+                </a:solidFill>
                 <a:latin typeface="Times New Roman"/>
                 <a:ea typeface="Times New Roman"/>
                 <a:cs typeface="Times New Roman"/>
@@ -7019,9 +8272,9 @@
               <a:t>Anusha Ayyagari</a:t>
             </a:r>
             <a:endParaRPr sz="2000">
-              <a:highlight>
-                <a:schemeClr val="dk2"/>
-              </a:highlight>
+              <a:solidFill>
+                <a:schemeClr val="lt1"/>
+              </a:solidFill>
               <a:latin typeface="Times New Roman"/>
               <a:ea typeface="Times New Roman"/>
               <a:cs typeface="Times New Roman"/>
@@ -7045,9 +8298,9 @@
             </a:pPr>
             <a:r>
               <a:rPr lang="en" sz="2000">
-                <a:highlight>
-                  <a:schemeClr val="dk2"/>
-                </a:highlight>
+                <a:solidFill>
+                  <a:schemeClr val="lt1"/>
+                </a:solidFill>
                 <a:latin typeface="Times New Roman"/>
                 <a:ea typeface="Times New Roman"/>
                 <a:cs typeface="Times New Roman"/>
@@ -7056,9 +8309,9 @@
               <a:t>Hinal Bhavesh Desai</a:t>
             </a:r>
             <a:endParaRPr sz="2000">
-              <a:highlight>
-                <a:schemeClr val="dk2"/>
-              </a:highlight>
+              <a:solidFill>
+                <a:schemeClr val="lt1"/>
+              </a:solidFill>
               <a:latin typeface="Times New Roman"/>
               <a:ea typeface="Times New Roman"/>
               <a:cs typeface="Times New Roman"/>
@@ -7082,9 +8335,9 @@
             </a:pPr>
             <a:r>
               <a:rPr lang="en" sz="2000">
-                <a:highlight>
-                  <a:schemeClr val="dk2"/>
-                </a:highlight>
+                <a:solidFill>
+                  <a:schemeClr val="lt1"/>
+                </a:solidFill>
                 <a:latin typeface="Times New Roman"/>
                 <a:ea typeface="Times New Roman"/>
                 <a:cs typeface="Times New Roman"/>
@@ -7093,9 +8346,9 @@
               <a:t>Saraswathi Sravani Pulluri</a:t>
             </a:r>
             <a:endParaRPr sz="2000">
-              <a:highlight>
-                <a:schemeClr val="dk2"/>
-              </a:highlight>
+              <a:solidFill>
+                <a:schemeClr val="lt1"/>
+              </a:solidFill>
               <a:latin typeface="Times New Roman"/>
               <a:ea typeface="Times New Roman"/>
               <a:cs typeface="Times New Roman"/>
@@ -7119,9 +8372,9 @@
             </a:pPr>
             <a:r>
               <a:rPr lang="en" sz="2000">
-                <a:highlight>
-                  <a:schemeClr val="dk2"/>
-                </a:highlight>
+                <a:solidFill>
+                  <a:schemeClr val="lt1"/>
+                </a:solidFill>
                 <a:latin typeface="Times New Roman"/>
                 <a:ea typeface="Times New Roman"/>
                 <a:cs typeface="Times New Roman"/>
@@ -7130,9 +8383,9 @@
               <a:t>Devam Sheth</a:t>
             </a:r>
             <a:endParaRPr sz="2000">
-              <a:highlight>
-                <a:schemeClr val="dk2"/>
-              </a:highlight>
+              <a:solidFill>
+                <a:schemeClr val="lt1"/>
+              </a:solidFill>
               <a:latin typeface="Times New Roman"/>
               <a:ea typeface="Times New Roman"/>
               <a:cs typeface="Times New Roman"/>
@@ -7156,9 +8409,9 @@
             </a:pPr>
             <a:r>
               <a:rPr lang="en" sz="2000">
-                <a:highlight>
-                  <a:schemeClr val="dk2"/>
-                </a:highlight>
+                <a:solidFill>
+                  <a:schemeClr val="lt1"/>
+                </a:solidFill>
                 <a:latin typeface="Times New Roman"/>
                 <a:ea typeface="Times New Roman"/>
                 <a:cs typeface="Times New Roman"/>
@@ -7167,9 +8420,9 @@
               <a:t>Saumya Singh</a:t>
             </a:r>
             <a:endParaRPr sz="2000">
-              <a:highlight>
-                <a:schemeClr val="dk2"/>
-              </a:highlight>
+              <a:solidFill>
+                <a:schemeClr val="lt1"/>
+              </a:solidFill>
               <a:latin typeface="Times New Roman"/>
               <a:ea typeface="Times New Roman"/>
               <a:cs typeface="Times New Roman"/>
@@ -7187,9 +8440,10 @@
               <a:buNone/>
             </a:pPr>
             <a:endParaRPr>
-              <a:highlight>
-                <a:schemeClr val="lt1"/>
-              </a:highlight>
+              <a:latin typeface="Times New Roman"/>
+              <a:ea typeface="Times New Roman"/>
+              <a:cs typeface="Times New Roman"/>
+              <a:sym typeface="Times New Roman"/>
             </a:endParaRPr>
           </a:p>
         </p:txBody>
@@ -7207,7 +8461,7 @@
   <p:cSld>
     <p:spTree>
       <p:nvGrpSpPr>
-        <p:cNvPr id="1" name="Shape 63"/>
+        <p:cNvPr id="1" name="Shape 90"/>
         <p:cNvGrpSpPr/>
         <p:nvPr/>
       </p:nvGrpSpPr>
@@ -7221,7 +8475,7 @@
       </p:grpSpPr>
       <p:sp>
         <p:nvSpPr>
-          <p:cNvPr id="64" name="Google Shape;64;p14"/>
+          <p:cNvPr id="91" name="Google Shape;91;p2"/>
           <p:cNvSpPr txBox="1">
             <a:spLocks noGrp="1"/>
           </p:cNvSpPr>
@@ -7231,12 +8485,16 @@
         </p:nvSpPr>
         <p:spPr>
           <a:xfrm>
-            <a:off x="311700" y="445025"/>
-            <a:ext cx="8520600" cy="572700"/>
+            <a:off x="311700" y="281400"/>
+            <a:ext cx="8520600" cy="607800"/>
           </a:xfrm>
           <a:prstGeom prst="rect">
             <a:avLst/>
           </a:prstGeom>
+          <a:noFill/>
+          <a:ln>
+            <a:noFill/>
+          </a:ln>
         </p:spPr>
         <p:txBody>
           <a:bodyPr spcFirstLastPara="1" wrap="square" lIns="91425" tIns="91425" rIns="91425" bIns="91425" anchor="t" anchorCtr="0">
@@ -7245,19 +8503,514 @@
           <a:lstStyle/>
           <a:p>
             <a:pPr marL="0" lvl="0" indent="0" algn="l" rtl="0">
-              <a:spcBef>
-                <a:spcPts val="0"/>
-              </a:spcBef>
-              <a:spcAft>
-                <a:spcPts val="0"/>
-              </a:spcAft>
+              <a:lnSpc>
+                <a:spcPct val="100000"/>
+              </a:lnSpc>
+              <a:spcBef>
+                <a:spcPts val="0"/>
+              </a:spcBef>
+              <a:spcAft>
+                <a:spcPts val="0"/>
+              </a:spcAft>
+              <a:buSzPct val="111111"/>
               <a:buNone/>
             </a:pPr>
             <a:r>
-              <a:rPr lang="en"/>
+              <a:rPr lang="en" b="1">
+                <a:solidFill>
+                  <a:schemeClr val="accent2"/>
+                </a:solidFill>
+                <a:latin typeface="Times New Roman"/>
+                <a:ea typeface="Times New Roman"/>
+                <a:cs typeface="Times New Roman"/>
+                <a:sym typeface="Times New Roman"/>
+              </a:rPr>
               <a:t>Story so far:</a:t>
             </a:r>
-            <a:endParaRPr/>
+            <a:endParaRPr b="1">
+              <a:solidFill>
+                <a:schemeClr val="accent2"/>
+              </a:solidFill>
+              <a:latin typeface="Times New Roman"/>
+              <a:ea typeface="Times New Roman"/>
+              <a:cs typeface="Times New Roman"/>
+              <a:sym typeface="Times New Roman"/>
+            </a:endParaRPr>
+          </a:p>
+        </p:txBody>
+      </p:sp>
+      <p:sp>
+        <p:nvSpPr>
+          <p:cNvPr id="92" name="Google Shape;92;p2"/>
+          <p:cNvSpPr txBox="1"/>
+          <p:nvPr/>
+        </p:nvSpPr>
+        <p:spPr>
+          <a:xfrm>
+            <a:off x="408225" y="1081775"/>
+            <a:ext cx="8424000" cy="400200"/>
+          </a:xfrm>
+          <a:prstGeom prst="rect">
+            <a:avLst/>
+          </a:prstGeom>
+          <a:noFill/>
+          <a:ln>
+            <a:noFill/>
+          </a:ln>
+        </p:spPr>
+        <p:txBody>
+          <a:bodyPr spcFirstLastPara="1" wrap="square" lIns="91425" tIns="91425" rIns="91425" bIns="91425" anchor="t" anchorCtr="0">
+            <a:spAutoFit/>
+          </a:bodyPr>
+          <a:lstStyle/>
+          <a:p>
+            <a:pPr marL="0" lvl="0" indent="0" algn="l" rtl="0">
+              <a:spcBef>
+                <a:spcPts val="0"/>
+              </a:spcBef>
+              <a:spcAft>
+                <a:spcPts val="0"/>
+              </a:spcAft>
+              <a:buNone/>
+            </a:pPr>
+            <a:endParaRPr>
+              <a:latin typeface="Playfair Display"/>
+              <a:ea typeface="Playfair Display"/>
+              <a:cs typeface="Playfair Display"/>
+              <a:sym typeface="Playfair Display"/>
+            </a:endParaRPr>
+          </a:p>
+        </p:txBody>
+      </p:sp>
+      <p:sp>
+        <p:nvSpPr>
+          <p:cNvPr id="93" name="Google Shape;93;p2"/>
+          <p:cNvSpPr txBox="1"/>
+          <p:nvPr/>
+        </p:nvSpPr>
+        <p:spPr>
+          <a:xfrm>
+            <a:off x="4620225" y="1081775"/>
+            <a:ext cx="3449400" cy="3416290"/>
+          </a:xfrm>
+          <a:prstGeom prst="rect">
+            <a:avLst/>
+          </a:prstGeom>
+          <a:noFill/>
+          <a:ln>
+            <a:noFill/>
+          </a:ln>
+        </p:spPr>
+        <p:txBody>
+          <a:bodyPr spcFirstLastPara="1" wrap="square" lIns="91425" tIns="91425" rIns="91425" bIns="91425" anchor="t" anchorCtr="0">
+            <a:spAutoFit/>
+          </a:bodyPr>
+          <a:lstStyle/>
+          <a:p>
+            <a:pPr marL="0" lvl="0" indent="0" algn="ctr" rtl="0">
+              <a:spcBef>
+                <a:spcPts val="0"/>
+              </a:spcBef>
+              <a:spcAft>
+                <a:spcPts val="0"/>
+              </a:spcAft>
+              <a:buNone/>
+            </a:pPr>
+            <a:r>
+              <a:rPr lang="en" b="1" dirty="0">
+                <a:latin typeface="Times New Roman" panose="02020603050405020304" pitchFamily="18" charset="0"/>
+                <a:ea typeface="Roboto"/>
+                <a:cs typeface="Times New Roman" panose="02020603050405020304" pitchFamily="18" charset="0"/>
+                <a:sym typeface="Roboto"/>
+              </a:rPr>
+              <a:t>THE COMPANY</a:t>
+            </a:r>
+          </a:p>
+          <a:p>
+            <a:pPr marL="0" lvl="0" indent="0" algn="ctr" rtl="0">
+              <a:spcBef>
+                <a:spcPts val="0"/>
+              </a:spcBef>
+              <a:spcAft>
+                <a:spcPts val="0"/>
+              </a:spcAft>
+              <a:buNone/>
+            </a:pPr>
+            <a:endParaRPr lang="en" dirty="0">
+              <a:latin typeface="Times New Roman" panose="02020603050405020304" pitchFamily="18" charset="0"/>
+              <a:ea typeface="Roboto"/>
+              <a:cs typeface="Times New Roman" panose="02020603050405020304" pitchFamily="18" charset="0"/>
+              <a:sym typeface="Roboto"/>
+            </a:endParaRPr>
+          </a:p>
+          <a:p>
+            <a:pPr marL="285750" lvl="0" indent="-285750" rtl="0">
+              <a:spcBef>
+                <a:spcPts val="0"/>
+              </a:spcBef>
+              <a:spcAft>
+                <a:spcPts val="0"/>
+              </a:spcAft>
+              <a:buFont typeface="Arial" panose="020B0604020202020204" pitchFamily="34" charset="0"/>
+              <a:buChar char="•"/>
+            </a:pPr>
+            <a:r>
+              <a:rPr lang="en-US" dirty="0">
+                <a:latin typeface="Times New Roman" panose="02020603050405020304" pitchFamily="18" charset="0"/>
+                <a:ea typeface="Roboto"/>
+                <a:cs typeface="Times New Roman" panose="02020603050405020304" pitchFamily="18" charset="0"/>
+                <a:sym typeface="Roboto"/>
+              </a:rPr>
+              <a:t>Kerry Drake was a Construction Superintendent.</a:t>
+            </a:r>
+          </a:p>
+          <a:p>
+            <a:pPr marL="285750" lvl="0" indent="-285750" rtl="0">
+              <a:spcBef>
+                <a:spcPts val="0"/>
+              </a:spcBef>
+              <a:spcAft>
+                <a:spcPts val="0"/>
+              </a:spcAft>
+              <a:buFont typeface="Arial" panose="020B0604020202020204" pitchFamily="34" charset="0"/>
+              <a:buChar char="•"/>
+            </a:pPr>
+            <a:r>
+              <a:rPr lang="en-US" dirty="0">
+                <a:latin typeface="Times New Roman" panose="02020603050405020304" pitchFamily="18" charset="0"/>
+                <a:ea typeface="Roboto"/>
+                <a:cs typeface="Times New Roman" panose="02020603050405020304" pitchFamily="18" charset="0"/>
+                <a:sym typeface="Roboto"/>
+              </a:rPr>
+              <a:t>Stanley was Kerry’s Assistant.</a:t>
+            </a:r>
+          </a:p>
+          <a:p>
+            <a:pPr marL="285750" lvl="0" indent="-285750" rtl="0">
+              <a:spcBef>
+                <a:spcPts val="0"/>
+              </a:spcBef>
+              <a:spcAft>
+                <a:spcPts val="0"/>
+              </a:spcAft>
+              <a:buFont typeface="Arial" panose="020B0604020202020204" pitchFamily="34" charset="0"/>
+              <a:buChar char="•"/>
+            </a:pPr>
+            <a:r>
+              <a:rPr lang="en-US" dirty="0">
+                <a:latin typeface="Times New Roman" panose="02020603050405020304" pitchFamily="18" charset="0"/>
+                <a:ea typeface="Roboto"/>
+                <a:cs typeface="Times New Roman" panose="02020603050405020304" pitchFamily="18" charset="0"/>
+                <a:sym typeface="Roboto"/>
+              </a:rPr>
+              <a:t>They were lagging behind in time for the construction of their new plant.</a:t>
+            </a:r>
+          </a:p>
+          <a:p>
+            <a:pPr marL="285750" lvl="0" indent="-285750" rtl="0">
+              <a:spcBef>
+                <a:spcPts val="0"/>
+              </a:spcBef>
+              <a:spcAft>
+                <a:spcPts val="0"/>
+              </a:spcAft>
+              <a:buFont typeface="Arial" panose="020B0604020202020204" pitchFamily="34" charset="0"/>
+              <a:buChar char="•"/>
+            </a:pPr>
+            <a:r>
+              <a:rPr lang="en-US" dirty="0">
+                <a:latin typeface="Times New Roman" panose="02020603050405020304" pitchFamily="18" charset="0"/>
+                <a:ea typeface="Roboto"/>
+                <a:cs typeface="Times New Roman" panose="02020603050405020304" pitchFamily="18" charset="0"/>
+                <a:sym typeface="Roboto"/>
+              </a:rPr>
+              <a:t>Marshall Mason, the corporate staff watchdog enquires about the status of the construction.</a:t>
+            </a:r>
+          </a:p>
+          <a:p>
+            <a:pPr marL="285750" lvl="0" indent="-285750" rtl="0">
+              <a:spcBef>
+                <a:spcPts val="0"/>
+              </a:spcBef>
+              <a:spcAft>
+                <a:spcPts val="0"/>
+              </a:spcAft>
+              <a:buFont typeface="Arial" panose="020B0604020202020204" pitchFamily="34" charset="0"/>
+              <a:buChar char="•"/>
+            </a:pPr>
+            <a:r>
+              <a:rPr lang="en-US" dirty="0">
+                <a:latin typeface="Times New Roman" panose="02020603050405020304" pitchFamily="18" charset="0"/>
+                <a:ea typeface="Roboto"/>
+                <a:cs typeface="Times New Roman" panose="02020603050405020304" pitchFamily="18" charset="0"/>
+                <a:sym typeface="Roboto"/>
+              </a:rPr>
+              <a:t>Kerry lies to him stating that they are on time.</a:t>
+            </a:r>
+          </a:p>
+          <a:p>
+            <a:pPr marL="285750" lvl="0" indent="-285750" rtl="0">
+              <a:spcBef>
+                <a:spcPts val="0"/>
+              </a:spcBef>
+              <a:spcAft>
+                <a:spcPts val="0"/>
+              </a:spcAft>
+              <a:buFont typeface="Arial" panose="020B0604020202020204" pitchFamily="34" charset="0"/>
+              <a:buChar char="•"/>
+            </a:pPr>
+            <a:r>
+              <a:rPr lang="en-US" dirty="0">
+                <a:latin typeface="Times New Roman" panose="02020603050405020304" pitchFamily="18" charset="0"/>
+                <a:ea typeface="Roboto"/>
+                <a:cs typeface="Times New Roman" panose="02020603050405020304" pitchFamily="18" charset="0"/>
+                <a:sym typeface="Roboto"/>
+              </a:rPr>
+              <a:t>Stanley was awestruck.</a:t>
+            </a:r>
+          </a:p>
+          <a:p>
+            <a:pPr marL="285750" lvl="0" indent="-285750" rtl="0">
+              <a:spcBef>
+                <a:spcPts val="0"/>
+              </a:spcBef>
+              <a:spcAft>
+                <a:spcPts val="0"/>
+              </a:spcAft>
+              <a:buFont typeface="Arial" panose="020B0604020202020204" pitchFamily="34" charset="0"/>
+              <a:buChar char="•"/>
+            </a:pPr>
+            <a:r>
+              <a:rPr lang="en-US" dirty="0">
+                <a:latin typeface="Times New Roman" panose="02020603050405020304" pitchFamily="18" charset="0"/>
+                <a:ea typeface="Roboto"/>
+                <a:cs typeface="Times New Roman" panose="02020603050405020304" pitchFamily="18" charset="0"/>
+                <a:sym typeface="Roboto"/>
+              </a:rPr>
+              <a:t>Kerry explains Stanley about the benefits of manipulating the truth. </a:t>
+            </a:r>
+            <a:endParaRPr dirty="0">
+              <a:latin typeface="Times New Roman" panose="02020603050405020304" pitchFamily="18" charset="0"/>
+              <a:ea typeface="Roboto"/>
+              <a:cs typeface="Times New Roman" panose="02020603050405020304" pitchFamily="18" charset="0"/>
+              <a:sym typeface="Roboto"/>
+            </a:endParaRPr>
+          </a:p>
+        </p:txBody>
+      </p:sp>
+      <p:sp>
+        <p:nvSpPr>
+          <p:cNvPr id="5" name="Google Shape;93;p2">
+            <a:extLst>
+              <a:ext uri="{FF2B5EF4-FFF2-40B4-BE49-F238E27FC236}">
+                <a16:creationId xmlns:a16="http://schemas.microsoft.com/office/drawing/2014/main" id="{F3673DD9-E052-4C4C-B6BD-7626A5DB50B1}"/>
+              </a:ext>
+            </a:extLst>
+          </p:cNvPr>
+          <p:cNvSpPr txBox="1"/>
+          <p:nvPr/>
+        </p:nvSpPr>
+        <p:spPr>
+          <a:xfrm>
+            <a:off x="408225" y="1081775"/>
+            <a:ext cx="3449400" cy="3847177"/>
+          </a:xfrm>
+          <a:prstGeom prst="rect">
+            <a:avLst/>
+          </a:prstGeom>
+          <a:noFill/>
+          <a:ln>
+            <a:noFill/>
+          </a:ln>
+        </p:spPr>
+        <p:txBody>
+          <a:bodyPr spcFirstLastPara="1" wrap="square" lIns="91425" tIns="91425" rIns="91425" bIns="91425" anchor="t" anchorCtr="0">
+            <a:spAutoFit/>
+          </a:bodyPr>
+          <a:lstStyle/>
+          <a:p>
+            <a:pPr marL="0" lvl="0" indent="0" algn="ctr" rtl="0">
+              <a:spcBef>
+                <a:spcPts val="0"/>
+              </a:spcBef>
+              <a:spcAft>
+                <a:spcPts val="0"/>
+              </a:spcAft>
+              <a:buNone/>
+            </a:pPr>
+            <a:r>
+              <a:rPr lang="en" b="1" dirty="0">
+                <a:latin typeface="Times New Roman" panose="02020603050405020304" pitchFamily="18" charset="0"/>
+                <a:ea typeface="Roboto"/>
+                <a:cs typeface="Times New Roman" panose="02020603050405020304" pitchFamily="18" charset="0"/>
+                <a:sym typeface="Roboto"/>
+              </a:rPr>
+              <a:t>THE CRYING WAITRESS</a:t>
+            </a:r>
+          </a:p>
+          <a:p>
+            <a:pPr marL="0" lvl="0" indent="0" algn="ctr" rtl="0">
+              <a:spcBef>
+                <a:spcPts val="0"/>
+              </a:spcBef>
+              <a:spcAft>
+                <a:spcPts val="0"/>
+              </a:spcAft>
+              <a:buNone/>
+            </a:pPr>
+            <a:endParaRPr lang="en" dirty="0">
+              <a:latin typeface="Times New Roman" panose="02020603050405020304" pitchFamily="18" charset="0"/>
+              <a:ea typeface="Roboto"/>
+              <a:cs typeface="Times New Roman" panose="02020603050405020304" pitchFamily="18" charset="0"/>
+              <a:sym typeface="Roboto"/>
+            </a:endParaRPr>
+          </a:p>
+          <a:p>
+            <a:pPr marL="285750" lvl="0" indent="-285750" rtl="0">
+              <a:spcBef>
+                <a:spcPts val="0"/>
+              </a:spcBef>
+              <a:spcAft>
+                <a:spcPts val="0"/>
+              </a:spcAft>
+              <a:buFont typeface="Arial" panose="020B0604020202020204" pitchFamily="34" charset="0"/>
+              <a:buChar char="•"/>
+            </a:pPr>
+            <a:r>
+              <a:rPr lang="en" dirty="0">
+                <a:latin typeface="Times New Roman" panose="02020603050405020304" pitchFamily="18" charset="0"/>
+                <a:ea typeface="Roboto"/>
+                <a:cs typeface="Times New Roman" panose="02020603050405020304" pitchFamily="18" charset="0"/>
+                <a:sym typeface="Roboto"/>
+              </a:rPr>
+              <a:t>A very busy restaurant in a big city.</a:t>
+            </a:r>
+          </a:p>
+          <a:p>
+            <a:pPr marL="285750" lvl="0" indent="-285750" rtl="0">
+              <a:spcBef>
+                <a:spcPts val="0"/>
+              </a:spcBef>
+              <a:spcAft>
+                <a:spcPts val="0"/>
+              </a:spcAft>
+              <a:buFont typeface="Arial" panose="020B0604020202020204" pitchFamily="34" charset="0"/>
+              <a:buChar char="•"/>
+            </a:pPr>
+            <a:r>
+              <a:rPr lang="en" dirty="0">
+                <a:latin typeface="Times New Roman" panose="02020603050405020304" pitchFamily="18" charset="0"/>
+                <a:ea typeface="Roboto"/>
+                <a:cs typeface="Times New Roman" panose="02020603050405020304" pitchFamily="18" charset="0"/>
+                <a:sym typeface="Roboto"/>
+              </a:rPr>
+              <a:t>It is not known for its cuisine, but people prefer it because of the quick service.</a:t>
+            </a:r>
+          </a:p>
+          <a:p>
+            <a:pPr marL="285750" lvl="0" indent="-285750" rtl="0">
+              <a:spcBef>
+                <a:spcPts val="0"/>
+              </a:spcBef>
+              <a:spcAft>
+                <a:spcPts val="0"/>
+              </a:spcAft>
+              <a:buFont typeface="Arial" panose="020B0604020202020204" pitchFamily="34" charset="0"/>
+              <a:buChar char="•"/>
+            </a:pPr>
+            <a:r>
+              <a:rPr lang="en" dirty="0">
+                <a:latin typeface="Times New Roman" panose="02020603050405020304" pitchFamily="18" charset="0"/>
+                <a:ea typeface="Roboto"/>
+                <a:cs typeface="Times New Roman" panose="02020603050405020304" pitchFamily="18" charset="0"/>
+                <a:sym typeface="Roboto"/>
+              </a:rPr>
+              <a:t>Difficult to manage the customers for the waiters and waitresses.</a:t>
+            </a:r>
+          </a:p>
+          <a:p>
+            <a:pPr marL="285750" lvl="0" indent="-285750" rtl="0">
+              <a:spcBef>
+                <a:spcPts val="0"/>
+              </a:spcBef>
+              <a:spcAft>
+                <a:spcPts val="0"/>
+              </a:spcAft>
+              <a:buFont typeface="Arial" panose="020B0604020202020204" pitchFamily="34" charset="0"/>
+              <a:buChar char="•"/>
+            </a:pPr>
+            <a:r>
+              <a:rPr lang="en" dirty="0">
+                <a:latin typeface="Times New Roman" panose="02020603050405020304" pitchFamily="18" charset="0"/>
+                <a:ea typeface="Roboto"/>
+                <a:cs typeface="Times New Roman" panose="02020603050405020304" pitchFamily="18" charset="0"/>
+                <a:sym typeface="Roboto"/>
+              </a:rPr>
+              <a:t>Nancy can’t handle the pressure and always goofs up.</a:t>
+            </a:r>
+          </a:p>
+          <a:p>
+            <a:pPr marL="285750" lvl="0" indent="-285750" rtl="0">
+              <a:spcBef>
+                <a:spcPts val="0"/>
+              </a:spcBef>
+              <a:spcAft>
+                <a:spcPts val="0"/>
+              </a:spcAft>
+              <a:buFont typeface="Arial" panose="020B0604020202020204" pitchFamily="34" charset="0"/>
+              <a:buChar char="•"/>
+            </a:pPr>
+            <a:r>
+              <a:rPr lang="en" dirty="0">
+                <a:latin typeface="Times New Roman" panose="02020603050405020304" pitchFamily="18" charset="0"/>
+                <a:ea typeface="Roboto"/>
+                <a:cs typeface="Times New Roman" panose="02020603050405020304" pitchFamily="18" charset="0"/>
+                <a:sym typeface="Roboto"/>
+              </a:rPr>
+              <a:t>Magda manages the situation well.</a:t>
+            </a:r>
+          </a:p>
+          <a:p>
+            <a:pPr marL="285750" lvl="0" indent="-285750" rtl="0">
+              <a:spcBef>
+                <a:spcPts val="0"/>
+              </a:spcBef>
+              <a:spcAft>
+                <a:spcPts val="0"/>
+              </a:spcAft>
+              <a:buFont typeface="Arial" panose="020B0604020202020204" pitchFamily="34" charset="0"/>
+              <a:buChar char="•"/>
+            </a:pPr>
+            <a:r>
+              <a:rPr lang="en" dirty="0">
+                <a:latin typeface="Times New Roman" panose="02020603050405020304" pitchFamily="18" charset="0"/>
+                <a:ea typeface="Roboto"/>
+                <a:cs typeface="Times New Roman" panose="02020603050405020304" pitchFamily="18" charset="0"/>
+                <a:sym typeface="Roboto"/>
+              </a:rPr>
+              <a:t>The key to Magda’s success is that she keeps the customers from having to think too much and makes the decisions for them.</a:t>
+            </a:r>
+          </a:p>
+          <a:p>
+            <a:pPr marL="285750" lvl="0" indent="-285750" rtl="0">
+              <a:spcBef>
+                <a:spcPts val="0"/>
+              </a:spcBef>
+              <a:spcAft>
+                <a:spcPts val="0"/>
+              </a:spcAft>
+              <a:buFont typeface="Arial" panose="020B0604020202020204" pitchFamily="34" charset="0"/>
+              <a:buChar char="•"/>
+            </a:pPr>
+            <a:r>
+              <a:rPr lang="en" dirty="0">
+                <a:latin typeface="Times New Roman" panose="02020603050405020304" pitchFamily="18" charset="0"/>
+                <a:ea typeface="Roboto"/>
+                <a:cs typeface="Times New Roman" panose="02020603050405020304" pitchFamily="18" charset="0"/>
+                <a:sym typeface="Roboto"/>
+              </a:rPr>
+              <a:t>Suggest what’s available and fast rather than what’s best or what the customer really likes.</a:t>
+            </a:r>
           </a:p>
         </p:txBody>
       </p:sp>
@@ -7266,6 +9019,146 @@
   <p:clrMapOvr>
     <a:masterClrMapping/>
   </p:clrMapOvr>
+  <p:timing>
+    <p:tnLst>
+      <p:par>
+        <p:cTn id="1" dur="indefinite" restart="never" nodeType="tmRoot">
+          <p:childTnLst>
+            <p:seq concurrent="1" nextAc="seek">
+              <p:cTn id="2" dur="indefinite" nodeType="mainSeq">
+                <p:childTnLst>
+                  <p:par>
+                    <p:cTn id="3" fill="hold">
+                      <p:stCondLst>
+                        <p:cond delay="indefinite"/>
+                      </p:stCondLst>
+                      <p:childTnLst>
+                        <p:par>
+                          <p:cTn id="4" fill="hold">
+                            <p:stCondLst>
+                              <p:cond delay="0"/>
+                            </p:stCondLst>
+                            <p:childTnLst>
+                              <p:par>
+                                <p:cTn id="5" presetID="10" presetClass="entr" presetSubtype="0" fill="hold" grpId="0" nodeType="clickEffect">
+                                  <p:stCondLst>
+                                    <p:cond delay="0"/>
+                                  </p:stCondLst>
+                                  <p:childTnLst>
+                                    <p:set>
+                                      <p:cBhvr>
+                                        <p:cTn id="6" dur="1" fill="hold">
+                                          <p:stCondLst>
+                                            <p:cond delay="0"/>
+                                          </p:stCondLst>
+                                        </p:cTn>
+                                        <p:tgtEl>
+                                          <p:spTgt spid="93"/>
+                                        </p:tgtEl>
+                                        <p:attrNameLst>
+                                          <p:attrName>style.visibility</p:attrName>
+                                        </p:attrNameLst>
+                                      </p:cBhvr>
+                                      <p:to>
+                                        <p:strVal val="visible"/>
+                                      </p:to>
+                                    </p:set>
+                                    <p:animEffect transition="in" filter="fade">
+                                      <p:cBhvr>
+                                        <p:cTn id="7" dur="500"/>
+                                        <p:tgtEl>
+                                          <p:spTgt spid="93"/>
+                                        </p:tgtEl>
+                                      </p:cBhvr>
+                                    </p:animEffect>
+                                  </p:childTnLst>
+                                </p:cTn>
+                              </p:par>
+                            </p:childTnLst>
+                          </p:cTn>
+                        </p:par>
+                      </p:childTnLst>
+                    </p:cTn>
+                  </p:par>
+                  <p:par>
+                    <p:cTn id="8" fill="hold">
+                      <p:stCondLst>
+                        <p:cond delay="indefinite"/>
+                      </p:stCondLst>
+                      <p:childTnLst>
+                        <p:par>
+                          <p:cTn id="9" fill="hold">
+                            <p:stCondLst>
+                              <p:cond delay="0"/>
+                            </p:stCondLst>
+                            <p:childTnLst>
+                              <p:par>
+                                <p:cTn id="10" presetID="10" presetClass="entr" presetSubtype="0" fill="hold" grpId="0" nodeType="clickEffect">
+                                  <p:stCondLst>
+                                    <p:cond delay="0"/>
+                                  </p:stCondLst>
+                                  <p:childTnLst>
+                                    <p:set>
+                                      <p:cBhvr>
+                                        <p:cTn id="11" dur="1" fill="hold">
+                                          <p:stCondLst>
+                                            <p:cond delay="0"/>
+                                          </p:stCondLst>
+                                        </p:cTn>
+                                        <p:tgtEl>
+                                          <p:spTgt spid="5"/>
+                                        </p:tgtEl>
+                                        <p:attrNameLst>
+                                          <p:attrName>style.visibility</p:attrName>
+                                        </p:attrNameLst>
+                                      </p:cBhvr>
+                                      <p:to>
+                                        <p:strVal val="visible"/>
+                                      </p:to>
+                                    </p:set>
+                                    <p:animEffect transition="in" filter="fade">
+                                      <p:cBhvr>
+                                        <p:cTn id="12" dur="500"/>
+                                        <p:tgtEl>
+                                          <p:spTgt spid="5"/>
+                                        </p:tgtEl>
+                                      </p:cBhvr>
+                                    </p:animEffect>
+                                  </p:childTnLst>
+                                </p:cTn>
+                              </p:par>
+                            </p:childTnLst>
+                          </p:cTn>
+                        </p:par>
+                      </p:childTnLst>
+                    </p:cTn>
+                  </p:par>
+                </p:childTnLst>
+              </p:cTn>
+              <p:prevCondLst>
+                <p:cond evt="onPrev" delay="0">
+                  <p:tgtEl>
+                    <p:sldTgt/>
+                  </p:tgtEl>
+                </p:cond>
+              </p:prevCondLst>
+              <p:nextCondLst>
+                <p:cond evt="onNext" delay="0">
+                  <p:tgtEl>
+                    <p:sldTgt/>
+                  </p:tgtEl>
+                </p:cond>
+              </p:nextCondLst>
+            </p:seq>
+          </p:childTnLst>
+        </p:cTn>
+      </p:par>
+    </p:tnLst>
+    <p:bldLst>
+      <p:bldP spid="93" grpId="0"/>
+      <p:bldP spid="5" grpId="0"/>
+    </p:bldLst>
+  </p:timing>
 </p:sld>
 </file>
 
@@ -7274,7 +9167,7 @@
   <p:cSld>
     <p:spTree>
       <p:nvGrpSpPr>
-        <p:cNvPr id="1" name="Shape 69"/>
+        <p:cNvPr id="1" name="Shape 97"/>
         <p:cNvGrpSpPr/>
         <p:nvPr/>
       </p:nvGrpSpPr>
@@ -7288,7 +9181,7 @@
       </p:grpSpPr>
       <p:sp>
         <p:nvSpPr>
-          <p:cNvPr id="70" name="Google Shape;70;p15"/>
+          <p:cNvPr id="98" name="Google Shape;98;p3"/>
           <p:cNvSpPr txBox="1">
             <a:spLocks noGrp="1"/>
           </p:cNvSpPr>
@@ -7298,12 +9191,16 @@
         </p:nvSpPr>
         <p:spPr>
           <a:xfrm>
-            <a:off x="311700" y="445025"/>
-            <a:ext cx="8520600" cy="572700"/>
+            <a:off x="343800" y="169275"/>
+            <a:ext cx="7038900" cy="603876"/>
           </a:xfrm>
           <a:prstGeom prst="rect">
             <a:avLst/>
           </a:prstGeom>
+          <a:noFill/>
+          <a:ln>
+            <a:noFill/>
+          </a:ln>
         </p:spPr>
         <p:txBody>
           <a:bodyPr spcFirstLastPara="1" wrap="square" lIns="91425" tIns="91425" rIns="91425" bIns="91425" anchor="t" anchorCtr="0">
@@ -7312,25 +9209,45 @@
           <a:lstStyle/>
           <a:p>
             <a:pPr marL="0" lvl="0" indent="0" algn="l" rtl="0">
-              <a:spcBef>
-                <a:spcPts val="0"/>
-              </a:spcBef>
-              <a:spcAft>
-                <a:spcPts val="0"/>
-              </a:spcAft>
+              <a:lnSpc>
+                <a:spcPct val="100000"/>
+              </a:lnSpc>
+              <a:spcBef>
+                <a:spcPts val="0"/>
+              </a:spcBef>
+              <a:spcAft>
+                <a:spcPts val="0"/>
+              </a:spcAft>
+              <a:buSzPts val="3333"/>
               <a:buNone/>
             </a:pPr>
             <a:r>
-              <a:rPr lang="en"/>
-              <a:t>Lessons</a:t>
+              <a:rPr lang="en" b="1" dirty="0">
+                <a:solidFill>
+                  <a:schemeClr val="accent2"/>
+                </a:solidFill>
+                <a:latin typeface="Times New Roman"/>
+                <a:ea typeface="Times New Roman"/>
+                <a:cs typeface="Times New Roman"/>
+                <a:sym typeface="Times New Roman"/>
+              </a:rPr>
+              <a:t>Lessons:</a:t>
             </a:r>
-            <a:endParaRPr/>
+            <a:endParaRPr b="1" dirty="0">
+              <a:solidFill>
+                <a:schemeClr val="accent2"/>
+              </a:solidFill>
+              <a:latin typeface="Times New Roman"/>
+              <a:ea typeface="Times New Roman"/>
+              <a:cs typeface="Times New Roman"/>
+              <a:sym typeface="Times New Roman"/>
+            </a:endParaRPr>
           </a:p>
         </p:txBody>
       </p:sp>
       <p:sp>
         <p:nvSpPr>
-          <p:cNvPr id="71" name="Google Shape;71;p15"/>
+          <p:cNvPr id="99" name="Google Shape;99;p3"/>
           <p:cNvSpPr txBox="1">
             <a:spLocks noGrp="1"/>
           </p:cNvSpPr>
@@ -7340,27 +9257,164 @@
         </p:nvSpPr>
         <p:spPr>
           <a:xfrm>
-            <a:off x="242950" y="1201250"/>
-            <a:ext cx="8520600" cy="3334800"/>
+            <a:off x="343800" y="537141"/>
+            <a:ext cx="8520600" cy="1898323"/>
           </a:xfrm>
           <a:prstGeom prst="rect">
             <a:avLst/>
           </a:prstGeom>
+          <a:noFill/>
+          <a:ln>
+            <a:noFill/>
+          </a:ln>
         </p:spPr>
         <p:txBody>
           <a:bodyPr spcFirstLastPara="1" wrap="square" lIns="91425" tIns="91425" rIns="91425" bIns="91425" anchor="t" anchorCtr="0">
-            <a:normAutofit/>
+            <a:normAutofit fontScale="77500" lnSpcReduction="20000"/>
           </a:bodyPr>
           <a:lstStyle/>
           <a:p>
-            <a:pPr marL="88900" indent="0">
+            <a:pPr marL="457200" lvl="0" indent="-368300" algn="l" rtl="0">
+              <a:lnSpc>
+                <a:spcPct val="115000"/>
+              </a:lnSpc>
               <a:spcBef>
                 <a:spcPts val="1200"/>
               </a:spcBef>
+              <a:spcAft>
+                <a:spcPts val="0"/>
+              </a:spcAft>
               <a:buSzPts val="2200"/>
-              <a:buNone/>
+              <a:buFont typeface="Times New Roman"/>
+              <a:buAutoNum type="arabicPeriod"/>
             </a:pPr>
-            <a:endParaRPr sz="2200" dirty="0">
+            <a:r>
+              <a:rPr lang="en" sz="2100" dirty="0">
+                <a:latin typeface="Times New Roman" panose="02020603050405020304" pitchFamily="18" charset="0"/>
+                <a:ea typeface="Times New Roman"/>
+                <a:cs typeface="Times New Roman" panose="02020603050405020304" pitchFamily="18" charset="0"/>
+                <a:sym typeface="Times New Roman"/>
+              </a:rPr>
+              <a:t>Decide with speed over precision- </a:t>
+            </a:r>
+            <a:r>
+              <a:rPr lang="en" sz="2100" dirty="0">
+                <a:solidFill>
+                  <a:srgbClr val="282828"/>
+                </a:solidFill>
+                <a:highlight>
+                  <a:srgbClr val="FFFFFF"/>
+                </a:highlight>
+                <a:latin typeface="Times New Roman" panose="02020603050405020304" pitchFamily="18" charset="0"/>
+                <a:ea typeface="Georgia"/>
+                <a:cs typeface="Times New Roman" panose="02020603050405020304" pitchFamily="18" charset="0"/>
+                <a:sym typeface="Georgia"/>
+              </a:rPr>
+              <a:t>The best leaders quickly process available information, rapidly determine what matters most, and make decisions with conviction.</a:t>
+            </a:r>
+            <a:endParaRPr sz="2100" dirty="0">
+              <a:latin typeface="Times New Roman" panose="02020603050405020304" pitchFamily="18" charset="0"/>
+              <a:ea typeface="Times New Roman"/>
+              <a:cs typeface="Times New Roman" panose="02020603050405020304" pitchFamily="18" charset="0"/>
+              <a:sym typeface="Times New Roman"/>
+            </a:endParaRPr>
+          </a:p>
+          <a:p>
+            <a:pPr marL="457200" lvl="0" indent="-368300" algn="l" rtl="0">
+              <a:lnSpc>
+                <a:spcPct val="115000"/>
+              </a:lnSpc>
+              <a:spcBef>
+                <a:spcPts val="0"/>
+              </a:spcBef>
+              <a:spcAft>
+                <a:spcPts val="0"/>
+              </a:spcAft>
+              <a:buSzPts val="2200"/>
+              <a:buFont typeface="Times New Roman"/>
+              <a:buAutoNum type="arabicPeriod"/>
+            </a:pPr>
+            <a:r>
+              <a:rPr lang="en" sz="2100" dirty="0">
+                <a:latin typeface="Times New Roman" panose="02020603050405020304" pitchFamily="18" charset="0"/>
+                <a:ea typeface="Times New Roman"/>
+                <a:cs typeface="Times New Roman" panose="02020603050405020304" pitchFamily="18" charset="0"/>
+                <a:sym typeface="Times New Roman"/>
+              </a:rPr>
+              <a:t>Problem resolution </a:t>
+            </a:r>
+            <a:endParaRPr sz="2100" dirty="0">
+              <a:latin typeface="Times New Roman" panose="02020603050405020304" pitchFamily="18" charset="0"/>
+              <a:ea typeface="Times New Roman"/>
+              <a:cs typeface="Times New Roman" panose="02020603050405020304" pitchFamily="18" charset="0"/>
+              <a:sym typeface="Times New Roman"/>
+            </a:endParaRPr>
+          </a:p>
+          <a:p>
+            <a:pPr marL="457200" lvl="0" indent="-368300" algn="l" rtl="0">
+              <a:lnSpc>
+                <a:spcPct val="115000"/>
+              </a:lnSpc>
+              <a:spcBef>
+                <a:spcPts val="0"/>
+              </a:spcBef>
+              <a:spcAft>
+                <a:spcPts val="0"/>
+              </a:spcAft>
+              <a:buSzPts val="2200"/>
+              <a:buFont typeface="Times New Roman"/>
+              <a:buAutoNum type="arabicPeriod"/>
+            </a:pPr>
+            <a:r>
+              <a:rPr lang="en" sz="2100" dirty="0">
+                <a:latin typeface="Times New Roman" panose="02020603050405020304" pitchFamily="18" charset="0"/>
+                <a:ea typeface="Times New Roman"/>
+                <a:cs typeface="Times New Roman" panose="02020603050405020304" pitchFamily="18" charset="0"/>
+                <a:sym typeface="Times New Roman"/>
+              </a:rPr>
+              <a:t>If you let others set agenda for you, then you can’t control the consequences.</a:t>
+            </a:r>
+            <a:endParaRPr sz="2100" dirty="0">
+              <a:latin typeface="Times New Roman" panose="02020603050405020304" pitchFamily="18" charset="0"/>
+              <a:ea typeface="Times New Roman"/>
+              <a:cs typeface="Times New Roman" panose="02020603050405020304" pitchFamily="18" charset="0"/>
+              <a:sym typeface="Times New Roman"/>
+            </a:endParaRPr>
+          </a:p>
+          <a:p>
+            <a:pPr marL="457200" lvl="0" indent="-368300" algn="l" rtl="0">
+              <a:lnSpc>
+                <a:spcPct val="115000"/>
+              </a:lnSpc>
+              <a:spcBef>
+                <a:spcPts val="0"/>
+              </a:spcBef>
+              <a:spcAft>
+                <a:spcPts val="0"/>
+              </a:spcAft>
+              <a:buSzPts val="2200"/>
+              <a:buFont typeface="Times New Roman"/>
+              <a:buAutoNum type="arabicPeriod"/>
+            </a:pPr>
+            <a:r>
+              <a:rPr lang="en" sz="2100" dirty="0">
+                <a:latin typeface="Times New Roman" panose="02020603050405020304" pitchFamily="18" charset="0"/>
+                <a:ea typeface="Times New Roman"/>
+                <a:cs typeface="Times New Roman" panose="02020603050405020304" pitchFamily="18" charset="0"/>
+                <a:sym typeface="Times New Roman"/>
+              </a:rPr>
+              <a:t>You should manage the situation rather than worrying about who is going to manage</a:t>
+            </a:r>
+            <a:r>
+              <a:rPr lang="en" dirty="0">
+                <a:latin typeface="Times New Roman"/>
+                <a:ea typeface="Times New Roman"/>
+                <a:cs typeface="Times New Roman"/>
+                <a:sym typeface="Times New Roman"/>
+              </a:rPr>
+              <a:t>.</a:t>
+            </a:r>
+            <a:endParaRPr dirty="0">
               <a:latin typeface="Times New Roman"/>
               <a:ea typeface="Times New Roman"/>
               <a:cs typeface="Times New Roman"/>
@@ -7382,7 +9436,7 @@
   <p:cSld>
     <p:spTree>
       <p:nvGrpSpPr>
-        <p:cNvPr id="1" name="Shape 75"/>
+        <p:cNvPr id="1" name="Shape 103"/>
         <p:cNvGrpSpPr/>
         <p:nvPr/>
       </p:nvGrpSpPr>
@@ -7396,7 +9450,7 @@
       </p:grpSpPr>
       <p:sp>
         <p:nvSpPr>
-          <p:cNvPr id="76" name="Google Shape;76;p16"/>
+          <p:cNvPr id="104" name="Google Shape;104;p4"/>
           <p:cNvSpPr txBox="1">
             <a:spLocks noGrp="1"/>
           </p:cNvSpPr>
@@ -7406,93 +9460,8 @@
         </p:nvSpPr>
         <p:spPr>
           <a:xfrm>
-            <a:off x="311700" y="445025"/>
-            <a:ext cx="8520600" cy="572700"/>
-          </a:xfrm>
-          <a:prstGeom prst="rect">
-            <a:avLst/>
-          </a:prstGeom>
-        </p:spPr>
-        <p:txBody>
-          <a:bodyPr spcFirstLastPara="1" wrap="square" lIns="91425" tIns="91425" rIns="91425" bIns="91425" anchor="t" anchorCtr="0">
-            <a:normAutofit fontScale="90000"/>
-          </a:bodyPr>
-          <a:lstStyle/>
-          <a:p>
-            <a:pPr marL="0" lvl="0" indent="0" algn="l" rtl="0">
-              <a:spcBef>
-                <a:spcPts val="0"/>
-              </a:spcBef>
-              <a:spcAft>
-                <a:spcPts val="0"/>
-              </a:spcAft>
-              <a:buNone/>
-            </a:pPr>
-            <a:r>
-              <a:rPr lang="en" dirty="0"/>
-              <a:t>Research: </a:t>
-            </a:r>
-            <a:endParaRPr dirty="0"/>
-          </a:p>
-        </p:txBody>
-      </p:sp>
-      <p:sp>
-        <p:nvSpPr>
-          <p:cNvPr id="77" name="Google Shape;77;p16"/>
-          <p:cNvSpPr txBox="1">
-            <a:spLocks noGrp="1"/>
-          </p:cNvSpPr>
-          <p:nvPr>
-            <p:ph type="body" idx="1"/>
-          </p:nvPr>
-        </p:nvSpPr>
-        <p:spPr>
-          <a:xfrm>
-            <a:off x="311700" y="1113650"/>
-            <a:ext cx="8520600" cy="1844039"/>
-          </a:xfrm>
-          <a:prstGeom prst="rect">
-            <a:avLst/>
-          </a:prstGeom>
-        </p:spPr>
-        <p:txBody>
-          <a:bodyPr spcFirstLastPara="1" wrap="square" lIns="91425" tIns="91425" rIns="91425" bIns="91425" anchor="t" anchorCtr="0">
-            <a:normAutofit/>
-          </a:bodyPr>
-          <a:lstStyle/>
-          <a:p>
-            <a:pPr marL="114300" lvl="0" indent="0" algn="just" rtl="0">
-              <a:spcBef>
-                <a:spcPts val="0"/>
-              </a:spcBef>
-              <a:spcAft>
-                <a:spcPts val="0"/>
-              </a:spcAft>
-              <a:buSzPts val="1800"/>
-              <a:buNone/>
-            </a:pPr>
-            <a:endParaRPr baseline="30000" dirty="0"/>
-          </a:p>
-        </p:txBody>
-      </p:sp>
-      <p:sp>
-        <p:nvSpPr>
-          <p:cNvPr id="7" name="Google Shape;76;p16">
-            <a:extLst>
-              <a:ext uri="{FF2B5EF4-FFF2-40B4-BE49-F238E27FC236}">
-                <a16:creationId xmlns:a16="http://schemas.microsoft.com/office/drawing/2014/main" id="{945714AA-5DAC-4484-A8C9-48BE492C4325}"/>
-              </a:ext>
-            </a:extLst>
-          </p:cNvPr>
-          <p:cNvSpPr txBox="1">
-            <a:spLocks/>
-          </p:cNvSpPr>
-          <p:nvPr/>
-        </p:nvSpPr>
-        <p:spPr>
-          <a:xfrm>
-            <a:off x="311700" y="3457150"/>
-            <a:ext cx="8520600" cy="572700"/>
+            <a:off x="311700" y="142100"/>
+            <a:ext cx="8520600" cy="607800"/>
           </a:xfrm>
           <a:prstGeom prst="rect">
             <a:avLst/>
@@ -7504,10 +9473,11 @@
         </p:spPr>
         <p:txBody>
           <a:bodyPr spcFirstLastPara="1" wrap="square" lIns="91425" tIns="91425" rIns="91425" bIns="91425" anchor="t" anchorCtr="0">
-            <a:normAutofit fontScale="90000" lnSpcReduction="10000"/>
+            <a:normAutofit fontScale="90000"/>
           </a:bodyPr>
-          <a:lstStyle>
-            <a:defPPr marR="0" lvl="0" algn="l" rtl="0">
+          <a:lstStyle/>
+          <a:p>
+            <a:pPr marL="0" lvl="0" indent="0" algn="l" rtl="0">
               <a:lnSpc>
                 <a:spcPct val="100000"/>
               </a:lnSpc>
@@ -7517,10 +9487,65 @@
               <a:spcAft>
                 <a:spcPts val="0"/>
               </a:spcAft>
-            </a:defPPr>
-            <a:lvl1pPr marR="0" lvl="0" algn="l" rtl="0">
+              <a:buSzPct val="111111"/>
+              <a:buNone/>
+            </a:pPr>
+            <a:r>
+              <a:rPr lang="en" b="1" dirty="0">
+                <a:solidFill>
+                  <a:schemeClr val="accent2"/>
+                </a:solidFill>
+                <a:latin typeface="Times New Roman"/>
+                <a:ea typeface="Times New Roman"/>
+                <a:cs typeface="Times New Roman"/>
+                <a:sym typeface="Times New Roman"/>
+              </a:rPr>
+              <a:t>Research: </a:t>
+            </a:r>
+            <a:endParaRPr b="1" dirty="0">
+              <a:solidFill>
+                <a:schemeClr val="accent2"/>
+              </a:solidFill>
+              <a:latin typeface="Times New Roman"/>
+              <a:ea typeface="Times New Roman"/>
+              <a:cs typeface="Times New Roman"/>
+              <a:sym typeface="Times New Roman"/>
+            </a:endParaRPr>
+          </a:p>
+        </p:txBody>
+      </p:sp>
+      <p:sp>
+        <p:nvSpPr>
+          <p:cNvPr id="105" name="Google Shape;105;p4"/>
+          <p:cNvSpPr txBox="1">
+            <a:spLocks noGrp="1"/>
+          </p:cNvSpPr>
+          <p:nvPr>
+            <p:ph type="body" idx="1"/>
+          </p:nvPr>
+        </p:nvSpPr>
+        <p:spPr>
+          <a:xfrm>
+            <a:off x="311700" y="749900"/>
+            <a:ext cx="4087600" cy="2357700"/>
+          </a:xfrm>
+          <a:prstGeom prst="rect">
+            <a:avLst/>
+          </a:prstGeom>
+          <a:noFill/>
+          <a:ln>
+            <a:noFill/>
+          </a:ln>
+        </p:spPr>
+        <p:txBody>
+          <a:bodyPr spcFirstLastPara="1" wrap="square" lIns="91425" tIns="91425" rIns="91425" bIns="91425" anchor="t" anchorCtr="0">
+            <a:normAutofit/>
+          </a:bodyPr>
+          <a:lstStyle/>
+          <a:p>
+            <a:pPr marL="457200" lvl="0" indent="-330200" algn="just" rtl="0">
               <a:lnSpc>
-                <a:spcPct val="100000"/>
+                <a:spcPct val="105000"/>
               </a:lnSpc>
               <a:spcBef>
                 <a:spcPts val="0"/>
@@ -7528,202 +9553,160 @@
               <a:spcAft>
                 <a:spcPts val="0"/>
               </a:spcAft>
-              <a:buClr>
-                <a:schemeClr val="dk2"/>
-              </a:buClr>
-              <a:buSzPts val="3000"/>
-              <a:buFont typeface="Oswald"/>
-              <a:buNone/>
-              <a:defRPr sz="3000" b="0" i="0" u="none" strike="noStrike" cap="none">
-                <a:solidFill>
-                  <a:schemeClr val="dk2"/>
-                </a:solidFill>
-                <a:highlight>
-                  <a:schemeClr val="dk1"/>
-                </a:highlight>
-                <a:latin typeface="Oswald"/>
-                <a:ea typeface="Oswald"/>
-                <a:cs typeface="Oswald"/>
-                <a:sym typeface="Oswald"/>
-              </a:defRPr>
-            </a:lvl1pPr>
-            <a:lvl2pPr marR="0" lvl="1" algn="l" rtl="0">
+              <a:buSzPts val="1600"/>
+              <a:buFont typeface="Times New Roman"/>
+              <a:buAutoNum type="arabicPeriod"/>
+            </a:pPr>
+            <a:r>
+              <a:rPr lang="en" sz="1600" b="1" dirty="0">
+                <a:latin typeface="Times New Roman"/>
+                <a:ea typeface="Times New Roman"/>
+                <a:cs typeface="Times New Roman"/>
+                <a:sym typeface="Times New Roman"/>
+              </a:rPr>
+              <a:t>Four Color of Lies Theory</a:t>
+            </a:r>
+          </a:p>
+          <a:p>
+            <a:pPr indent="-330200" algn="just">
               <a:lnSpc>
-                <a:spcPct val="100000"/>
+                <a:spcPct val="105000"/>
               </a:lnSpc>
-              <a:spcBef>
-                <a:spcPts val="0"/>
-              </a:spcBef>
-              <a:spcAft>
-                <a:spcPts val="0"/>
-              </a:spcAft>
-              <a:buClr>
-                <a:schemeClr val="dk2"/>
-              </a:buClr>
-              <a:buSzPts val="3000"/>
-              <a:buFont typeface="Oswald"/>
-              <a:buNone/>
-              <a:defRPr sz="3000" b="0" i="0" u="none" strike="noStrike" cap="none">
-                <a:solidFill>
-                  <a:schemeClr val="dk2"/>
-                </a:solidFill>
-                <a:highlight>
-                  <a:schemeClr val="dk1"/>
-                </a:highlight>
-                <a:latin typeface="Oswald"/>
-                <a:ea typeface="Oswald"/>
-                <a:cs typeface="Oswald"/>
-                <a:sym typeface="Oswald"/>
-              </a:defRPr>
-            </a:lvl2pPr>
-            <a:lvl3pPr marR="0" lvl="2" algn="l" rtl="0">
+              <a:buSzPts val="1600"/>
+              <a:buFont typeface="Times New Roman"/>
+              <a:buAutoNum type="arabicPeriod"/>
+            </a:pPr>
+            <a:r>
+              <a:rPr lang="en" sz="1600" b="1" dirty="0">
+                <a:latin typeface="Times New Roman"/>
+                <a:ea typeface="Times New Roman"/>
+                <a:cs typeface="Times New Roman"/>
+                <a:sym typeface="Times New Roman"/>
+              </a:rPr>
+              <a:t>Leader–member exchange (LMX) </a:t>
+            </a:r>
+            <a:r>
+              <a:rPr lang="en" sz="1600" b="1" dirty="0">
+                <a:latin typeface="Times New Roman" panose="02020603050405020304" pitchFamily="18" charset="0"/>
+                <a:ea typeface="Times New Roman"/>
+                <a:cs typeface="Times New Roman" panose="02020603050405020304" pitchFamily="18" charset="0"/>
+                <a:sym typeface="Times New Roman"/>
+              </a:rPr>
+              <a:t>theory</a:t>
+            </a:r>
+            <a:endParaRPr lang="en" sz="1200" b="1" dirty="0">
+              <a:latin typeface="Times New Roman" panose="02020603050405020304" pitchFamily="18" charset="0"/>
+              <a:ea typeface="Times New Roman"/>
+              <a:cs typeface="Times New Roman" panose="02020603050405020304" pitchFamily="18" charset="0"/>
+              <a:sym typeface="Times New Roman"/>
+            </a:endParaRPr>
+          </a:p>
+          <a:p>
+            <a:pPr indent="-330200" algn="just">
               <a:lnSpc>
-                <a:spcPct val="100000"/>
+                <a:spcPct val="105000"/>
               </a:lnSpc>
-              <a:spcBef>
-                <a:spcPts val="0"/>
-              </a:spcBef>
-              <a:spcAft>
-                <a:spcPts val="0"/>
-              </a:spcAft>
-              <a:buClr>
-                <a:schemeClr val="dk2"/>
-              </a:buClr>
-              <a:buSzPts val="3000"/>
-              <a:buFont typeface="Oswald"/>
-              <a:buNone/>
-              <a:defRPr sz="3000" b="0" i="0" u="none" strike="noStrike" cap="none">
-                <a:solidFill>
-                  <a:schemeClr val="dk2"/>
-                </a:solidFill>
-                <a:highlight>
-                  <a:schemeClr val="dk1"/>
-                </a:highlight>
-                <a:latin typeface="Oswald"/>
-                <a:ea typeface="Oswald"/>
-                <a:cs typeface="Oswald"/>
-                <a:sym typeface="Oswald"/>
-              </a:defRPr>
-            </a:lvl3pPr>
-            <a:lvl4pPr marR="0" lvl="3" algn="l" rtl="0">
+              <a:buSzPts val="1600"/>
+              <a:buFont typeface="Times New Roman"/>
+              <a:buAutoNum type="arabicPeriod"/>
+            </a:pPr>
+            <a:r>
+              <a:rPr lang="en-US" sz="1600" b="1" i="0" u="none" strike="noStrike" dirty="0">
+                <a:solidFill>
+                  <a:srgbClr val="434343"/>
+                </a:solidFill>
+                <a:effectLst/>
+                <a:latin typeface="Times New Roman" panose="02020603050405020304" pitchFamily="18" charset="0"/>
+                <a:cs typeface="Times New Roman" panose="02020603050405020304" pitchFamily="18" charset="0"/>
+              </a:rPr>
+              <a:t>New paradigm due to Pandemic</a:t>
+            </a:r>
+          </a:p>
+          <a:p>
+            <a:pPr indent="-330200" algn="just">
               <a:lnSpc>
-                <a:spcPct val="100000"/>
+                <a:spcPct val="105000"/>
               </a:lnSpc>
-              <a:spcBef>
-                <a:spcPts val="0"/>
-              </a:spcBef>
-              <a:spcAft>
-                <a:spcPts val="0"/>
-              </a:spcAft>
-              <a:buClr>
-                <a:schemeClr val="dk2"/>
-              </a:buClr>
-              <a:buSzPts val="3000"/>
-              <a:buFont typeface="Oswald"/>
-              <a:buNone/>
-              <a:defRPr sz="3000" b="0" i="0" u="none" strike="noStrike" cap="none">
-                <a:solidFill>
-                  <a:schemeClr val="dk2"/>
-                </a:solidFill>
-                <a:highlight>
-                  <a:schemeClr val="dk1"/>
-                </a:highlight>
-                <a:latin typeface="Oswald"/>
-                <a:ea typeface="Oswald"/>
-                <a:cs typeface="Oswald"/>
-                <a:sym typeface="Oswald"/>
-              </a:defRPr>
-            </a:lvl4pPr>
-            <a:lvl5pPr marR="0" lvl="4" algn="l" rtl="0">
+              <a:buSzPts val="1600"/>
+              <a:buFont typeface="Times New Roman"/>
+              <a:buAutoNum type="arabicPeriod"/>
+            </a:pPr>
+            <a:r>
+              <a:rPr lang="en-US" sz="1600" b="1" dirty="0">
+                <a:solidFill>
+                  <a:srgbClr val="434343"/>
+                </a:solidFill>
+                <a:latin typeface="Times New Roman" panose="02020603050405020304" pitchFamily="18" charset="0"/>
+                <a:cs typeface="Times New Roman" panose="02020603050405020304" pitchFamily="18" charset="0"/>
+              </a:rPr>
+              <a:t>Green Initiatives, diversity, inclusivity, etc.</a:t>
+            </a:r>
+          </a:p>
+          <a:p>
+            <a:pPr indent="-330200" algn="just">
               <a:lnSpc>
-                <a:spcPct val="100000"/>
+                <a:spcPct val="105000"/>
               </a:lnSpc>
-              <a:spcBef>
-                <a:spcPts val="0"/>
-              </a:spcBef>
-              <a:spcAft>
-                <a:spcPts val="0"/>
-              </a:spcAft>
-              <a:buClr>
-                <a:schemeClr val="dk2"/>
-              </a:buClr>
-              <a:buSzPts val="3000"/>
-              <a:buFont typeface="Oswald"/>
-              <a:buNone/>
-              <a:defRPr sz="3000" b="0" i="0" u="none" strike="noStrike" cap="none">
-                <a:solidFill>
-                  <a:schemeClr val="dk2"/>
-                </a:solidFill>
-                <a:highlight>
-                  <a:schemeClr val="dk1"/>
-                </a:highlight>
-                <a:latin typeface="Oswald"/>
-                <a:ea typeface="Oswald"/>
-                <a:cs typeface="Oswald"/>
-                <a:sym typeface="Oswald"/>
-              </a:defRPr>
-            </a:lvl5pPr>
-            <a:lvl6pPr marR="0" lvl="5" algn="l" rtl="0">
+              <a:buSzPts val="1600"/>
+              <a:buFont typeface="Times New Roman"/>
+              <a:buAutoNum type="arabicPeriod"/>
+            </a:pPr>
+            <a:r>
+              <a:rPr lang="en-US" sz="1600" b="1" i="0" u="none" strike="noStrike" dirty="0">
+                <a:solidFill>
+                  <a:srgbClr val="434343"/>
+                </a:solidFill>
+                <a:effectLst/>
+                <a:latin typeface="Times New Roman" panose="02020603050405020304" pitchFamily="18" charset="0"/>
+                <a:cs typeface="Times New Roman" panose="02020603050405020304" pitchFamily="18" charset="0"/>
+              </a:rPr>
+              <a:t>Brand Humanity</a:t>
+            </a:r>
+            <a:endParaRPr lang="en-US" sz="1600" b="1" dirty="0">
+              <a:solidFill>
+                <a:srgbClr val="434343"/>
+              </a:solidFill>
+              <a:latin typeface="Times New Roman" panose="02020603050405020304" pitchFamily="18" charset="0"/>
+              <a:cs typeface="Times New Roman" panose="02020603050405020304" pitchFamily="18" charset="0"/>
+            </a:endParaRPr>
+          </a:p>
+          <a:p>
+            <a:pPr indent="-330200" algn="just">
               <a:lnSpc>
-                <a:spcPct val="100000"/>
+                <a:spcPct val="105000"/>
               </a:lnSpc>
-              <a:spcBef>
-                <a:spcPts val="0"/>
-              </a:spcBef>
-              <a:spcAft>
-                <a:spcPts val="0"/>
-              </a:spcAft>
-              <a:buClr>
-                <a:schemeClr val="dk2"/>
-              </a:buClr>
-              <a:buSzPts val="3000"/>
-              <a:buFont typeface="Oswald"/>
-              <a:buNone/>
-              <a:defRPr sz="3000" b="0" i="0" u="none" strike="noStrike" cap="none">
-                <a:solidFill>
-                  <a:schemeClr val="dk2"/>
-                </a:solidFill>
-                <a:highlight>
-                  <a:schemeClr val="dk1"/>
-                </a:highlight>
-                <a:latin typeface="Oswald"/>
-                <a:ea typeface="Oswald"/>
-                <a:cs typeface="Oswald"/>
-                <a:sym typeface="Oswald"/>
-              </a:defRPr>
-            </a:lvl6pPr>
-            <a:lvl7pPr marR="0" lvl="6" algn="l" rtl="0">
+              <a:buSzPts val="1600"/>
+              <a:buFont typeface="Times New Roman"/>
+              <a:buAutoNum type="arabicPeriod"/>
+            </a:pPr>
+            <a:endParaRPr lang="en-US" sz="1600" b="0" i="0" u="none" strike="noStrike" dirty="0">
+              <a:solidFill>
+                <a:srgbClr val="434343"/>
+              </a:solidFill>
+              <a:effectLst/>
+              <a:latin typeface="Roboto" panose="02000000000000000000" pitchFamily="2" charset="0"/>
+            </a:endParaRPr>
+          </a:p>
+          <a:p>
+            <a:pPr indent="-330200" algn="just">
               <a:lnSpc>
-                <a:spcPct val="100000"/>
+                <a:spcPct val="105000"/>
               </a:lnSpc>
-              <a:spcBef>
-                <a:spcPts val="0"/>
-              </a:spcBef>
-              <a:spcAft>
-                <a:spcPts val="0"/>
-              </a:spcAft>
-              <a:buClr>
-                <a:schemeClr val="dk2"/>
-              </a:buClr>
-              <a:buSzPts val="3000"/>
-              <a:buFont typeface="Oswald"/>
-              <a:buNone/>
-              <a:defRPr sz="3000" b="0" i="0" u="none" strike="noStrike" cap="none">
-                <a:solidFill>
-                  <a:schemeClr val="dk2"/>
-                </a:solidFill>
-                <a:highlight>
-                  <a:schemeClr val="dk1"/>
-                </a:highlight>
-                <a:latin typeface="Oswald"/>
-                <a:ea typeface="Oswald"/>
-                <a:cs typeface="Oswald"/>
-                <a:sym typeface="Oswald"/>
-              </a:defRPr>
-            </a:lvl7pPr>
-            <a:lvl8pPr marR="0" lvl="7" algn="l" rtl="0">
+              <a:buSzPts val="1600"/>
+              <a:buFont typeface="Times New Roman"/>
+              <a:buAutoNum type="arabicPeriod"/>
+            </a:pPr>
+            <a:endParaRPr lang="en" sz="1600" dirty="0">
+              <a:latin typeface="Times New Roman"/>
+              <a:ea typeface="Times New Roman"/>
+              <a:cs typeface="Times New Roman"/>
+              <a:sym typeface="Times New Roman"/>
+            </a:endParaRPr>
+          </a:p>
+          <a:p>
+            <a:pPr marL="457200" lvl="0" indent="-330200" algn="just" rtl="0">
               <a:lnSpc>
-                <a:spcPct val="100000"/>
+                <a:spcPct val="105000"/>
               </a:lnSpc>
               <a:spcBef>
                 <a:spcPts val="0"/>
@@ -7731,59 +9714,181 @@
               <a:spcAft>
                 <a:spcPts val="0"/>
               </a:spcAft>
-              <a:buClr>
-                <a:schemeClr val="dk2"/>
-              </a:buClr>
-              <a:buSzPts val="3000"/>
-              <a:buFont typeface="Oswald"/>
-              <a:buNone/>
-              <a:defRPr sz="3000" b="0" i="0" u="none" strike="noStrike" cap="none">
-                <a:solidFill>
-                  <a:schemeClr val="dk2"/>
-                </a:solidFill>
-                <a:highlight>
-                  <a:schemeClr val="dk1"/>
-                </a:highlight>
-                <a:latin typeface="Oswald"/>
-                <a:ea typeface="Oswald"/>
-                <a:cs typeface="Oswald"/>
-                <a:sym typeface="Oswald"/>
-              </a:defRPr>
-            </a:lvl8pPr>
-            <a:lvl9pPr marR="0" lvl="8" algn="l" rtl="0">
-              <a:lnSpc>
-                <a:spcPct val="100000"/>
-              </a:lnSpc>
-              <a:spcBef>
-                <a:spcPts val="0"/>
-              </a:spcBef>
-              <a:spcAft>
-                <a:spcPts val="0"/>
-              </a:spcAft>
-              <a:buClr>
-                <a:schemeClr val="dk2"/>
-              </a:buClr>
-              <a:buSzPts val="3000"/>
-              <a:buFont typeface="Oswald"/>
-              <a:buNone/>
-              <a:defRPr sz="3000" b="0" i="0" u="none" strike="noStrike" cap="none">
-                <a:solidFill>
-                  <a:schemeClr val="dk2"/>
-                </a:solidFill>
-                <a:highlight>
-                  <a:schemeClr val="dk1"/>
-                </a:highlight>
-                <a:latin typeface="Oswald"/>
-                <a:ea typeface="Oswald"/>
-                <a:cs typeface="Oswald"/>
-                <a:sym typeface="Oswald"/>
-              </a:defRPr>
-            </a:lvl9pPr>
-          </a:lstStyle>
+              <a:buSzPts val="1600"/>
+              <a:buFont typeface="Times New Roman"/>
+              <a:buAutoNum type="arabicPeriod"/>
+            </a:pPr>
+            <a:endParaRPr sz="1600" baseline="30000" dirty="0">
+              <a:latin typeface="Arial"/>
+              <a:ea typeface="Arial"/>
+              <a:cs typeface="Arial"/>
+              <a:sym typeface="Arial"/>
+            </a:endParaRPr>
+          </a:p>
+        </p:txBody>
+      </p:sp>
+      <p:pic>
+        <p:nvPicPr>
+          <p:cNvPr id="106" name="Google Shape;106;p4"/>
+          <p:cNvPicPr preferRelativeResize="0"/>
+          <p:nvPr/>
+        </p:nvPicPr>
+        <p:blipFill>
+          <a:blip r:embed="rId3">
+            <a:alphaModFix/>
+          </a:blip>
+          <a:stretch>
+            <a:fillRect/>
+          </a:stretch>
+        </p:blipFill>
+        <p:spPr>
+          <a:xfrm>
+            <a:off x="4399300" y="2617925"/>
+            <a:ext cx="4588900" cy="2357700"/>
+          </a:xfrm>
+          <a:prstGeom prst="rect">
+            <a:avLst/>
+          </a:prstGeom>
+          <a:noFill/>
+          <a:ln>
+            <a:noFill/>
+          </a:ln>
+        </p:spPr>
+      </p:pic>
+      <p:pic>
+        <p:nvPicPr>
+          <p:cNvPr id="107" name="Google Shape;107;p4"/>
+          <p:cNvPicPr preferRelativeResize="0"/>
+          <p:nvPr/>
+        </p:nvPicPr>
+        <p:blipFill rotWithShape="1">
+          <a:blip r:embed="rId4">
+            <a:alphaModFix/>
+          </a:blip>
+          <a:srcRect l="31213"/>
+          <a:stretch/>
+        </p:blipFill>
+        <p:spPr>
+          <a:xfrm>
+            <a:off x="5241073" y="446000"/>
+            <a:ext cx="3902927" cy="2057400"/>
+          </a:xfrm>
+          <a:prstGeom prst="rect">
+            <a:avLst/>
+          </a:prstGeom>
+          <a:noFill/>
+          <a:ln>
+            <a:noFill/>
+          </a:ln>
+        </p:spPr>
+      </p:pic>
+      <p:sp>
+        <p:nvSpPr>
+          <p:cNvPr id="2" name="TextBox 1">
+            <a:extLst>
+              <a:ext uri="{FF2B5EF4-FFF2-40B4-BE49-F238E27FC236}">
+                <a16:creationId xmlns:a16="http://schemas.microsoft.com/office/drawing/2014/main" id="{BBF46043-4F83-4A67-8C5E-EE96CD0907A5}"/>
+              </a:ext>
+            </a:extLst>
+          </p:cNvPr>
+          <p:cNvSpPr txBox="1"/>
+          <p:nvPr/>
+        </p:nvSpPr>
+        <p:spPr>
+          <a:xfrm>
+            <a:off x="4326674" y="1474700"/>
+            <a:ext cx="914399" cy="205417"/>
+          </a:xfrm>
+          <a:prstGeom prst="rect">
+            <a:avLst/>
+          </a:prstGeom>
+          <a:noFill/>
+        </p:spPr>
+        <p:txBody>
+          <a:bodyPr wrap="square" rtlCol="0">
+            <a:spAutoFit/>
+          </a:bodyPr>
+          <a:lstStyle/>
           <a:p>
             <a:r>
-              <a:rPr lang="en-US" dirty="0"/>
-              <a:t>References: </a:t>
+              <a:rPr lang="en-US" sz="700" i="1" dirty="0"/>
+              <a:t>How it affects me</a:t>
+            </a:r>
+          </a:p>
+        </p:txBody>
+      </p:sp>
+      <p:sp>
+        <p:nvSpPr>
+          <p:cNvPr id="3" name="TextBox 2">
+            <a:extLst>
+              <a:ext uri="{FF2B5EF4-FFF2-40B4-BE49-F238E27FC236}">
+                <a16:creationId xmlns:a16="http://schemas.microsoft.com/office/drawing/2014/main" id="{6E307E2D-7237-4375-9819-05C8A8A97E5F}"/>
+              </a:ext>
+            </a:extLst>
+          </p:cNvPr>
+          <p:cNvSpPr txBox="1"/>
+          <p:nvPr/>
+        </p:nvSpPr>
+        <p:spPr>
+          <a:xfrm>
+            <a:off x="6349295" y="367751"/>
+            <a:ext cx="2483005" cy="307777"/>
+          </a:xfrm>
+          <a:prstGeom prst="rect">
+            <a:avLst/>
+          </a:prstGeom>
+          <a:noFill/>
+        </p:spPr>
+        <p:txBody>
+          <a:bodyPr wrap="square" rtlCol="0">
+            <a:spAutoFit/>
+          </a:bodyPr>
+          <a:lstStyle/>
+          <a:p>
+            <a:r>
+              <a:rPr lang="en-US" dirty="0">
+                <a:latin typeface="Times New Roman" panose="02020603050405020304" pitchFamily="18" charset="0"/>
+                <a:cs typeface="Times New Roman" panose="02020603050405020304" pitchFamily="18" charset="0"/>
+              </a:rPr>
+              <a:t>Four Color of Lies Theory</a:t>
+            </a:r>
+          </a:p>
+        </p:txBody>
+      </p:sp>
+      <p:sp>
+        <p:nvSpPr>
+          <p:cNvPr id="8" name="TextBox 7">
+            <a:extLst>
+              <a:ext uri="{FF2B5EF4-FFF2-40B4-BE49-F238E27FC236}">
+                <a16:creationId xmlns:a16="http://schemas.microsoft.com/office/drawing/2014/main" id="{9AD5F4D1-4593-455B-A02B-5B477BD07F5B}"/>
+              </a:ext>
+            </a:extLst>
+          </p:cNvPr>
+          <p:cNvSpPr txBox="1"/>
+          <p:nvPr/>
+        </p:nvSpPr>
+        <p:spPr>
+          <a:xfrm>
+            <a:off x="6123446" y="2332324"/>
+            <a:ext cx="1140607" cy="307777"/>
+          </a:xfrm>
+          <a:prstGeom prst="rect">
+            <a:avLst/>
+          </a:prstGeom>
+          <a:noFill/>
+        </p:spPr>
+        <p:txBody>
+          <a:bodyPr wrap="square" rtlCol="0">
+            <a:spAutoFit/>
+          </a:bodyPr>
+          <a:lstStyle/>
+          <a:p>
+            <a:r>
+              <a:rPr lang="en-US" dirty="0">
+                <a:latin typeface="Times New Roman" panose="02020603050405020304" pitchFamily="18" charset="0"/>
+                <a:cs typeface="Times New Roman" panose="02020603050405020304" pitchFamily="18" charset="0"/>
+              </a:rPr>
+              <a:t>LMX Theory</a:t>
             </a:r>
           </a:p>
         </p:txBody>
@@ -7793,6 +9898,557 @@
   <p:clrMapOvr>
     <a:masterClrMapping/>
   </p:clrMapOvr>
+  <p:timing>
+    <p:tnLst>
+      <p:par>
+        <p:cTn id="1" dur="indefinite" restart="never" nodeType="tmRoot">
+          <p:childTnLst>
+            <p:seq concurrent="1" nextAc="seek">
+              <p:cTn id="2" dur="indefinite" nodeType="mainSeq">
+                <p:childTnLst>
+                  <p:par>
+                    <p:cTn id="3" fill="hold">
+                      <p:stCondLst>
+                        <p:cond delay="indefinite"/>
+                      </p:stCondLst>
+                      <p:childTnLst>
+                        <p:par>
+                          <p:cTn id="4" fill="hold">
+                            <p:stCondLst>
+                              <p:cond delay="0"/>
+                            </p:stCondLst>
+                            <p:childTnLst>
+                              <p:par>
+                                <p:cTn id="5" presetID="10" presetClass="entr" presetSubtype="0" fill="hold" nodeType="clickEffect">
+                                  <p:stCondLst>
+                                    <p:cond delay="0"/>
+                                  </p:stCondLst>
+                                  <p:childTnLst>
+                                    <p:set>
+                                      <p:cBhvr>
+                                        <p:cTn id="6" dur="1" fill="hold">
+                                          <p:stCondLst>
+                                            <p:cond delay="0"/>
+                                          </p:stCondLst>
+                                        </p:cTn>
+                                        <p:tgtEl>
+                                          <p:spTgt spid="105">
+                                            <p:txEl>
+                                              <p:pRg st="0" end="0"/>
+                                            </p:txEl>
+                                          </p:spTgt>
+                                        </p:tgtEl>
+                                        <p:attrNameLst>
+                                          <p:attrName>style.visibility</p:attrName>
+                                        </p:attrNameLst>
+                                      </p:cBhvr>
+                                      <p:to>
+                                        <p:strVal val="visible"/>
+                                      </p:to>
+                                    </p:set>
+                                    <p:animEffect transition="in" filter="fade">
+                                      <p:cBhvr>
+                                        <p:cTn id="7" dur="500"/>
+                                        <p:tgtEl>
+                                          <p:spTgt spid="105">
+                                            <p:txEl>
+                                              <p:pRg st="0" end="0"/>
+                                            </p:txEl>
+                                          </p:spTgt>
+                                        </p:tgtEl>
+                                      </p:cBhvr>
+                                    </p:animEffect>
+                                  </p:childTnLst>
+                                </p:cTn>
+                              </p:par>
+                            </p:childTnLst>
+                          </p:cTn>
+                        </p:par>
+                      </p:childTnLst>
+                    </p:cTn>
+                  </p:par>
+                  <p:par>
+                    <p:cTn id="8" fill="hold">
+                      <p:stCondLst>
+                        <p:cond delay="indefinite"/>
+                      </p:stCondLst>
+                      <p:childTnLst>
+                        <p:par>
+                          <p:cTn id="9" fill="hold">
+                            <p:stCondLst>
+                              <p:cond delay="0"/>
+                            </p:stCondLst>
+                            <p:childTnLst>
+                              <p:par>
+                                <p:cTn id="10" presetID="10" presetClass="entr" presetSubtype="0" fill="hold" nodeType="clickEffect">
+                                  <p:stCondLst>
+                                    <p:cond delay="0"/>
+                                  </p:stCondLst>
+                                  <p:childTnLst>
+                                    <p:set>
+                                      <p:cBhvr>
+                                        <p:cTn id="11" dur="1" fill="hold">
+                                          <p:stCondLst>
+                                            <p:cond delay="0"/>
+                                          </p:stCondLst>
+                                        </p:cTn>
+                                        <p:tgtEl>
+                                          <p:spTgt spid="107"/>
+                                        </p:tgtEl>
+                                        <p:attrNameLst>
+                                          <p:attrName>style.visibility</p:attrName>
+                                        </p:attrNameLst>
+                                      </p:cBhvr>
+                                      <p:to>
+                                        <p:strVal val="visible"/>
+                                      </p:to>
+                                    </p:set>
+                                    <p:animEffect transition="in" filter="fade">
+                                      <p:cBhvr>
+                                        <p:cTn id="12" dur="500"/>
+                                        <p:tgtEl>
+                                          <p:spTgt spid="107"/>
+                                        </p:tgtEl>
+                                      </p:cBhvr>
+                                    </p:animEffect>
+                                  </p:childTnLst>
+                                </p:cTn>
+                              </p:par>
+                              <p:par>
+                                <p:cTn id="13" presetID="10" presetClass="entr" presetSubtype="0" fill="hold" grpId="0" nodeType="withEffect">
+                                  <p:stCondLst>
+                                    <p:cond delay="0"/>
+                                  </p:stCondLst>
+                                  <p:childTnLst>
+                                    <p:set>
+                                      <p:cBhvr>
+                                        <p:cTn id="14" dur="1" fill="hold">
+                                          <p:stCondLst>
+                                            <p:cond delay="0"/>
+                                          </p:stCondLst>
+                                        </p:cTn>
+                                        <p:tgtEl>
+                                          <p:spTgt spid="3"/>
+                                        </p:tgtEl>
+                                        <p:attrNameLst>
+                                          <p:attrName>style.visibility</p:attrName>
+                                        </p:attrNameLst>
+                                      </p:cBhvr>
+                                      <p:to>
+                                        <p:strVal val="visible"/>
+                                      </p:to>
+                                    </p:set>
+                                    <p:animEffect transition="in" filter="fade">
+                                      <p:cBhvr>
+                                        <p:cTn id="15" dur="500"/>
+                                        <p:tgtEl>
+                                          <p:spTgt spid="3"/>
+                                        </p:tgtEl>
+                                      </p:cBhvr>
+                                    </p:animEffect>
+                                  </p:childTnLst>
+                                </p:cTn>
+                              </p:par>
+                              <p:par>
+                                <p:cTn id="16" presetID="10" presetClass="entr" presetSubtype="0" fill="hold" grpId="0" nodeType="withEffect">
+                                  <p:stCondLst>
+                                    <p:cond delay="0"/>
+                                  </p:stCondLst>
+                                  <p:childTnLst>
+                                    <p:set>
+                                      <p:cBhvr>
+                                        <p:cTn id="17" dur="1" fill="hold">
+                                          <p:stCondLst>
+                                            <p:cond delay="0"/>
+                                          </p:stCondLst>
+                                        </p:cTn>
+                                        <p:tgtEl>
+                                          <p:spTgt spid="2"/>
+                                        </p:tgtEl>
+                                        <p:attrNameLst>
+                                          <p:attrName>style.visibility</p:attrName>
+                                        </p:attrNameLst>
+                                      </p:cBhvr>
+                                      <p:to>
+                                        <p:strVal val="visible"/>
+                                      </p:to>
+                                    </p:set>
+                                    <p:animEffect transition="in" filter="fade">
+                                      <p:cBhvr>
+                                        <p:cTn id="18" dur="500"/>
+                                        <p:tgtEl>
+                                          <p:spTgt spid="2"/>
+                                        </p:tgtEl>
+                                      </p:cBhvr>
+                                    </p:animEffect>
+                                  </p:childTnLst>
+                                </p:cTn>
+                              </p:par>
+                            </p:childTnLst>
+                          </p:cTn>
+                        </p:par>
+                      </p:childTnLst>
+                    </p:cTn>
+                  </p:par>
+                  <p:par>
+                    <p:cTn id="19" fill="hold">
+                      <p:stCondLst>
+                        <p:cond delay="indefinite"/>
+                      </p:stCondLst>
+                      <p:childTnLst>
+                        <p:par>
+                          <p:cTn id="20" fill="hold">
+                            <p:stCondLst>
+                              <p:cond delay="0"/>
+                            </p:stCondLst>
+                            <p:childTnLst>
+                              <p:par>
+                                <p:cTn id="21" presetID="10" presetClass="entr" presetSubtype="0" fill="hold" nodeType="clickEffect">
+                                  <p:stCondLst>
+                                    <p:cond delay="0"/>
+                                  </p:stCondLst>
+                                  <p:childTnLst>
+                                    <p:set>
+                                      <p:cBhvr>
+                                        <p:cTn id="22" dur="1" fill="hold">
+                                          <p:stCondLst>
+                                            <p:cond delay="0"/>
+                                          </p:stCondLst>
+                                        </p:cTn>
+                                        <p:tgtEl>
+                                          <p:spTgt spid="105">
+                                            <p:txEl>
+                                              <p:pRg st="1" end="1"/>
+                                            </p:txEl>
+                                          </p:spTgt>
+                                        </p:tgtEl>
+                                        <p:attrNameLst>
+                                          <p:attrName>style.visibility</p:attrName>
+                                        </p:attrNameLst>
+                                      </p:cBhvr>
+                                      <p:to>
+                                        <p:strVal val="visible"/>
+                                      </p:to>
+                                    </p:set>
+                                    <p:animEffect transition="in" filter="fade">
+                                      <p:cBhvr>
+                                        <p:cTn id="23" dur="500"/>
+                                        <p:tgtEl>
+                                          <p:spTgt spid="105">
+                                            <p:txEl>
+                                              <p:pRg st="1" end="1"/>
+                                            </p:txEl>
+                                          </p:spTgt>
+                                        </p:tgtEl>
+                                      </p:cBhvr>
+                                    </p:animEffect>
+                                  </p:childTnLst>
+                                </p:cTn>
+                              </p:par>
+                            </p:childTnLst>
+                          </p:cTn>
+                        </p:par>
+                      </p:childTnLst>
+                    </p:cTn>
+                  </p:par>
+                  <p:par>
+                    <p:cTn id="24" fill="hold">
+                      <p:stCondLst>
+                        <p:cond delay="indefinite"/>
+                      </p:stCondLst>
+                      <p:childTnLst>
+                        <p:par>
+                          <p:cTn id="25" fill="hold">
+                            <p:stCondLst>
+                              <p:cond delay="0"/>
+                            </p:stCondLst>
+                            <p:childTnLst>
+                              <p:par>
+                                <p:cTn id="26" presetID="10" presetClass="entr" presetSubtype="0" fill="hold" nodeType="clickEffect">
+                                  <p:stCondLst>
+                                    <p:cond delay="0"/>
+                                  </p:stCondLst>
+                                  <p:childTnLst>
+                                    <p:set>
+                                      <p:cBhvr>
+                                        <p:cTn id="27" dur="1" fill="hold">
+                                          <p:stCondLst>
+                                            <p:cond delay="0"/>
+                                          </p:stCondLst>
+                                        </p:cTn>
+                                        <p:tgtEl>
+                                          <p:spTgt spid="106"/>
+                                        </p:tgtEl>
+                                        <p:attrNameLst>
+                                          <p:attrName>style.visibility</p:attrName>
+                                        </p:attrNameLst>
+                                      </p:cBhvr>
+                                      <p:to>
+                                        <p:strVal val="visible"/>
+                                      </p:to>
+                                    </p:set>
+                                    <p:animEffect transition="in" filter="fade">
+                                      <p:cBhvr>
+                                        <p:cTn id="28" dur="500"/>
+                                        <p:tgtEl>
+                                          <p:spTgt spid="106"/>
+                                        </p:tgtEl>
+                                      </p:cBhvr>
+                                    </p:animEffect>
+                                  </p:childTnLst>
+                                </p:cTn>
+                              </p:par>
+                              <p:par>
+                                <p:cTn id="29" presetID="10" presetClass="entr" presetSubtype="0" fill="hold" grpId="0" nodeType="withEffect">
+                                  <p:stCondLst>
+                                    <p:cond delay="0"/>
+                                  </p:stCondLst>
+                                  <p:childTnLst>
+                                    <p:set>
+                                      <p:cBhvr>
+                                        <p:cTn id="30" dur="1" fill="hold">
+                                          <p:stCondLst>
+                                            <p:cond delay="0"/>
+                                          </p:stCondLst>
+                                        </p:cTn>
+                                        <p:tgtEl>
+                                          <p:spTgt spid="8"/>
+                                        </p:tgtEl>
+                                        <p:attrNameLst>
+                                          <p:attrName>style.visibility</p:attrName>
+                                        </p:attrNameLst>
+                                      </p:cBhvr>
+                                      <p:to>
+                                        <p:strVal val="visible"/>
+                                      </p:to>
+                                    </p:set>
+                                    <p:animEffect transition="in" filter="fade">
+                                      <p:cBhvr>
+                                        <p:cTn id="31" dur="500"/>
+                                        <p:tgtEl>
+                                          <p:spTgt spid="8"/>
+                                        </p:tgtEl>
+                                      </p:cBhvr>
+                                    </p:animEffect>
+                                  </p:childTnLst>
+                                </p:cTn>
+                              </p:par>
+                            </p:childTnLst>
+                          </p:cTn>
+                        </p:par>
+                      </p:childTnLst>
+                    </p:cTn>
+                  </p:par>
+                  <p:par>
+                    <p:cTn id="32" fill="hold">
+                      <p:stCondLst>
+                        <p:cond delay="indefinite"/>
+                      </p:stCondLst>
+                      <p:childTnLst>
+                        <p:par>
+                          <p:cTn id="33" fill="hold">
+                            <p:stCondLst>
+                              <p:cond delay="0"/>
+                            </p:stCondLst>
+                            <p:childTnLst>
+                              <p:par>
+                                <p:cTn id="34" presetID="10" presetClass="entr" presetSubtype="0" fill="hold" nodeType="clickEffect">
+                                  <p:stCondLst>
+                                    <p:cond delay="0"/>
+                                  </p:stCondLst>
+                                  <p:childTnLst>
+                                    <p:set>
+                                      <p:cBhvr>
+                                        <p:cTn id="35" dur="1" fill="hold">
+                                          <p:stCondLst>
+                                            <p:cond delay="0"/>
+                                          </p:stCondLst>
+                                        </p:cTn>
+                                        <p:tgtEl>
+                                          <p:spTgt spid="105">
+                                            <p:txEl>
+                                              <p:pRg st="2" end="2"/>
+                                            </p:txEl>
+                                          </p:spTgt>
+                                        </p:tgtEl>
+                                        <p:attrNameLst>
+                                          <p:attrName>style.visibility</p:attrName>
+                                        </p:attrNameLst>
+                                      </p:cBhvr>
+                                      <p:to>
+                                        <p:strVal val="visible"/>
+                                      </p:to>
+                                    </p:set>
+                                    <p:animEffect transition="in" filter="fade">
+                                      <p:cBhvr>
+                                        <p:cTn id="36" dur="500"/>
+                                        <p:tgtEl>
+                                          <p:spTgt spid="105">
+                                            <p:txEl>
+                                              <p:pRg st="2" end="2"/>
+                                            </p:txEl>
+                                          </p:spTgt>
+                                        </p:tgtEl>
+                                      </p:cBhvr>
+                                    </p:animEffect>
+                                  </p:childTnLst>
+                                </p:cTn>
+                              </p:par>
+                            </p:childTnLst>
+                          </p:cTn>
+                        </p:par>
+                      </p:childTnLst>
+                    </p:cTn>
+                  </p:par>
+                  <p:par>
+                    <p:cTn id="37" fill="hold">
+                      <p:stCondLst>
+                        <p:cond delay="indefinite"/>
+                      </p:stCondLst>
+                      <p:childTnLst>
+                        <p:par>
+                          <p:cTn id="38" fill="hold">
+                            <p:stCondLst>
+                              <p:cond delay="0"/>
+                            </p:stCondLst>
+                            <p:childTnLst>
+                              <p:par>
+                                <p:cTn id="39" presetID="10" presetClass="entr" presetSubtype="0" fill="hold" nodeType="clickEffect">
+                                  <p:stCondLst>
+                                    <p:cond delay="0"/>
+                                  </p:stCondLst>
+                                  <p:childTnLst>
+                                    <p:set>
+                                      <p:cBhvr>
+                                        <p:cTn id="40" dur="1" fill="hold">
+                                          <p:stCondLst>
+                                            <p:cond delay="0"/>
+                                          </p:stCondLst>
+                                        </p:cTn>
+                                        <p:tgtEl>
+                                          <p:spTgt spid="105">
+                                            <p:txEl>
+                                              <p:pRg st="3" end="3"/>
+                                            </p:txEl>
+                                          </p:spTgt>
+                                        </p:tgtEl>
+                                        <p:attrNameLst>
+                                          <p:attrName>style.visibility</p:attrName>
+                                        </p:attrNameLst>
+                                      </p:cBhvr>
+                                      <p:to>
+                                        <p:strVal val="visible"/>
+                                      </p:to>
+                                    </p:set>
+                                    <p:animEffect transition="in" filter="fade">
+                                      <p:cBhvr>
+                                        <p:cTn id="41" dur="500"/>
+                                        <p:tgtEl>
+                                          <p:spTgt spid="105">
+                                            <p:txEl>
+                                              <p:pRg st="3" end="3"/>
+                                            </p:txEl>
+                                          </p:spTgt>
+                                        </p:tgtEl>
+                                      </p:cBhvr>
+                                    </p:animEffect>
+                                  </p:childTnLst>
+                                </p:cTn>
+                              </p:par>
+                            </p:childTnLst>
+                          </p:cTn>
+                        </p:par>
+                      </p:childTnLst>
+                    </p:cTn>
+                  </p:par>
+                  <p:par>
+                    <p:cTn id="42" fill="hold">
+                      <p:stCondLst>
+                        <p:cond delay="indefinite"/>
+                      </p:stCondLst>
+                      <p:childTnLst>
+                        <p:par>
+                          <p:cTn id="43" fill="hold">
+                            <p:stCondLst>
+                              <p:cond delay="0"/>
+                            </p:stCondLst>
+                            <p:childTnLst>
+                              <p:par>
+                                <p:cTn id="44" presetID="10" presetClass="entr" presetSubtype="0" fill="hold" nodeType="clickEffect">
+                                  <p:stCondLst>
+                                    <p:cond delay="0"/>
+                                  </p:stCondLst>
+                                  <p:childTnLst>
+                                    <p:set>
+                                      <p:cBhvr>
+                                        <p:cTn id="45" dur="1" fill="hold">
+                                          <p:stCondLst>
+                                            <p:cond delay="0"/>
+                                          </p:stCondLst>
+                                        </p:cTn>
+                                        <p:tgtEl>
+                                          <p:spTgt spid="105">
+                                            <p:txEl>
+                                              <p:pRg st="4" end="4"/>
+                                            </p:txEl>
+                                          </p:spTgt>
+                                        </p:tgtEl>
+                                        <p:attrNameLst>
+                                          <p:attrName>style.visibility</p:attrName>
+                                        </p:attrNameLst>
+                                      </p:cBhvr>
+                                      <p:to>
+                                        <p:strVal val="visible"/>
+                                      </p:to>
+                                    </p:set>
+                                    <p:animEffect transition="in" filter="fade">
+                                      <p:cBhvr>
+                                        <p:cTn id="46" dur="500"/>
+                                        <p:tgtEl>
+                                          <p:spTgt spid="105">
+                                            <p:txEl>
+                                              <p:pRg st="4" end="4"/>
+                                            </p:txEl>
+                                          </p:spTgt>
+                                        </p:tgtEl>
+                                      </p:cBhvr>
+                                    </p:animEffect>
+                                  </p:childTnLst>
+                                </p:cTn>
+                              </p:par>
+                            </p:childTnLst>
+                          </p:cTn>
+                        </p:par>
+                      </p:childTnLst>
+                    </p:cTn>
+                  </p:par>
+                </p:childTnLst>
+              </p:cTn>
+              <p:prevCondLst>
+                <p:cond evt="onPrev" delay="0">
+                  <p:tgtEl>
+                    <p:sldTgt/>
+                  </p:tgtEl>
+                </p:cond>
+              </p:prevCondLst>
+              <p:nextCondLst>
+                <p:cond evt="onNext" delay="0">
+                  <p:tgtEl>
+                    <p:sldTgt/>
+                  </p:tgtEl>
+                </p:cond>
+              </p:nextCondLst>
+            </p:seq>
+          </p:childTnLst>
+        </p:cTn>
+      </p:par>
+    </p:tnLst>
+    <p:bldLst>
+      <p:bldP spid="2" grpId="0"/>
+      <p:bldP spid="3" grpId="0"/>
+      <p:bldP spid="8" grpId="0"/>
+    </p:bldLst>
+  </p:timing>
 </p:sld>
 </file>
 
@@ -7801,7 +10457,7 @@
   <p:cSld>
     <p:spTree>
       <p:nvGrpSpPr>
-        <p:cNvPr id="1" name="Shape 81"/>
+        <p:cNvPr id="1" name="Shape 117"/>
         <p:cNvGrpSpPr/>
         <p:nvPr/>
       </p:nvGrpSpPr>
@@ -7815,7 +10471,7 @@
       </p:grpSpPr>
       <p:sp>
         <p:nvSpPr>
-          <p:cNvPr id="82" name="Google Shape;82;p17"/>
+          <p:cNvPr id="118" name="Google Shape;118;p5"/>
           <p:cNvSpPr txBox="1">
             <a:spLocks noGrp="1"/>
           </p:cNvSpPr>
@@ -7825,12 +10481,16 @@
         </p:nvSpPr>
         <p:spPr>
           <a:xfrm>
-            <a:off x="2639405" y="2179018"/>
-            <a:ext cx="3865189" cy="785464"/>
+            <a:off x="2164550" y="656299"/>
+            <a:ext cx="5904300" cy="1302000"/>
           </a:xfrm>
           <a:prstGeom prst="rect">
             <a:avLst/>
           </a:prstGeom>
+          <a:noFill/>
+          <a:ln>
+            <a:noFill/>
+          </a:ln>
         </p:spPr>
         <p:txBody>
           <a:bodyPr spcFirstLastPara="1" wrap="square" lIns="91425" tIns="91425" rIns="91425" bIns="91425" anchor="t" anchorCtr="0">
@@ -7839,19 +10499,244 @@
           <a:lstStyle/>
           <a:p>
             <a:pPr marL="0" lvl="0" indent="0" algn="l" rtl="0">
-              <a:spcBef>
-                <a:spcPts val="0"/>
-              </a:spcBef>
-              <a:spcAft>
-                <a:spcPts val="0"/>
-              </a:spcAft>
+              <a:lnSpc>
+                <a:spcPct val="100000"/>
+              </a:lnSpc>
+              <a:spcBef>
+                <a:spcPts val="0"/>
+              </a:spcBef>
+              <a:spcAft>
+                <a:spcPts val="0"/>
+              </a:spcAft>
+              <a:buSzPts val="3000"/>
               <a:buNone/>
             </a:pPr>
             <a:r>
-              <a:rPr lang="en" sz="5400" dirty="0"/>
+              <a:rPr lang="en" sz="5400">
+                <a:solidFill>
+                  <a:schemeClr val="accent2"/>
+                </a:solidFill>
+              </a:rPr>
               <a:t>QUESTIONS?</a:t>
             </a:r>
-            <a:endParaRPr sz="5400" dirty="0"/>
+            <a:endParaRPr sz="5400">
+              <a:solidFill>
+                <a:schemeClr val="accent2"/>
+              </a:solidFill>
+            </a:endParaRPr>
+          </a:p>
+        </p:txBody>
+      </p:sp>
+      <p:sp>
+        <p:nvSpPr>
+          <p:cNvPr id="119" name="Google Shape;119;p5"/>
+          <p:cNvSpPr txBox="1"/>
+          <p:nvPr/>
+        </p:nvSpPr>
+        <p:spPr>
+          <a:xfrm>
+            <a:off x="278600" y="3191925"/>
+            <a:ext cx="6386400" cy="1800463"/>
+          </a:xfrm>
+          <a:prstGeom prst="rect">
+            <a:avLst/>
+          </a:prstGeom>
+          <a:noFill/>
+          <a:ln>
+            <a:noFill/>
+          </a:ln>
+        </p:spPr>
+        <p:txBody>
+          <a:bodyPr spcFirstLastPara="1" wrap="square" lIns="91425" tIns="91425" rIns="91425" bIns="91425" anchor="t" anchorCtr="0">
+            <a:spAutoFit/>
+          </a:bodyPr>
+          <a:lstStyle/>
+          <a:p>
+            <a:pPr marL="0" lvl="0" indent="0" algn="l" rtl="0">
+              <a:spcBef>
+                <a:spcPts val="0"/>
+              </a:spcBef>
+              <a:spcAft>
+                <a:spcPts val="0"/>
+              </a:spcAft>
+              <a:buNone/>
+            </a:pPr>
+            <a:r>
+              <a:rPr lang="en" b="1" dirty="0">
+                <a:solidFill>
+                  <a:schemeClr val="dk1"/>
+                </a:solidFill>
+                <a:latin typeface="Roboto"/>
+                <a:ea typeface="Roboto"/>
+                <a:cs typeface="Roboto"/>
+                <a:sym typeface="Roboto"/>
+              </a:rPr>
+              <a:t>REFERENCES:</a:t>
+            </a:r>
+            <a:endParaRPr b="1" dirty="0">
+              <a:solidFill>
+                <a:schemeClr val="dk1"/>
+              </a:solidFill>
+              <a:latin typeface="Roboto"/>
+              <a:ea typeface="Roboto"/>
+              <a:cs typeface="Roboto"/>
+              <a:sym typeface="Roboto"/>
+            </a:endParaRPr>
+          </a:p>
+          <a:p>
+            <a:pPr marL="0" lvl="0" indent="0" algn="l" rtl="0">
+              <a:spcBef>
+                <a:spcPts val="0"/>
+              </a:spcBef>
+              <a:spcAft>
+                <a:spcPts val="0"/>
+              </a:spcAft>
+              <a:buNone/>
+            </a:pPr>
+            <a:r>
+              <a:rPr lang="en" sz="1100" u="sng" dirty="0">
+                <a:solidFill>
+                  <a:schemeClr val="hlink"/>
+                </a:solidFill>
+                <a:latin typeface="Times New Roman"/>
+                <a:ea typeface="Times New Roman"/>
+                <a:cs typeface="Times New Roman"/>
+                <a:sym typeface="Times New Roman"/>
+                <a:hlinkClick r:id="rId3"/>
+              </a:rPr>
+              <a:t>https://www.sciencedirect.com/topics/social-sciences/leader-member-exchange-theory</a:t>
+            </a:r>
+            <a:endParaRPr sz="1100" dirty="0">
+              <a:latin typeface="Times New Roman"/>
+              <a:ea typeface="Times New Roman"/>
+              <a:cs typeface="Times New Roman"/>
+              <a:sym typeface="Times New Roman"/>
+            </a:endParaRPr>
+          </a:p>
+          <a:p>
+            <a:pPr marL="0" lvl="0" indent="0" algn="l" rtl="0">
+              <a:spcBef>
+                <a:spcPts val="0"/>
+              </a:spcBef>
+              <a:spcAft>
+                <a:spcPts val="0"/>
+              </a:spcAft>
+              <a:buNone/>
+            </a:pPr>
+            <a:r>
+              <a:rPr lang="en" sz="1100" dirty="0">
+                <a:latin typeface="Times New Roman"/>
+                <a:ea typeface="Times New Roman"/>
+                <a:cs typeface="Times New Roman"/>
+                <a:sym typeface="Times New Roman"/>
+              </a:rPr>
+              <a:t>Fig 2 Source: http://www.free-management-ebooks.com/faqld/leadmodels-06.htm</a:t>
+            </a:r>
+            <a:endParaRPr sz="1100" dirty="0">
+              <a:latin typeface="Times New Roman"/>
+              <a:ea typeface="Times New Roman"/>
+              <a:cs typeface="Times New Roman"/>
+              <a:sym typeface="Times New Roman"/>
+            </a:endParaRPr>
+          </a:p>
+          <a:p>
+            <a:pPr marL="0" lvl="0" indent="0" algn="l" rtl="0">
+              <a:spcBef>
+                <a:spcPts val="0"/>
+              </a:spcBef>
+              <a:spcAft>
+                <a:spcPts val="0"/>
+              </a:spcAft>
+              <a:buNone/>
+            </a:pPr>
+            <a:r>
+              <a:rPr lang="en" sz="1100" dirty="0">
+                <a:latin typeface="Times New Roman"/>
+                <a:ea typeface="Times New Roman"/>
+                <a:cs typeface="Times New Roman"/>
+                <a:sym typeface="Times New Roman"/>
+              </a:rPr>
+              <a:t>Fig 1 Source: </a:t>
+            </a:r>
+            <a:r>
+              <a:rPr lang="en" sz="1100" dirty="0">
+                <a:latin typeface="Times New Roman"/>
+                <a:ea typeface="Times New Roman"/>
+                <a:cs typeface="Times New Roman"/>
+                <a:sym typeface="Times New Roman"/>
+                <a:hlinkClick r:id="rId4"/>
+              </a:rPr>
+              <a:t>http://changingminds.org/explanations/behaviors/lying/four_lies.htm</a:t>
+            </a:r>
+            <a:endParaRPr lang="en" sz="1100" dirty="0">
+              <a:latin typeface="Times New Roman"/>
+              <a:ea typeface="Times New Roman"/>
+              <a:cs typeface="Times New Roman"/>
+              <a:sym typeface="Times New Roman"/>
+            </a:endParaRPr>
+          </a:p>
+          <a:p>
+            <a:r>
+              <a:rPr lang="en-US" sz="1100" u="sng" dirty="0">
+                <a:solidFill>
+                  <a:schemeClr val="hlink"/>
+                </a:solidFill>
+                <a:latin typeface="Times New Roman" panose="02020603050405020304" pitchFamily="18" charset="0"/>
+                <a:cs typeface="Times New Roman" panose="02020603050405020304" pitchFamily="18" charset="0"/>
+                <a:hlinkClick r:id="rId5"/>
+              </a:rPr>
+              <a:t>https://www.forbes.com/sites/forbesbusinesscouncil/2021/03/16/the-new-paradigm-shift-why-business-as-usual-wont-cut-it-anymore-for-consumers-and-employees/?sh=62172c684524</a:t>
+            </a:r>
+            <a:endParaRPr lang="en-US" sz="1100" u="sng" dirty="0">
+              <a:solidFill>
+                <a:schemeClr val="hlink"/>
+              </a:solidFill>
+              <a:latin typeface="Times New Roman" panose="02020603050405020304" pitchFamily="18" charset="0"/>
+              <a:cs typeface="Times New Roman" panose="02020603050405020304" pitchFamily="18" charset="0"/>
+            </a:endParaRPr>
+          </a:p>
+          <a:p>
+            <a:r>
+              <a:rPr lang="en-US" sz="1100" dirty="0">
+                <a:latin typeface="Times New Roman" panose="02020603050405020304" pitchFamily="18" charset="0"/>
+                <a:cs typeface="Times New Roman" panose="02020603050405020304" pitchFamily="18" charset="0"/>
+              </a:rPr>
+              <a:t>https://www.theguardian.com/sustainable-business/values-led-business1</a:t>
+            </a:r>
+          </a:p>
+          <a:p>
+            <a:pPr marL="0" lvl="0" indent="0" algn="l" rtl="0">
+              <a:spcBef>
+                <a:spcPts val="0"/>
+              </a:spcBef>
+              <a:spcAft>
+                <a:spcPts val="0"/>
+              </a:spcAft>
+              <a:buNone/>
+            </a:pPr>
+            <a:endParaRPr lang="en-US" sz="1100" dirty="0">
+              <a:latin typeface="Times New Roman"/>
+              <a:ea typeface="Times New Roman"/>
+              <a:cs typeface="Times New Roman"/>
+              <a:sym typeface="Times New Roman"/>
+            </a:endParaRPr>
+          </a:p>
+          <a:p>
+            <a:pPr marL="0" lvl="0" indent="0" algn="l" rtl="0">
+              <a:spcBef>
+                <a:spcPts val="0"/>
+              </a:spcBef>
+              <a:spcAft>
+                <a:spcPts val="0"/>
+              </a:spcAft>
+              <a:buNone/>
+            </a:pPr>
+            <a:endParaRPr sz="1100" dirty="0">
+              <a:latin typeface="Roboto"/>
+              <a:ea typeface="Roboto"/>
+              <a:cs typeface="Roboto"/>
+              <a:sym typeface="Roboto"/>
+            </a:endParaRPr>
           </a:p>
         </p:txBody>
       </p:sp>
@@ -7864,44 +10749,44 @@
 </file>
 
 <file path=ppt/theme/theme1.xml><?xml version="1.0" encoding="utf-8"?>
-<a:theme xmlns:a="http://schemas.openxmlformats.org/drawingml/2006/main" name="Pop">
+<a:theme xmlns:a="http://schemas.openxmlformats.org/drawingml/2006/main" name="Geometric">
   <a:themeElements>
-    <a:clrScheme name="Pop">
+    <a:clrScheme name="Geometric">
       <a:dk1>
-        <a:srgbClr val="F8E71C"/>
+        <a:srgbClr val="2A3990"/>
       </a:dk1>
       <a:lt1>
         <a:srgbClr val="FFFFFF"/>
       </a:lt1>
       <a:dk2>
-        <a:srgbClr val="000000"/>
+        <a:srgbClr val="434343"/>
       </a:dk2>
       <a:lt2>
-        <a:srgbClr val="D9D9D9"/>
+        <a:srgbClr val="999999"/>
       </a:lt2>
       <a:accent1>
-        <a:srgbClr val="666666"/>
+        <a:srgbClr val="212D74"/>
       </a:accent1>
       <a:accent2>
-        <a:srgbClr val="483165"/>
+        <a:srgbClr val="3949AB"/>
       </a:accent2>
       <a:accent3>
-        <a:srgbClr val="EB1E95"/>
+        <a:srgbClr val="9C254D"/>
       </a:accent3>
       <a:accent4>
-        <a:srgbClr val="01AFD1"/>
+        <a:srgbClr val="D23369"/>
       </a:accent4>
       <a:accent5>
-        <a:srgbClr val="0F9D58"/>
+        <a:srgbClr val="F06292"/>
       </a:accent5>
       <a:accent6>
-        <a:srgbClr val="9C27B0"/>
+        <a:srgbClr val="7890CD"/>
       </a:accent6>
       <a:hlink>
-        <a:srgbClr val="0F9D58"/>
+        <a:srgbClr val="F06292"/>
       </a:hlink>
       <a:folHlink>
-        <a:srgbClr val="0F9D58"/>
+        <a:srgbClr val="F06292"/>
       </a:folHlink>
     </a:clrScheme>
     <a:fontScheme name="Office">
